--- a/document/02_연구자료/01_Two Stream ConvNet for Action Recognition(최종)_염동빈.pptx
+++ b/document/02_연구자료/01_Two Stream ConvNet for Action Recognition(최종)_염동빈.pptx
@@ -12,12 +12,11 @@
     <p:sldId id="263" r:id="rId6"/>
     <p:sldId id="275" r:id="rId7"/>
     <p:sldId id="274" r:id="rId8"/>
-    <p:sldId id="267" r:id="rId9"/>
-    <p:sldId id="268" r:id="rId10"/>
-    <p:sldId id="270" r:id="rId11"/>
-    <p:sldId id="271" r:id="rId12"/>
-    <p:sldId id="272" r:id="rId13"/>
-    <p:sldId id="276" r:id="rId14"/>
+    <p:sldId id="268" r:id="rId9"/>
+    <p:sldId id="270" r:id="rId10"/>
+    <p:sldId id="271" r:id="rId11"/>
+    <p:sldId id="272" r:id="rId12"/>
+    <p:sldId id="276" r:id="rId13"/>
   </p:sldIdLst>
   <p:sldSz cx="12192000" cy="6858000"/>
   <p:notesSz cx="6858000" cy="9144000"/>
@@ -271,7 +270,7 @@
           <a:p>
             <a:fld id="{623C3952-D2FC-4FE7-B486-E077F389578E}" type="datetimeFigureOut">
               <a:rPr lang="ko-KR" altLang="en-US" smtClean="0"/>
-              <a:t>2022-05-25</a:t>
+              <a:t>2022-05-26</a:t>
             </a:fld>
             <a:endParaRPr lang="ko-KR" altLang="en-US"/>
           </a:p>
@@ -469,7 +468,7 @@
           <a:p>
             <a:fld id="{623C3952-D2FC-4FE7-B486-E077F389578E}" type="datetimeFigureOut">
               <a:rPr lang="ko-KR" altLang="en-US" smtClean="0"/>
-              <a:t>2022-05-25</a:t>
+              <a:t>2022-05-26</a:t>
             </a:fld>
             <a:endParaRPr lang="ko-KR" altLang="en-US"/>
           </a:p>
@@ -677,7 +676,7 @@
           <a:p>
             <a:fld id="{623C3952-D2FC-4FE7-B486-E077F389578E}" type="datetimeFigureOut">
               <a:rPr lang="ko-KR" altLang="en-US" smtClean="0"/>
-              <a:t>2022-05-25</a:t>
+              <a:t>2022-05-26</a:t>
             </a:fld>
             <a:endParaRPr lang="ko-KR" altLang="en-US"/>
           </a:p>
@@ -875,7 +874,7 @@
           <a:p>
             <a:fld id="{623C3952-D2FC-4FE7-B486-E077F389578E}" type="datetimeFigureOut">
               <a:rPr lang="ko-KR" altLang="en-US" smtClean="0"/>
-              <a:t>2022-05-25</a:t>
+              <a:t>2022-05-26</a:t>
             </a:fld>
             <a:endParaRPr lang="ko-KR" altLang="en-US"/>
           </a:p>
@@ -1150,7 +1149,7 @@
           <a:p>
             <a:fld id="{623C3952-D2FC-4FE7-B486-E077F389578E}" type="datetimeFigureOut">
               <a:rPr lang="ko-KR" altLang="en-US" smtClean="0"/>
-              <a:t>2022-05-25</a:t>
+              <a:t>2022-05-26</a:t>
             </a:fld>
             <a:endParaRPr lang="ko-KR" altLang="en-US"/>
           </a:p>
@@ -1415,7 +1414,7 @@
           <a:p>
             <a:fld id="{623C3952-D2FC-4FE7-B486-E077F389578E}" type="datetimeFigureOut">
               <a:rPr lang="ko-KR" altLang="en-US" smtClean="0"/>
-              <a:t>2022-05-25</a:t>
+              <a:t>2022-05-26</a:t>
             </a:fld>
             <a:endParaRPr lang="ko-KR" altLang="en-US"/>
           </a:p>
@@ -1827,7 +1826,7 @@
           <a:p>
             <a:fld id="{623C3952-D2FC-4FE7-B486-E077F389578E}" type="datetimeFigureOut">
               <a:rPr lang="ko-KR" altLang="en-US" smtClean="0"/>
-              <a:t>2022-05-25</a:t>
+              <a:t>2022-05-26</a:t>
             </a:fld>
             <a:endParaRPr lang="ko-KR" altLang="en-US"/>
           </a:p>
@@ -1968,7 +1967,7 @@
           <a:p>
             <a:fld id="{623C3952-D2FC-4FE7-B486-E077F389578E}" type="datetimeFigureOut">
               <a:rPr lang="ko-KR" altLang="en-US" smtClean="0"/>
-              <a:t>2022-05-25</a:t>
+              <a:t>2022-05-26</a:t>
             </a:fld>
             <a:endParaRPr lang="ko-KR" altLang="en-US"/>
           </a:p>
@@ -2081,7 +2080,7 @@
           <a:p>
             <a:fld id="{623C3952-D2FC-4FE7-B486-E077F389578E}" type="datetimeFigureOut">
               <a:rPr lang="ko-KR" altLang="en-US" smtClean="0"/>
-              <a:t>2022-05-25</a:t>
+              <a:t>2022-05-26</a:t>
             </a:fld>
             <a:endParaRPr lang="ko-KR" altLang="en-US"/>
           </a:p>
@@ -2392,7 +2391,7 @@
           <a:p>
             <a:fld id="{623C3952-D2FC-4FE7-B486-E077F389578E}" type="datetimeFigureOut">
               <a:rPr lang="ko-KR" altLang="en-US" smtClean="0"/>
-              <a:t>2022-05-25</a:t>
+              <a:t>2022-05-26</a:t>
             </a:fld>
             <a:endParaRPr lang="ko-KR" altLang="en-US"/>
           </a:p>
@@ -2680,7 +2679,7 @@
           <a:p>
             <a:fld id="{623C3952-D2FC-4FE7-B486-E077F389578E}" type="datetimeFigureOut">
               <a:rPr lang="ko-KR" altLang="en-US" smtClean="0"/>
-              <a:t>2022-05-25</a:t>
+              <a:t>2022-05-26</a:t>
             </a:fld>
             <a:endParaRPr lang="ko-KR" altLang="en-US"/>
           </a:p>
@@ -2921,7 +2920,7 @@
           <a:p>
             <a:fld id="{623C3952-D2FC-4FE7-B486-E077F389578E}" type="datetimeFigureOut">
               <a:rPr lang="ko-KR" altLang="en-US" smtClean="0"/>
-              <a:t>2022-05-25</a:t>
+              <a:t>2022-05-26</a:t>
             </a:fld>
             <a:endParaRPr lang="ko-KR" altLang="en-US"/>
           </a:p>
@@ -3737,8 +3736,8 @@
         </p:nvSpPr>
         <p:spPr>
           <a:xfrm>
-            <a:off x="272929" y="3545606"/>
-            <a:ext cx="9206629" cy="1938992"/>
+            <a:off x="272929" y="3599684"/>
+            <a:ext cx="9206629" cy="2492990"/>
           </a:xfrm>
           <a:prstGeom prst="rect">
             <a:avLst/>
@@ -3756,7 +3755,7 @@
                 <a:latin typeface="나눔스퀘어" panose="020B0600000101010101" pitchFamily="50" charset="-127"/>
                 <a:ea typeface="나눔스퀘어" panose="020B0600000101010101" pitchFamily="50" charset="-127"/>
               </a:rPr>
-              <a:t>Temporal </a:t>
+              <a:t>Two-stream </a:t>
             </a:r>
             <a:r>
               <a:rPr lang="en-US" altLang="ko-KR" sz="1600" b="1" dirty="0" err="1">
@@ -3777,14 +3776,14 @@
                 <a:latin typeface="나눔스퀘어" panose="020B0600000101010101" pitchFamily="50" charset="-127"/>
                 <a:ea typeface="나눔스퀘어" panose="020B0600000101010101" pitchFamily="50" charset="-127"/>
               </a:rPr>
-              <a:t>(</a:t>
+              <a:t>(fusion </a:t>
             </a:r>
             <a:r>
               <a:rPr lang="ko-KR" altLang="en-US" sz="1600" b="1" dirty="0">
                 <a:latin typeface="나눔스퀘어" panose="020B0600000101010101" pitchFamily="50" charset="-127"/>
                 <a:ea typeface="나눔스퀘어" panose="020B0600000101010101" pitchFamily="50" charset="-127"/>
               </a:rPr>
-              <a:t>학습 방식에 따른 차이 확인</a:t>
+              <a:t>방식에 따른 차이 확인</a:t>
             </a:r>
             <a:r>
               <a:rPr lang="en-US" altLang="ko-KR" sz="1600" b="1" dirty="0">
@@ -3800,15 +3799,319 @@
                 <a:latin typeface="나눔스퀘어" panose="020B0600000101010101" pitchFamily="50" charset="-127"/>
                 <a:ea typeface="나눔스퀘어" panose="020B0600000101010101" pitchFamily="50" charset="-127"/>
               </a:rPr>
-              <a:t>1. HMDB-51 </a:t>
+              <a:t>1. Spatial </a:t>
+            </a:r>
+            <a:r>
+              <a:rPr lang="en-US" altLang="ko-KR" sz="1200" dirty="0" err="1">
+                <a:latin typeface="나눔스퀘어" panose="020B0600000101010101" pitchFamily="50" charset="-127"/>
+                <a:ea typeface="나눔스퀘어" panose="020B0600000101010101" pitchFamily="50" charset="-127"/>
+              </a:rPr>
+              <a:t>ConvNet</a:t>
+            </a:r>
+            <a:r>
+              <a:rPr lang="en-US" altLang="ko-KR" sz="1200" dirty="0">
+                <a:latin typeface="나눔스퀘어" panose="020B0600000101010101" pitchFamily="50" charset="-127"/>
+                <a:ea typeface="나눔스퀘어" panose="020B0600000101010101" pitchFamily="50" charset="-127"/>
+              </a:rPr>
+              <a:t> + bi-directional Temporal</a:t>
             </a:r>
             <a:r>
               <a:rPr lang="ko-KR" altLang="en-US" sz="1200" dirty="0">
                 <a:latin typeface="나눔스퀘어" panose="020B0600000101010101" pitchFamily="50" charset="-127"/>
                 <a:ea typeface="나눔스퀘어" panose="020B0600000101010101" pitchFamily="50" charset="-127"/>
               </a:rPr>
-              <a:t>학습</a:t>
-            </a:r>
+              <a:t> </a:t>
+            </a:r>
+            <a:r>
+              <a:rPr lang="en-US" altLang="ko-KR" sz="1200" dirty="0" err="1">
+                <a:latin typeface="나눔스퀘어" panose="020B0600000101010101" pitchFamily="50" charset="-127"/>
+                <a:ea typeface="나눔스퀘어" panose="020B0600000101010101" pitchFamily="50" charset="-127"/>
+              </a:rPr>
+              <a:t>ConvNet</a:t>
+            </a:r>
+            <a:r>
+              <a:rPr lang="ko-KR" altLang="en-US" sz="1200" dirty="0">
+                <a:latin typeface="나눔스퀘어" panose="020B0600000101010101" pitchFamily="50" charset="-127"/>
+                <a:ea typeface="나눔스퀘어" panose="020B0600000101010101" pitchFamily="50" charset="-127"/>
+              </a:rPr>
+              <a:t> </a:t>
+            </a:r>
+            <a:r>
+              <a:rPr lang="en-US" altLang="ko-KR" sz="1200" dirty="0">
+                <a:latin typeface="나눔스퀘어" panose="020B0600000101010101" pitchFamily="50" charset="-127"/>
+                <a:ea typeface="나눔스퀘어" panose="020B0600000101010101" pitchFamily="50" charset="-127"/>
+              </a:rPr>
+              <a:t>with </a:t>
+            </a:r>
+            <a:r>
+              <a:rPr lang="en-US" altLang="ko-KR" sz="1200" dirty="0" err="1">
+                <a:latin typeface="나눔스퀘어" panose="020B0600000101010101" pitchFamily="50" charset="-127"/>
+                <a:ea typeface="나눔스퀘어" panose="020B0600000101010101" pitchFamily="50" charset="-127"/>
+              </a:rPr>
+              <a:t>softmax</a:t>
+            </a:r>
+            <a:r>
+              <a:rPr lang="en-US" altLang="ko-KR" sz="1200" dirty="0">
+                <a:latin typeface="나눔스퀘어" panose="020B0600000101010101" pitchFamily="50" charset="-127"/>
+                <a:ea typeface="나눔스퀘어" panose="020B0600000101010101" pitchFamily="50" charset="-127"/>
+              </a:rPr>
+              <a:t> scores fusion(averaging)</a:t>
+            </a:r>
+          </a:p>
+          <a:p>
+            <a:r>
+              <a:rPr lang="en-US" altLang="ko-KR" sz="1200" dirty="0">
+                <a:latin typeface="나눔스퀘어" panose="020B0600000101010101" pitchFamily="50" charset="-127"/>
+                <a:ea typeface="나눔스퀘어" panose="020B0600000101010101" pitchFamily="50" charset="-127"/>
+              </a:rPr>
+              <a:t>2. Spatial </a:t>
+            </a:r>
+            <a:r>
+              <a:rPr lang="en-US" altLang="ko-KR" sz="1200" dirty="0" err="1">
+                <a:latin typeface="나눔스퀘어" panose="020B0600000101010101" pitchFamily="50" charset="-127"/>
+                <a:ea typeface="나눔스퀘어" panose="020B0600000101010101" pitchFamily="50" charset="-127"/>
+              </a:rPr>
+              <a:t>ConvNet</a:t>
+            </a:r>
+            <a:r>
+              <a:rPr lang="en-US" altLang="ko-KR" sz="1200" dirty="0">
+                <a:latin typeface="나눔스퀘어" panose="020B0600000101010101" pitchFamily="50" charset="-127"/>
+                <a:ea typeface="나눔스퀘어" panose="020B0600000101010101" pitchFamily="50" charset="-127"/>
+              </a:rPr>
+              <a:t> + </a:t>
+            </a:r>
+            <a:r>
+              <a:rPr lang="en-US" altLang="ko-KR" sz="1200" dirty="0" err="1">
+                <a:latin typeface="나눔스퀘어" panose="020B0600000101010101" pitchFamily="50" charset="-127"/>
+                <a:ea typeface="나눔스퀘어" panose="020B0600000101010101" pitchFamily="50" charset="-127"/>
+              </a:rPr>
+              <a:t>uni</a:t>
+            </a:r>
+            <a:r>
+              <a:rPr lang="en-US" altLang="ko-KR" sz="1200" dirty="0">
+                <a:latin typeface="나눔스퀘어" panose="020B0600000101010101" pitchFamily="50" charset="-127"/>
+                <a:ea typeface="나눔스퀘어" panose="020B0600000101010101" pitchFamily="50" charset="-127"/>
+              </a:rPr>
+              <a:t>-directional Temporal </a:t>
+            </a:r>
+            <a:r>
+              <a:rPr lang="en-US" altLang="ko-KR" sz="1200" dirty="0" err="1">
+                <a:latin typeface="나눔스퀘어" panose="020B0600000101010101" pitchFamily="50" charset="-127"/>
+                <a:ea typeface="나눔스퀘어" panose="020B0600000101010101" pitchFamily="50" charset="-127"/>
+              </a:rPr>
+              <a:t>ConvNet</a:t>
+            </a:r>
+            <a:r>
+              <a:rPr lang="ko-KR" altLang="en-US" sz="1200" dirty="0">
+                <a:latin typeface="나눔스퀘어" panose="020B0600000101010101" pitchFamily="50" charset="-127"/>
+                <a:ea typeface="나눔스퀘어" panose="020B0600000101010101" pitchFamily="50" charset="-127"/>
+              </a:rPr>
+              <a:t> </a:t>
+            </a:r>
+            <a:r>
+              <a:rPr lang="en-US" altLang="ko-KR" sz="1200" dirty="0">
+                <a:latin typeface="나눔스퀘어" panose="020B0600000101010101" pitchFamily="50" charset="-127"/>
+                <a:ea typeface="나눔스퀘어" panose="020B0600000101010101" pitchFamily="50" charset="-127"/>
+              </a:rPr>
+              <a:t>with </a:t>
+            </a:r>
+            <a:r>
+              <a:rPr lang="en-US" altLang="ko-KR" sz="1200" dirty="0" err="1">
+                <a:latin typeface="나눔스퀘어" panose="020B0600000101010101" pitchFamily="50" charset="-127"/>
+                <a:ea typeface="나눔스퀘어" panose="020B0600000101010101" pitchFamily="50" charset="-127"/>
+              </a:rPr>
+              <a:t>softmax</a:t>
+            </a:r>
+            <a:r>
+              <a:rPr lang="en-US" altLang="ko-KR" sz="1200" dirty="0">
+                <a:latin typeface="나눔스퀘어" panose="020B0600000101010101" pitchFamily="50" charset="-127"/>
+                <a:ea typeface="나눔스퀘어" panose="020B0600000101010101" pitchFamily="50" charset="-127"/>
+              </a:rPr>
+              <a:t> scores fusion(averaging)</a:t>
+            </a:r>
+            <a:br>
+              <a:rPr lang="en-US" altLang="ko-KR" sz="1200" dirty="0">
+                <a:latin typeface="나눔스퀘어" panose="020B0600000101010101" pitchFamily="50" charset="-127"/>
+                <a:ea typeface="나눔스퀘어" panose="020B0600000101010101" pitchFamily="50" charset="-127"/>
+              </a:rPr>
+            </a:br>
+            <a:r>
+              <a:rPr lang="en-US" altLang="ko-KR" sz="1200" dirty="0">
+                <a:latin typeface="나눔스퀘어" panose="020B0600000101010101" pitchFamily="50" charset="-127"/>
+                <a:ea typeface="나눔스퀘어" panose="020B0600000101010101" pitchFamily="50" charset="-127"/>
+              </a:rPr>
+              <a:t>3. Spatial</a:t>
+            </a:r>
+            <a:r>
+              <a:rPr lang="ko-KR" altLang="en-US" sz="1200" dirty="0">
+                <a:latin typeface="나눔스퀘어" panose="020B0600000101010101" pitchFamily="50" charset="-127"/>
+                <a:ea typeface="나눔스퀘어" panose="020B0600000101010101" pitchFamily="50" charset="-127"/>
+              </a:rPr>
+              <a:t> </a:t>
+            </a:r>
+            <a:r>
+              <a:rPr lang="en-US" altLang="ko-KR" sz="1200" dirty="0" err="1">
+                <a:latin typeface="나눔스퀘어" panose="020B0600000101010101" pitchFamily="50" charset="-127"/>
+                <a:ea typeface="나눔스퀘어" panose="020B0600000101010101" pitchFamily="50" charset="-127"/>
+              </a:rPr>
+              <a:t>ConvNet</a:t>
+            </a:r>
+            <a:r>
+              <a:rPr lang="en-US" altLang="ko-KR" sz="1200" dirty="0">
+                <a:latin typeface="나눔스퀘어" panose="020B0600000101010101" pitchFamily="50" charset="-127"/>
+                <a:ea typeface="나눔스퀘어" panose="020B0600000101010101" pitchFamily="50" charset="-127"/>
+              </a:rPr>
+              <a:t> + </a:t>
+            </a:r>
+            <a:r>
+              <a:rPr lang="en-US" altLang="ko-KR" sz="1200" dirty="0" err="1">
+                <a:latin typeface="나눔스퀘어" panose="020B0600000101010101" pitchFamily="50" charset="-127"/>
+                <a:ea typeface="나눔스퀘어" panose="020B0600000101010101" pitchFamily="50" charset="-127"/>
+              </a:rPr>
+              <a:t>uni</a:t>
+            </a:r>
+            <a:r>
+              <a:rPr lang="en-US" altLang="ko-KR" sz="1200" dirty="0">
+                <a:latin typeface="나눔스퀘어" panose="020B0600000101010101" pitchFamily="50" charset="-127"/>
+                <a:ea typeface="나눔스퀘어" panose="020B0600000101010101" pitchFamily="50" charset="-127"/>
+              </a:rPr>
+              <a:t>-directional Temporal </a:t>
+            </a:r>
+            <a:r>
+              <a:rPr lang="en-US" altLang="ko-KR" sz="1200" dirty="0" err="1">
+                <a:latin typeface="나눔스퀘어" panose="020B0600000101010101" pitchFamily="50" charset="-127"/>
+                <a:ea typeface="나눔스퀘어" panose="020B0600000101010101" pitchFamily="50" charset="-127"/>
+              </a:rPr>
+              <a:t>ConvNet</a:t>
+            </a:r>
+            <a:r>
+              <a:rPr lang="en-US" altLang="ko-KR" sz="1200" dirty="0">
+                <a:latin typeface="나눔스퀘어" panose="020B0600000101010101" pitchFamily="50" charset="-127"/>
+                <a:ea typeface="나눔스퀘어" panose="020B0600000101010101" pitchFamily="50" charset="-127"/>
+              </a:rPr>
+              <a:t>(multi-task learning)</a:t>
+            </a:r>
+            <a:r>
+              <a:rPr lang="ko-KR" altLang="en-US" sz="1200" dirty="0">
+                <a:latin typeface="나눔스퀘어" panose="020B0600000101010101" pitchFamily="50" charset="-127"/>
+                <a:ea typeface="나눔스퀘어" panose="020B0600000101010101" pitchFamily="50" charset="-127"/>
+              </a:rPr>
+              <a:t> </a:t>
+            </a:r>
+            <a:r>
+              <a:rPr lang="en-US" altLang="ko-KR" sz="1200" dirty="0">
+                <a:latin typeface="나눔스퀘어" panose="020B0600000101010101" pitchFamily="50" charset="-127"/>
+                <a:ea typeface="나눔스퀘어" panose="020B0600000101010101" pitchFamily="50" charset="-127"/>
+              </a:rPr>
+              <a:t>with </a:t>
+            </a:r>
+            <a:r>
+              <a:rPr lang="en-US" altLang="ko-KR" sz="1200" dirty="0" err="1">
+                <a:latin typeface="나눔스퀘어" panose="020B0600000101010101" pitchFamily="50" charset="-127"/>
+                <a:ea typeface="나눔스퀘어" panose="020B0600000101010101" pitchFamily="50" charset="-127"/>
+              </a:rPr>
+              <a:t>softmax</a:t>
+            </a:r>
+            <a:r>
+              <a:rPr lang="en-US" altLang="ko-KR" sz="1200" dirty="0">
+                <a:latin typeface="나눔스퀘어" panose="020B0600000101010101" pitchFamily="50" charset="-127"/>
+                <a:ea typeface="나눔스퀘어" panose="020B0600000101010101" pitchFamily="50" charset="-127"/>
+              </a:rPr>
+              <a:t> scores fusion(averaging)</a:t>
+            </a:r>
+          </a:p>
+          <a:p>
+            <a:r>
+              <a:rPr lang="en-US" altLang="ko-KR" sz="1200" dirty="0">
+                <a:latin typeface="나눔스퀘어" panose="020B0600000101010101" pitchFamily="50" charset="-127"/>
+                <a:ea typeface="나눔스퀘어" panose="020B0600000101010101" pitchFamily="50" charset="-127"/>
+              </a:rPr>
+              <a:t>4. Spatial </a:t>
+            </a:r>
+            <a:r>
+              <a:rPr lang="en-US" altLang="ko-KR" sz="1200" dirty="0" err="1">
+                <a:latin typeface="나눔스퀘어" panose="020B0600000101010101" pitchFamily="50" charset="-127"/>
+                <a:ea typeface="나눔스퀘어" panose="020B0600000101010101" pitchFamily="50" charset="-127"/>
+              </a:rPr>
+              <a:t>ConvNet</a:t>
+            </a:r>
+            <a:r>
+              <a:rPr lang="en-US" altLang="ko-KR" sz="1200" dirty="0">
+                <a:latin typeface="나눔스퀘어" panose="020B0600000101010101" pitchFamily="50" charset="-127"/>
+                <a:ea typeface="나눔스퀘어" panose="020B0600000101010101" pitchFamily="50" charset="-127"/>
+              </a:rPr>
+              <a:t> + </a:t>
+            </a:r>
+            <a:r>
+              <a:rPr lang="en-US" altLang="ko-KR" sz="1200" dirty="0" err="1">
+                <a:latin typeface="나눔스퀘어" panose="020B0600000101010101" pitchFamily="50" charset="-127"/>
+                <a:ea typeface="나눔스퀘어" panose="020B0600000101010101" pitchFamily="50" charset="-127"/>
+              </a:rPr>
+              <a:t>uni</a:t>
+            </a:r>
+            <a:r>
+              <a:rPr lang="en-US" altLang="ko-KR" sz="1200" dirty="0">
+                <a:latin typeface="나눔스퀘어" panose="020B0600000101010101" pitchFamily="50" charset="-127"/>
+                <a:ea typeface="나눔스퀘어" panose="020B0600000101010101" pitchFamily="50" charset="-127"/>
+              </a:rPr>
+              <a:t>-directional Temporal </a:t>
+            </a:r>
+            <a:r>
+              <a:rPr lang="en-US" altLang="ko-KR" sz="1200" dirty="0" err="1">
+                <a:latin typeface="나눔스퀘어" panose="020B0600000101010101" pitchFamily="50" charset="-127"/>
+                <a:ea typeface="나눔스퀘어" panose="020B0600000101010101" pitchFamily="50" charset="-127"/>
+              </a:rPr>
+              <a:t>ConvNet</a:t>
+            </a:r>
+            <a:r>
+              <a:rPr lang="en-US" altLang="ko-KR" sz="1200" dirty="0">
+                <a:latin typeface="나눔스퀘어" panose="020B0600000101010101" pitchFamily="50" charset="-127"/>
+                <a:ea typeface="나눔스퀘어" panose="020B0600000101010101" pitchFamily="50" charset="-127"/>
+              </a:rPr>
+              <a:t>(multi-task learning)</a:t>
+            </a:r>
+            <a:r>
+              <a:rPr lang="ko-KR" altLang="en-US" sz="1200" dirty="0">
+                <a:latin typeface="나눔스퀘어" panose="020B0600000101010101" pitchFamily="50" charset="-127"/>
+                <a:ea typeface="나눔스퀘어" panose="020B0600000101010101" pitchFamily="50" charset="-127"/>
+              </a:rPr>
+              <a:t> </a:t>
+            </a:r>
+            <a:r>
+              <a:rPr lang="en-US" altLang="ko-KR" sz="1200" dirty="0" err="1">
+                <a:latin typeface="나눔스퀘어" panose="020B0600000101010101" pitchFamily="50" charset="-127"/>
+                <a:ea typeface="나눔스퀘어" panose="020B0600000101010101" pitchFamily="50" charset="-127"/>
+              </a:rPr>
+              <a:t>softmax</a:t>
+            </a:r>
+            <a:r>
+              <a:rPr lang="en-US" altLang="ko-KR" sz="1200" dirty="0">
+                <a:latin typeface="나눔스퀘어" panose="020B0600000101010101" pitchFamily="50" charset="-127"/>
+                <a:ea typeface="나눔스퀘어" panose="020B0600000101010101" pitchFamily="50" charset="-127"/>
+              </a:rPr>
+              <a:t> scores fusion(SVM)</a:t>
+            </a:r>
+          </a:p>
+          <a:p>
+            <a:endParaRPr lang="en-US" altLang="ko-KR" sz="1600" dirty="0">
+              <a:latin typeface="나눔스퀘어" panose="020B0600000101010101" pitchFamily="50" charset="-127"/>
+              <a:ea typeface="나눔스퀘어" panose="020B0600000101010101" pitchFamily="50" charset="-127"/>
+            </a:endParaRPr>
+          </a:p>
+          <a:p>
+            <a:r>
+              <a:rPr lang="ko-KR" altLang="en-US" sz="1600" b="1" dirty="0">
+                <a:latin typeface="나눔스퀘어" panose="020B0600000101010101" pitchFamily="50" charset="-127"/>
+                <a:ea typeface="나눔스퀘어" panose="020B0600000101010101" pitchFamily="50" charset="-127"/>
+              </a:rPr>
+              <a:t>결과</a:t>
+            </a:r>
+            <a:endParaRPr lang="en-US" altLang="ko-KR" sz="1600" b="1" dirty="0">
+              <a:latin typeface="나눔스퀘어" panose="020B0600000101010101" pitchFamily="50" charset="-127"/>
+              <a:ea typeface="나눔스퀘어" panose="020B0600000101010101" pitchFamily="50" charset="-127"/>
+            </a:endParaRPr>
+          </a:p>
+          <a:p>
             <a:endParaRPr lang="en-US" altLang="ko-KR" sz="1200" dirty="0">
               <a:latin typeface="나눔스퀘어" panose="020B0600000101010101" pitchFamily="50" charset="-127"/>
               <a:ea typeface="나눔스퀘어" panose="020B0600000101010101" pitchFamily="50" charset="-127"/>
@@ -3820,148 +4123,14 @@
                 <a:latin typeface="나눔스퀘어" panose="020B0600000101010101" pitchFamily="50" charset="-127"/>
                 <a:ea typeface="나눔스퀘어" panose="020B0600000101010101" pitchFamily="50" charset="-127"/>
               </a:rPr>
-              <a:t>2. UCF-101</a:t>
+              <a:t>spatial, temporal stream</a:t>
             </a:r>
             <a:r>
               <a:rPr lang="ko-KR" altLang="en-US" sz="1200" dirty="0">
                 <a:latin typeface="나눔스퀘어" panose="020B0600000101010101" pitchFamily="50" charset="-127"/>
                 <a:ea typeface="나눔스퀘어" panose="020B0600000101010101" pitchFamily="50" charset="-127"/>
               </a:rPr>
-              <a:t>으로 </a:t>
-            </a:r>
-            <a:r>
-              <a:rPr lang="ko-KR" altLang="en-US" sz="1200" dirty="0" err="1">
-                <a:latin typeface="나눔스퀘어" panose="020B0600000101010101" pitchFamily="50" charset="-127"/>
-                <a:ea typeface="나눔스퀘어" panose="020B0600000101010101" pitchFamily="50" charset="-127"/>
-              </a:rPr>
-              <a:t>사전학습된</a:t>
-            </a:r>
-            <a:r>
-              <a:rPr lang="ko-KR" altLang="en-US" sz="1200" dirty="0">
-                <a:latin typeface="나눔스퀘어" panose="020B0600000101010101" pitchFamily="50" charset="-127"/>
-                <a:ea typeface="나눔스퀘어" panose="020B0600000101010101" pitchFamily="50" charset="-127"/>
-              </a:rPr>
-              <a:t> </a:t>
-            </a:r>
-            <a:r>
-              <a:rPr lang="en-US" altLang="ko-KR" sz="1200" dirty="0" err="1">
-                <a:latin typeface="나눔스퀘어" panose="020B0600000101010101" pitchFamily="50" charset="-127"/>
-                <a:ea typeface="나눔스퀘어" panose="020B0600000101010101" pitchFamily="50" charset="-127"/>
-              </a:rPr>
-              <a:t>ConvNet</a:t>
-            </a:r>
-            <a:r>
-              <a:rPr lang="ko-KR" altLang="en-US" sz="1200" dirty="0">
-                <a:latin typeface="나눔스퀘어" panose="020B0600000101010101" pitchFamily="50" charset="-127"/>
-                <a:ea typeface="나눔스퀘어" panose="020B0600000101010101" pitchFamily="50" charset="-127"/>
-              </a:rPr>
-              <a:t>을 </a:t>
-            </a:r>
-            <a:r>
-              <a:rPr lang="en-US" altLang="ko-KR" sz="1200" dirty="0">
-                <a:latin typeface="나눔스퀘어" panose="020B0600000101010101" pitchFamily="50" charset="-127"/>
-                <a:ea typeface="나눔스퀘어" panose="020B0600000101010101" pitchFamily="50" charset="-127"/>
-              </a:rPr>
-              <a:t>Fine-tuning</a:t>
-            </a:r>
-            <a:br>
-              <a:rPr lang="en-US" altLang="ko-KR" sz="1200" dirty="0">
-                <a:latin typeface="나눔스퀘어" panose="020B0600000101010101" pitchFamily="50" charset="-127"/>
-                <a:ea typeface="나눔스퀘어" panose="020B0600000101010101" pitchFamily="50" charset="-127"/>
-              </a:rPr>
-            </a:br>
-            <a:r>
-              <a:rPr lang="en-US" altLang="ko-KR" sz="1200" dirty="0">
-                <a:latin typeface="나눔스퀘어" panose="020B0600000101010101" pitchFamily="50" charset="-127"/>
-                <a:ea typeface="나눔스퀘어" panose="020B0600000101010101" pitchFamily="50" charset="-127"/>
-              </a:rPr>
-              <a:t>3. UCF-101</a:t>
-            </a:r>
-            <a:r>
-              <a:rPr lang="ko-KR" altLang="en-US" sz="1200" dirty="0">
-                <a:latin typeface="나눔스퀘어" panose="020B0600000101010101" pitchFamily="50" charset="-127"/>
-                <a:ea typeface="나눔스퀘어" panose="020B0600000101010101" pitchFamily="50" charset="-127"/>
-              </a:rPr>
-              <a:t>로부터 </a:t>
-            </a:r>
-            <a:r>
-              <a:rPr lang="en-US" altLang="ko-KR" sz="1200" dirty="0">
-                <a:latin typeface="나눔스퀘어" panose="020B0600000101010101" pitchFamily="50" charset="-127"/>
-                <a:ea typeface="나눔스퀘어" panose="020B0600000101010101" pitchFamily="50" charset="-127"/>
-              </a:rPr>
-              <a:t>78</a:t>
-            </a:r>
-            <a:r>
-              <a:rPr lang="ko-KR" altLang="en-US" sz="1200" dirty="0">
-                <a:latin typeface="나눔스퀘어" panose="020B0600000101010101" pitchFamily="50" charset="-127"/>
-                <a:ea typeface="나눔스퀘어" panose="020B0600000101010101" pitchFamily="50" charset="-127"/>
-              </a:rPr>
-              <a:t>개의 클래스를 추가하여 </a:t>
-            </a:r>
-            <a:r>
-              <a:rPr lang="en-US" altLang="ko-KR" sz="1200" dirty="0">
-                <a:latin typeface="나눔스퀘어" panose="020B0600000101010101" pitchFamily="50" charset="-127"/>
-                <a:ea typeface="나눔스퀘어" panose="020B0600000101010101" pitchFamily="50" charset="-127"/>
-              </a:rPr>
-              <a:t>HMDB-51</a:t>
-            </a:r>
-            <a:r>
-              <a:rPr lang="ko-KR" altLang="en-US" sz="1200" dirty="0">
-                <a:latin typeface="나눔스퀘어" panose="020B0600000101010101" pitchFamily="50" charset="-127"/>
-                <a:ea typeface="나눔스퀘어" panose="020B0600000101010101" pitchFamily="50" charset="-127"/>
-              </a:rPr>
-              <a:t> 학습</a:t>
-            </a:r>
-            <a:r>
-              <a:rPr lang="en-US" altLang="ko-KR" sz="1200" dirty="0">
-                <a:latin typeface="나눔스퀘어" panose="020B0600000101010101" pitchFamily="50" charset="-127"/>
-                <a:ea typeface="나눔스퀘어" panose="020B0600000101010101" pitchFamily="50" charset="-127"/>
-              </a:rPr>
-              <a:t>(</a:t>
-            </a:r>
-            <a:r>
-              <a:rPr lang="ko-KR" altLang="en-US" sz="1200" dirty="0">
-                <a:latin typeface="나눔스퀘어" panose="020B0600000101010101" pitchFamily="50" charset="-127"/>
-                <a:ea typeface="나눔스퀘어" panose="020B0600000101010101" pitchFamily="50" charset="-127"/>
-              </a:rPr>
-              <a:t>서로 교차점이 없도록 선택</a:t>
-            </a:r>
-            <a:r>
-              <a:rPr lang="en-US" altLang="ko-KR" sz="1200" dirty="0">
-                <a:latin typeface="나눔스퀘어" panose="020B0600000101010101" pitchFamily="50" charset="-127"/>
-                <a:ea typeface="나눔스퀘어" panose="020B0600000101010101" pitchFamily="50" charset="-127"/>
-              </a:rPr>
-              <a:t>)</a:t>
-            </a:r>
-          </a:p>
-          <a:p>
-            <a:r>
-              <a:rPr lang="en-US" altLang="ko-KR" sz="1200" dirty="0">
-                <a:latin typeface="나눔스퀘어" panose="020B0600000101010101" pitchFamily="50" charset="-127"/>
-                <a:ea typeface="나눔스퀘어" panose="020B0600000101010101" pitchFamily="50" charset="-127"/>
-              </a:rPr>
-              <a:t>4. HMDB-51</a:t>
-            </a:r>
-            <a:r>
-              <a:rPr lang="ko-KR" altLang="en-US" sz="1200" dirty="0">
-                <a:latin typeface="나눔스퀘어" panose="020B0600000101010101" pitchFamily="50" charset="-127"/>
-                <a:ea typeface="나눔스퀘어" panose="020B0600000101010101" pitchFamily="50" charset="-127"/>
-              </a:rPr>
-              <a:t>과 </a:t>
-            </a:r>
-            <a:r>
-              <a:rPr lang="en-US" altLang="ko-KR" sz="1200" dirty="0">
-                <a:latin typeface="나눔스퀘어" panose="020B0600000101010101" pitchFamily="50" charset="-127"/>
-                <a:ea typeface="나눔스퀘어" panose="020B0600000101010101" pitchFamily="50" charset="-127"/>
-              </a:rPr>
-              <a:t>UCF-101 Multi-task </a:t>
-            </a:r>
-            <a:r>
-              <a:rPr lang="ko-KR" altLang="en-US" sz="1200" dirty="0">
-                <a:latin typeface="나눔스퀘어" panose="020B0600000101010101" pitchFamily="50" charset="-127"/>
-                <a:ea typeface="나눔스퀘어" panose="020B0600000101010101" pitchFamily="50" charset="-127"/>
-              </a:rPr>
-              <a:t>학습</a:t>
+              <a:t>은 상호 보완적</a:t>
             </a:r>
             <a:endParaRPr lang="en-US" altLang="ko-KR" sz="1200" dirty="0">
               <a:latin typeface="나눔스퀘어" panose="020B0600000101010101" pitchFamily="50" charset="-127"/>
@@ -3969,25 +4138,55 @@
             </a:endParaRPr>
           </a:p>
           <a:p>
-            <a:endParaRPr lang="en-US" altLang="ko-KR" sz="1600" dirty="0">
-              <a:latin typeface="나눔스퀘어" panose="020B0600000101010101" pitchFamily="50" charset="-127"/>
-              <a:ea typeface="나눔스퀘어" panose="020B0600000101010101" pitchFamily="50" charset="-127"/>
-            </a:endParaRPr>
-          </a:p>
-          <a:p>
-            <a:r>
-              <a:rPr lang="ko-KR" altLang="en-US" sz="1600" b="1" dirty="0">
-                <a:latin typeface="나눔스퀘어" panose="020B0600000101010101" pitchFamily="50" charset="-127"/>
-                <a:ea typeface="나눔스퀘어" panose="020B0600000101010101" pitchFamily="50" charset="-127"/>
-              </a:rPr>
-              <a:t>결과</a:t>
-            </a:r>
-            <a:endParaRPr lang="en-US" altLang="ko-KR" sz="1600" b="1" dirty="0">
-              <a:latin typeface="나눔스퀘어" panose="020B0600000101010101" pitchFamily="50" charset="-127"/>
-              <a:ea typeface="나눔스퀘어" panose="020B0600000101010101" pitchFamily="50" charset="-127"/>
-            </a:endParaRPr>
-          </a:p>
-          <a:p>
+            <a:r>
+              <a:rPr lang="en-US" altLang="ko-KR" sz="1200" dirty="0" err="1">
+                <a:latin typeface="나눔스퀘어" panose="020B0600000101010101" pitchFamily="50" charset="-127"/>
+                <a:ea typeface="나눔스퀘어" panose="020B0600000101010101" pitchFamily="50" charset="-127"/>
+              </a:rPr>
+              <a:t>softmax</a:t>
+            </a:r>
+            <a:r>
+              <a:rPr lang="en-US" altLang="ko-KR" sz="1200" dirty="0">
+                <a:latin typeface="나눔스퀘어" panose="020B0600000101010101" pitchFamily="50" charset="-127"/>
+                <a:ea typeface="나눔스퀘어" panose="020B0600000101010101" pitchFamily="50" charset="-127"/>
+              </a:rPr>
+              <a:t> scores</a:t>
+            </a:r>
+            <a:r>
+              <a:rPr lang="ko-KR" altLang="en-US" sz="1200" dirty="0">
+                <a:latin typeface="나눔스퀘어" panose="020B0600000101010101" pitchFamily="50" charset="-127"/>
+                <a:ea typeface="나눔스퀘어" panose="020B0600000101010101" pitchFamily="50" charset="-127"/>
+              </a:rPr>
+              <a:t>에서 </a:t>
+            </a:r>
+            <a:r>
+              <a:rPr lang="en-US" altLang="ko-KR" sz="1200" dirty="0">
+                <a:latin typeface="나눔스퀘어" panose="020B0600000101010101" pitchFamily="50" charset="-127"/>
+                <a:ea typeface="나눔스퀘어" panose="020B0600000101010101" pitchFamily="50" charset="-127"/>
+              </a:rPr>
+              <a:t>SVM fusion</a:t>
+            </a:r>
+            <a:r>
+              <a:rPr lang="ko-KR" altLang="en-US" sz="1200" dirty="0">
+                <a:latin typeface="나눔스퀘어" panose="020B0600000101010101" pitchFamily="50" charset="-127"/>
+                <a:ea typeface="나눔스퀘어" panose="020B0600000101010101" pitchFamily="50" charset="-127"/>
+              </a:rPr>
+              <a:t>이 </a:t>
+            </a:r>
+            <a:r>
+              <a:rPr lang="en-US" altLang="ko-KR" sz="1200" dirty="0">
+                <a:latin typeface="나눔스퀘어" panose="020B0600000101010101" pitchFamily="50" charset="-127"/>
+                <a:ea typeface="나눔스퀘어" panose="020B0600000101010101" pitchFamily="50" charset="-127"/>
+              </a:rPr>
+              <a:t>Averaging fusion</a:t>
+            </a:r>
+            <a:r>
+              <a:rPr lang="ko-KR" altLang="en-US" sz="1200" dirty="0">
+                <a:latin typeface="나눔스퀘어" panose="020B0600000101010101" pitchFamily="50" charset="-127"/>
+                <a:ea typeface="나눔스퀘어" panose="020B0600000101010101" pitchFamily="50" charset="-127"/>
+              </a:rPr>
+              <a:t>을 능가</a:t>
+            </a:r>
             <a:endParaRPr lang="en-US" altLang="ko-KR" sz="1200" dirty="0">
               <a:latin typeface="나눔스퀘어" panose="020B0600000101010101" pitchFamily="50" charset="-127"/>
               <a:ea typeface="나눔스퀘어" panose="020B0600000101010101" pitchFamily="50" charset="-127"/>
@@ -3995,58 +4194,130 @@
           </a:p>
           <a:p>
             <a:r>
+              <a:rPr lang="en-US" altLang="ko-KR" sz="1200" dirty="0">
+                <a:latin typeface="나눔스퀘어" panose="020B0600000101010101" pitchFamily="50" charset="-127"/>
+                <a:ea typeface="나눔스퀘어" panose="020B0600000101010101" pitchFamily="50" charset="-127"/>
+              </a:rPr>
+              <a:t>Bi-directional</a:t>
+            </a:r>
+            <a:r>
               <a:rPr lang="ko-KR" altLang="en-US" sz="1200" dirty="0">
                 <a:latin typeface="나눔스퀘어" panose="020B0600000101010101" pitchFamily="50" charset="-127"/>
                 <a:ea typeface="나눔스퀘어" panose="020B0600000101010101" pitchFamily="50" charset="-127"/>
               </a:rPr>
-              <a:t>→ </a:t>
+              <a:t>을 사용하는 것이 </a:t>
+            </a:r>
+            <a:r>
+              <a:rPr lang="en-US" altLang="ko-KR" sz="1200" dirty="0" err="1">
+                <a:latin typeface="나눔스퀘어" panose="020B0600000101010101" pitchFamily="50" charset="-127"/>
+                <a:ea typeface="나눔스퀘어" panose="020B0600000101010101" pitchFamily="50" charset="-127"/>
+              </a:rPr>
+              <a:t>ConvNet</a:t>
             </a:r>
             <a:r>
               <a:rPr lang="en-US" altLang="ko-KR" sz="1200" dirty="0">
                 <a:latin typeface="나눔스퀘어" panose="020B0600000101010101" pitchFamily="50" charset="-127"/>
                 <a:ea typeface="나눔스퀘어" panose="020B0600000101010101" pitchFamily="50" charset="-127"/>
               </a:rPr>
-              <a:t>Multi-task </a:t>
+              <a:t> fusion</a:t>
             </a:r>
             <a:r>
               <a:rPr lang="ko-KR" altLang="en-US" sz="1200" dirty="0">
                 <a:latin typeface="나눔스퀘어" panose="020B0600000101010101" pitchFamily="50" charset="-127"/>
                 <a:ea typeface="나눔스퀘어" panose="020B0600000101010101" pitchFamily="50" charset="-127"/>
               </a:rPr>
-              <a:t>학습이 최고의 성능을 냄</a:t>
-            </a:r>
-            <a:r>
-              <a:rPr lang="en-US" altLang="ko-KR" sz="1200" dirty="0">
-                <a:latin typeface="나눔스퀘어" panose="020B0600000101010101" pitchFamily="50" charset="-127"/>
-                <a:ea typeface="나눔스퀘어" panose="020B0600000101010101" pitchFamily="50" charset="-127"/>
-              </a:rPr>
-              <a:t> : </a:t>
-            </a:r>
-            <a:r>
-              <a:rPr lang="ko-KR" altLang="en-US" sz="1200" dirty="0">
-                <a:latin typeface="나눔스퀘어" panose="020B0600000101010101" pitchFamily="50" charset="-127"/>
-                <a:ea typeface="나눔스퀘어" panose="020B0600000101010101" pitchFamily="50" charset="-127"/>
-              </a:rPr>
-              <a:t>학습 절차에서 </a:t>
-            </a:r>
-            <a:r>
-              <a:rPr lang="ko-KR" altLang="en-US" sz="1200" dirty="0" err="1">
-                <a:latin typeface="나눔스퀘어" panose="020B0600000101010101" pitchFamily="50" charset="-127"/>
-                <a:ea typeface="나눔스퀘어" panose="020B0600000101010101" pitchFamily="50" charset="-127"/>
-              </a:rPr>
-              <a:t>사용가능한</a:t>
-            </a:r>
-            <a:r>
-              <a:rPr lang="ko-KR" altLang="en-US" sz="1200" dirty="0">
-                <a:latin typeface="나눔스퀘어" panose="020B0600000101010101" pitchFamily="50" charset="-127"/>
-                <a:ea typeface="나눔스퀘어" panose="020B0600000101010101" pitchFamily="50" charset="-127"/>
-              </a:rPr>
-              <a:t> 모든 학습 데이터를 활용할 수 있기 때문</a:t>
+              <a:t>시 유익하지 않음</a:t>
             </a:r>
             <a:endParaRPr lang="en-US" altLang="ko-KR" sz="1200" dirty="0">
               <a:latin typeface="나눔스퀘어" panose="020B0600000101010101" pitchFamily="50" charset="-127"/>
               <a:ea typeface="나눔스퀘어" panose="020B0600000101010101" pitchFamily="50" charset="-127"/>
             </a:endParaRPr>
+          </a:p>
+          <a:p>
+            <a:r>
+              <a:rPr lang="en-US" altLang="ko-KR" sz="1200" dirty="0">
+                <a:latin typeface="나눔스퀘어" panose="020B0600000101010101" pitchFamily="50" charset="-127"/>
+                <a:ea typeface="나눔스퀘어" panose="020B0600000101010101" pitchFamily="50" charset="-127"/>
+              </a:rPr>
+              <a:t>multi-task learning</a:t>
+            </a:r>
+            <a:r>
+              <a:rPr lang="ko-KR" altLang="en-US" sz="1200" dirty="0">
+                <a:latin typeface="나눔스퀘어" panose="020B0600000101010101" pitchFamily="50" charset="-127"/>
+                <a:ea typeface="나눔스퀘어" panose="020B0600000101010101" pitchFamily="50" charset="-127"/>
+              </a:rPr>
+              <a:t> </a:t>
+            </a:r>
+            <a:r>
+              <a:rPr lang="en-US" altLang="ko-KR" sz="1200" dirty="0">
+                <a:latin typeface="나눔스퀘어" panose="020B0600000101010101" pitchFamily="50" charset="-127"/>
+                <a:ea typeface="나눔스퀘어" panose="020B0600000101010101" pitchFamily="50" charset="-127"/>
+              </a:rPr>
+              <a:t>Temporal </a:t>
+            </a:r>
+            <a:r>
+              <a:rPr lang="en-US" altLang="ko-KR" sz="1200" dirty="0" err="1">
+                <a:latin typeface="나눔스퀘어" panose="020B0600000101010101" pitchFamily="50" charset="-127"/>
+                <a:ea typeface="나눔스퀘어" panose="020B0600000101010101" pitchFamily="50" charset="-127"/>
+              </a:rPr>
+              <a:t>ConvNet</a:t>
+            </a:r>
+            <a:r>
+              <a:rPr lang="ko-KR" altLang="en-US" sz="1200" dirty="0">
+                <a:latin typeface="나눔스퀘어" panose="020B0600000101010101" pitchFamily="50" charset="-127"/>
+                <a:ea typeface="나눔스퀘어" panose="020B0600000101010101" pitchFamily="50" charset="-127"/>
+              </a:rPr>
+              <a:t>은 </a:t>
+            </a:r>
+            <a:r>
+              <a:rPr lang="en-US" altLang="ko-KR" sz="1200" dirty="0">
+                <a:latin typeface="나눔스퀘어" panose="020B0600000101010101" pitchFamily="50" charset="-127"/>
+                <a:ea typeface="나눔스퀘어" panose="020B0600000101010101" pitchFamily="50" charset="-127"/>
+              </a:rPr>
+              <a:t>single</a:t>
+            </a:r>
+            <a:r>
+              <a:rPr lang="ko-KR" altLang="en-US" sz="1200" dirty="0">
+                <a:latin typeface="나눔스퀘어" panose="020B0600000101010101" pitchFamily="50" charset="-127"/>
+                <a:ea typeface="나눔스퀘어" panose="020B0600000101010101" pitchFamily="50" charset="-127"/>
+              </a:rPr>
+              <a:t> </a:t>
+            </a:r>
+            <a:r>
+              <a:rPr lang="en-US" altLang="ko-KR" sz="1200" dirty="0">
+                <a:latin typeface="나눔스퀘어" panose="020B0600000101010101" pitchFamily="50" charset="-127"/>
+                <a:ea typeface="나눔스퀘어" panose="020B0600000101010101" pitchFamily="50" charset="-127"/>
+              </a:rPr>
+              <a:t>or</a:t>
+            </a:r>
+            <a:r>
+              <a:rPr lang="ko-KR" altLang="en-US" sz="1200" dirty="0">
+                <a:latin typeface="나눔스퀘어" panose="020B0600000101010101" pitchFamily="50" charset="-127"/>
+                <a:ea typeface="나눔스퀘어" panose="020B0600000101010101" pitchFamily="50" charset="-127"/>
+              </a:rPr>
+              <a:t> </a:t>
+            </a:r>
+            <a:r>
+              <a:rPr lang="en-US" altLang="ko-KR" sz="1200" dirty="0">
+                <a:latin typeface="나눔스퀘어" panose="020B0600000101010101" pitchFamily="50" charset="-127"/>
+                <a:ea typeface="나눔스퀘어" panose="020B0600000101010101" pitchFamily="50" charset="-127"/>
+              </a:rPr>
+              <a:t>fusion</a:t>
+            </a:r>
+            <a:r>
+              <a:rPr lang="ko-KR" altLang="en-US" sz="1200" dirty="0">
+                <a:latin typeface="나눔스퀘어" panose="020B0600000101010101" pitchFamily="50" charset="-127"/>
+                <a:ea typeface="나눔스퀘어" panose="020B0600000101010101" pitchFamily="50" charset="-127"/>
+              </a:rPr>
+              <a:t>하여 사용 시 둘 다 최고의 성능을 냄</a:t>
+            </a:r>
+            <a:r>
+              <a:rPr lang="en-US" altLang="ko-KR" sz="1200" dirty="0">
+                <a:latin typeface="나눔스퀘어" panose="020B0600000101010101" pitchFamily="50" charset="-127"/>
+                <a:ea typeface="나눔스퀘어" panose="020B0600000101010101" pitchFamily="50" charset="-127"/>
+              </a:rPr>
+              <a:t>    </a:t>
+            </a:r>
           </a:p>
         </p:txBody>
       </p:sp>
@@ -4079,32 +4350,25 @@
           <a:lstStyle/>
           <a:p>
             <a:r>
-              <a:rPr lang="en-US" altLang="ko-KR" sz="2000" b="1">
+              <a:rPr lang="en-US" altLang="ko-KR" sz="2000" b="1" dirty="0">
                 <a:latin typeface="나눔스퀘어" panose="020B0600000101010101" pitchFamily="50" charset="-127"/>
                 <a:ea typeface="나눔스퀘어" panose="020B0600000101010101" pitchFamily="50" charset="-127"/>
               </a:rPr>
               <a:t>3. </a:t>
             </a:r>
             <a:r>
-              <a:rPr lang="ko-KR" altLang="en-US" sz="2000" b="1">
+              <a:rPr lang="ko-KR" altLang="en-US" sz="2000" b="1" dirty="0">
                 <a:latin typeface="나눔스퀘어" panose="020B0600000101010101" pitchFamily="50" charset="-127"/>
                 <a:ea typeface="나눔스퀘어" panose="020B0600000101010101" pitchFamily="50" charset="-127"/>
               </a:rPr>
               <a:t>실험 결과 </a:t>
             </a:r>
             <a:r>
-              <a:rPr lang="en-US" altLang="ko-KR" sz="2000" b="1">
-                <a:latin typeface="나눔스퀘어" panose="020B0600000101010101" pitchFamily="50" charset="-127"/>
-                <a:ea typeface="나눔스퀘어" panose="020B0600000101010101" pitchFamily="50" charset="-127"/>
-              </a:rPr>
-              <a:t>: Table2</a:t>
-            </a:r>
-            <a:r>
               <a:rPr lang="en-US" altLang="ko-KR" sz="2000" b="1" dirty="0">
                 <a:latin typeface="나눔스퀘어" panose="020B0600000101010101" pitchFamily="50" charset="-127"/>
                 <a:ea typeface="나눔스퀘어" panose="020B0600000101010101" pitchFamily="50" charset="-127"/>
               </a:rPr>
-              <a:t>. Temporal </a:t>
+              <a:t>: Table3. Two-stream </a:t>
             </a:r>
             <a:r>
               <a:rPr lang="en-US" altLang="ko-KR" sz="2000" b="1" dirty="0" err="1">
@@ -4118,17 +4382,17 @@
                 <a:latin typeface="나눔스퀘어" panose="020B0600000101010101" pitchFamily="50" charset="-127"/>
                 <a:ea typeface="나눔스퀘어" panose="020B0600000101010101" pitchFamily="50" charset="-127"/>
               </a:rPr>
-              <a:t> accuracy on HMDB-51</a:t>
+              <a:t> accuracy on UCF-101</a:t>
             </a:r>
           </a:p>
         </p:txBody>
       </p:sp>
       <p:pic>
         <p:nvPicPr>
-          <p:cNvPr id="4" name="그림 3">
+          <p:cNvPr id="3" name="그림 2">
             <a:extLst>
               <a:ext uri="{FF2B5EF4-FFF2-40B4-BE49-F238E27FC236}">
-                <a16:creationId xmlns:a16="http://schemas.microsoft.com/office/drawing/2014/main" id="{2195AC42-DB63-28EF-788E-951F5AEF46B7}"/>
+                <a16:creationId xmlns:a16="http://schemas.microsoft.com/office/drawing/2014/main" id="{388DB928-4F4F-FC0E-0DDB-671A0E540C9E}"/>
               </a:ext>
             </a:extLst>
           </p:cNvPr>
@@ -4145,8 +4409,8 @@
         </p:blipFill>
         <p:spPr>
           <a:xfrm>
-            <a:off x="272929" y="1992040"/>
-            <a:ext cx="6553200" cy="1247775"/>
+            <a:off x="272930" y="2007024"/>
+            <a:ext cx="5495925" cy="1276350"/>
           </a:xfrm>
           <a:prstGeom prst="rect">
             <a:avLst/>
@@ -4164,7 +4428,7 @@
     </p:spTree>
     <p:extLst>
       <p:ext uri="{BB962C8B-B14F-4D97-AF65-F5344CB8AC3E}">
-        <p14:creationId xmlns:p14="http://schemas.microsoft.com/office/powerpoint/2010/main" val="4186354732"/>
+        <p14:creationId xmlns:p14="http://schemas.microsoft.com/office/powerpoint/2010/main" val="3652339173"/>
       </p:ext>
     </p:extLst>
   </p:cSld>
@@ -4352,886 +4616,6 @@
         </p:nvSpPr>
         <p:spPr>
           <a:xfrm>
-            <a:off x="272929" y="3599684"/>
-            <a:ext cx="9206629" cy="2492990"/>
-          </a:xfrm>
-          <a:prstGeom prst="rect">
-            <a:avLst/>
-          </a:prstGeom>
-          <a:noFill/>
-        </p:spPr>
-        <p:txBody>
-          <a:bodyPr wrap="square" rtlCol="0">
-            <a:spAutoFit/>
-          </a:bodyPr>
-          <a:lstStyle/>
-          <a:p>
-            <a:r>
-              <a:rPr lang="en-US" altLang="ko-KR" sz="1600" b="1" dirty="0">
-                <a:latin typeface="나눔스퀘어" panose="020B0600000101010101" pitchFamily="50" charset="-127"/>
-                <a:ea typeface="나눔스퀘어" panose="020B0600000101010101" pitchFamily="50" charset="-127"/>
-              </a:rPr>
-              <a:t>Two-stream </a:t>
-            </a:r>
-            <a:r>
-              <a:rPr lang="en-US" altLang="ko-KR" sz="1600" b="1" dirty="0" err="1">
-                <a:latin typeface="나눔스퀘어" panose="020B0600000101010101" pitchFamily="50" charset="-127"/>
-                <a:ea typeface="나눔스퀘어" panose="020B0600000101010101" pitchFamily="50" charset="-127"/>
-              </a:rPr>
-              <a:t>ConvNet</a:t>
-            </a:r>
-            <a:r>
-              <a:rPr lang="ko-KR" altLang="en-US" sz="1600" b="1" dirty="0">
-                <a:latin typeface="나눔스퀘어" panose="020B0600000101010101" pitchFamily="50" charset="-127"/>
-                <a:ea typeface="나눔스퀘어" panose="020B0600000101010101" pitchFamily="50" charset="-127"/>
-              </a:rPr>
-              <a:t> </a:t>
-            </a:r>
-            <a:r>
-              <a:rPr lang="en-US" altLang="ko-KR" sz="1600" b="1" dirty="0">
-                <a:latin typeface="나눔스퀘어" panose="020B0600000101010101" pitchFamily="50" charset="-127"/>
-                <a:ea typeface="나눔스퀘어" panose="020B0600000101010101" pitchFamily="50" charset="-127"/>
-              </a:rPr>
-              <a:t>(fusion </a:t>
-            </a:r>
-            <a:r>
-              <a:rPr lang="ko-KR" altLang="en-US" sz="1600" b="1" dirty="0">
-                <a:latin typeface="나눔스퀘어" panose="020B0600000101010101" pitchFamily="50" charset="-127"/>
-                <a:ea typeface="나눔스퀘어" panose="020B0600000101010101" pitchFamily="50" charset="-127"/>
-              </a:rPr>
-              <a:t>방식에 따른 차이 확인</a:t>
-            </a:r>
-            <a:r>
-              <a:rPr lang="en-US" altLang="ko-KR" sz="1600" b="1" dirty="0">
-                <a:latin typeface="나눔스퀘어" panose="020B0600000101010101" pitchFamily="50" charset="-127"/>
-                <a:ea typeface="나눔스퀘어" panose="020B0600000101010101" pitchFamily="50" charset="-127"/>
-              </a:rPr>
-              <a:t>)</a:t>
-            </a:r>
-          </a:p>
-          <a:p>
-            <a:r>
-              <a:rPr lang="en-US" altLang="ko-KR" sz="1200" dirty="0">
-                <a:latin typeface="나눔스퀘어" panose="020B0600000101010101" pitchFamily="50" charset="-127"/>
-                <a:ea typeface="나눔스퀘어" panose="020B0600000101010101" pitchFamily="50" charset="-127"/>
-              </a:rPr>
-              <a:t>1. Spatial </a:t>
-            </a:r>
-            <a:r>
-              <a:rPr lang="en-US" altLang="ko-KR" sz="1200" dirty="0" err="1">
-                <a:latin typeface="나눔스퀘어" panose="020B0600000101010101" pitchFamily="50" charset="-127"/>
-                <a:ea typeface="나눔스퀘어" panose="020B0600000101010101" pitchFamily="50" charset="-127"/>
-              </a:rPr>
-              <a:t>ConvNet</a:t>
-            </a:r>
-            <a:r>
-              <a:rPr lang="en-US" altLang="ko-KR" sz="1200" dirty="0">
-                <a:latin typeface="나눔스퀘어" panose="020B0600000101010101" pitchFamily="50" charset="-127"/>
-                <a:ea typeface="나눔스퀘어" panose="020B0600000101010101" pitchFamily="50" charset="-127"/>
-              </a:rPr>
-              <a:t> + bi-directional Temporal</a:t>
-            </a:r>
-            <a:r>
-              <a:rPr lang="ko-KR" altLang="en-US" sz="1200" dirty="0">
-                <a:latin typeface="나눔스퀘어" panose="020B0600000101010101" pitchFamily="50" charset="-127"/>
-                <a:ea typeface="나눔스퀘어" panose="020B0600000101010101" pitchFamily="50" charset="-127"/>
-              </a:rPr>
-              <a:t> </a:t>
-            </a:r>
-            <a:r>
-              <a:rPr lang="en-US" altLang="ko-KR" sz="1200" dirty="0" err="1">
-                <a:latin typeface="나눔스퀘어" panose="020B0600000101010101" pitchFamily="50" charset="-127"/>
-                <a:ea typeface="나눔스퀘어" panose="020B0600000101010101" pitchFamily="50" charset="-127"/>
-              </a:rPr>
-              <a:t>ConvNet</a:t>
-            </a:r>
-            <a:r>
-              <a:rPr lang="ko-KR" altLang="en-US" sz="1200" dirty="0">
-                <a:latin typeface="나눔스퀘어" panose="020B0600000101010101" pitchFamily="50" charset="-127"/>
-                <a:ea typeface="나눔스퀘어" panose="020B0600000101010101" pitchFamily="50" charset="-127"/>
-              </a:rPr>
-              <a:t> </a:t>
-            </a:r>
-            <a:r>
-              <a:rPr lang="en-US" altLang="ko-KR" sz="1200" dirty="0">
-                <a:latin typeface="나눔스퀘어" panose="020B0600000101010101" pitchFamily="50" charset="-127"/>
-                <a:ea typeface="나눔스퀘어" panose="020B0600000101010101" pitchFamily="50" charset="-127"/>
-              </a:rPr>
-              <a:t>with </a:t>
-            </a:r>
-            <a:r>
-              <a:rPr lang="en-US" altLang="ko-KR" sz="1200" dirty="0" err="1">
-                <a:latin typeface="나눔스퀘어" panose="020B0600000101010101" pitchFamily="50" charset="-127"/>
-                <a:ea typeface="나눔스퀘어" panose="020B0600000101010101" pitchFamily="50" charset="-127"/>
-              </a:rPr>
-              <a:t>softmax</a:t>
-            </a:r>
-            <a:r>
-              <a:rPr lang="en-US" altLang="ko-KR" sz="1200" dirty="0">
-                <a:latin typeface="나눔스퀘어" panose="020B0600000101010101" pitchFamily="50" charset="-127"/>
-                <a:ea typeface="나눔스퀘어" panose="020B0600000101010101" pitchFamily="50" charset="-127"/>
-              </a:rPr>
-              <a:t> scores fusion(averaging)</a:t>
-            </a:r>
-          </a:p>
-          <a:p>
-            <a:r>
-              <a:rPr lang="en-US" altLang="ko-KR" sz="1200" dirty="0">
-                <a:latin typeface="나눔스퀘어" panose="020B0600000101010101" pitchFamily="50" charset="-127"/>
-                <a:ea typeface="나눔스퀘어" panose="020B0600000101010101" pitchFamily="50" charset="-127"/>
-              </a:rPr>
-              <a:t>2. Spatial </a:t>
-            </a:r>
-            <a:r>
-              <a:rPr lang="en-US" altLang="ko-KR" sz="1200" dirty="0" err="1">
-                <a:latin typeface="나눔스퀘어" panose="020B0600000101010101" pitchFamily="50" charset="-127"/>
-                <a:ea typeface="나눔스퀘어" panose="020B0600000101010101" pitchFamily="50" charset="-127"/>
-              </a:rPr>
-              <a:t>ConvNet</a:t>
-            </a:r>
-            <a:r>
-              <a:rPr lang="en-US" altLang="ko-KR" sz="1200" dirty="0">
-                <a:latin typeface="나눔스퀘어" panose="020B0600000101010101" pitchFamily="50" charset="-127"/>
-                <a:ea typeface="나눔스퀘어" panose="020B0600000101010101" pitchFamily="50" charset="-127"/>
-              </a:rPr>
-              <a:t> + </a:t>
-            </a:r>
-            <a:r>
-              <a:rPr lang="en-US" altLang="ko-KR" sz="1200" dirty="0" err="1">
-                <a:latin typeface="나눔스퀘어" panose="020B0600000101010101" pitchFamily="50" charset="-127"/>
-                <a:ea typeface="나눔스퀘어" panose="020B0600000101010101" pitchFamily="50" charset="-127"/>
-              </a:rPr>
-              <a:t>uni</a:t>
-            </a:r>
-            <a:r>
-              <a:rPr lang="en-US" altLang="ko-KR" sz="1200" dirty="0">
-                <a:latin typeface="나눔스퀘어" panose="020B0600000101010101" pitchFamily="50" charset="-127"/>
-                <a:ea typeface="나눔스퀘어" panose="020B0600000101010101" pitchFamily="50" charset="-127"/>
-              </a:rPr>
-              <a:t>-directional Temporal </a:t>
-            </a:r>
-            <a:r>
-              <a:rPr lang="en-US" altLang="ko-KR" sz="1200" dirty="0" err="1">
-                <a:latin typeface="나눔스퀘어" panose="020B0600000101010101" pitchFamily="50" charset="-127"/>
-                <a:ea typeface="나눔스퀘어" panose="020B0600000101010101" pitchFamily="50" charset="-127"/>
-              </a:rPr>
-              <a:t>ConvNet</a:t>
-            </a:r>
-            <a:r>
-              <a:rPr lang="ko-KR" altLang="en-US" sz="1200" dirty="0">
-                <a:latin typeface="나눔스퀘어" panose="020B0600000101010101" pitchFamily="50" charset="-127"/>
-                <a:ea typeface="나눔스퀘어" panose="020B0600000101010101" pitchFamily="50" charset="-127"/>
-              </a:rPr>
-              <a:t> </a:t>
-            </a:r>
-            <a:r>
-              <a:rPr lang="en-US" altLang="ko-KR" sz="1200" dirty="0">
-                <a:latin typeface="나눔스퀘어" panose="020B0600000101010101" pitchFamily="50" charset="-127"/>
-                <a:ea typeface="나눔스퀘어" panose="020B0600000101010101" pitchFamily="50" charset="-127"/>
-              </a:rPr>
-              <a:t>with </a:t>
-            </a:r>
-            <a:r>
-              <a:rPr lang="en-US" altLang="ko-KR" sz="1200" dirty="0" err="1">
-                <a:latin typeface="나눔스퀘어" panose="020B0600000101010101" pitchFamily="50" charset="-127"/>
-                <a:ea typeface="나눔스퀘어" panose="020B0600000101010101" pitchFamily="50" charset="-127"/>
-              </a:rPr>
-              <a:t>softmax</a:t>
-            </a:r>
-            <a:r>
-              <a:rPr lang="en-US" altLang="ko-KR" sz="1200" dirty="0">
-                <a:latin typeface="나눔스퀘어" panose="020B0600000101010101" pitchFamily="50" charset="-127"/>
-                <a:ea typeface="나눔스퀘어" panose="020B0600000101010101" pitchFamily="50" charset="-127"/>
-              </a:rPr>
-              <a:t> scores fusion(averaging)</a:t>
-            </a:r>
-            <a:br>
-              <a:rPr lang="en-US" altLang="ko-KR" sz="1200" dirty="0">
-                <a:latin typeface="나눔스퀘어" panose="020B0600000101010101" pitchFamily="50" charset="-127"/>
-                <a:ea typeface="나눔스퀘어" panose="020B0600000101010101" pitchFamily="50" charset="-127"/>
-              </a:rPr>
-            </a:br>
-            <a:r>
-              <a:rPr lang="en-US" altLang="ko-KR" sz="1200" dirty="0">
-                <a:latin typeface="나눔스퀘어" panose="020B0600000101010101" pitchFamily="50" charset="-127"/>
-                <a:ea typeface="나눔스퀘어" panose="020B0600000101010101" pitchFamily="50" charset="-127"/>
-              </a:rPr>
-              <a:t>3. Spatial</a:t>
-            </a:r>
-            <a:r>
-              <a:rPr lang="ko-KR" altLang="en-US" sz="1200" dirty="0">
-                <a:latin typeface="나눔스퀘어" panose="020B0600000101010101" pitchFamily="50" charset="-127"/>
-                <a:ea typeface="나눔스퀘어" panose="020B0600000101010101" pitchFamily="50" charset="-127"/>
-              </a:rPr>
-              <a:t> </a:t>
-            </a:r>
-            <a:r>
-              <a:rPr lang="en-US" altLang="ko-KR" sz="1200" dirty="0" err="1">
-                <a:latin typeface="나눔스퀘어" panose="020B0600000101010101" pitchFamily="50" charset="-127"/>
-                <a:ea typeface="나눔스퀘어" panose="020B0600000101010101" pitchFamily="50" charset="-127"/>
-              </a:rPr>
-              <a:t>ConvNet</a:t>
-            </a:r>
-            <a:r>
-              <a:rPr lang="en-US" altLang="ko-KR" sz="1200" dirty="0">
-                <a:latin typeface="나눔스퀘어" panose="020B0600000101010101" pitchFamily="50" charset="-127"/>
-                <a:ea typeface="나눔스퀘어" panose="020B0600000101010101" pitchFamily="50" charset="-127"/>
-              </a:rPr>
-              <a:t> + </a:t>
-            </a:r>
-            <a:r>
-              <a:rPr lang="en-US" altLang="ko-KR" sz="1200" dirty="0" err="1">
-                <a:latin typeface="나눔스퀘어" panose="020B0600000101010101" pitchFamily="50" charset="-127"/>
-                <a:ea typeface="나눔스퀘어" panose="020B0600000101010101" pitchFamily="50" charset="-127"/>
-              </a:rPr>
-              <a:t>uni</a:t>
-            </a:r>
-            <a:r>
-              <a:rPr lang="en-US" altLang="ko-KR" sz="1200" dirty="0">
-                <a:latin typeface="나눔스퀘어" panose="020B0600000101010101" pitchFamily="50" charset="-127"/>
-                <a:ea typeface="나눔스퀘어" panose="020B0600000101010101" pitchFamily="50" charset="-127"/>
-              </a:rPr>
-              <a:t>-directional Temporal </a:t>
-            </a:r>
-            <a:r>
-              <a:rPr lang="en-US" altLang="ko-KR" sz="1200" dirty="0" err="1">
-                <a:latin typeface="나눔스퀘어" panose="020B0600000101010101" pitchFamily="50" charset="-127"/>
-                <a:ea typeface="나눔스퀘어" panose="020B0600000101010101" pitchFamily="50" charset="-127"/>
-              </a:rPr>
-              <a:t>ConvNet</a:t>
-            </a:r>
-            <a:r>
-              <a:rPr lang="en-US" altLang="ko-KR" sz="1200" dirty="0">
-                <a:latin typeface="나눔스퀘어" panose="020B0600000101010101" pitchFamily="50" charset="-127"/>
-                <a:ea typeface="나눔스퀘어" panose="020B0600000101010101" pitchFamily="50" charset="-127"/>
-              </a:rPr>
-              <a:t>(multi-task learning)</a:t>
-            </a:r>
-            <a:r>
-              <a:rPr lang="ko-KR" altLang="en-US" sz="1200" dirty="0">
-                <a:latin typeface="나눔스퀘어" panose="020B0600000101010101" pitchFamily="50" charset="-127"/>
-                <a:ea typeface="나눔스퀘어" panose="020B0600000101010101" pitchFamily="50" charset="-127"/>
-              </a:rPr>
-              <a:t> </a:t>
-            </a:r>
-            <a:r>
-              <a:rPr lang="en-US" altLang="ko-KR" sz="1200" dirty="0">
-                <a:latin typeface="나눔스퀘어" panose="020B0600000101010101" pitchFamily="50" charset="-127"/>
-                <a:ea typeface="나눔스퀘어" panose="020B0600000101010101" pitchFamily="50" charset="-127"/>
-              </a:rPr>
-              <a:t>with </a:t>
-            </a:r>
-            <a:r>
-              <a:rPr lang="en-US" altLang="ko-KR" sz="1200" dirty="0" err="1">
-                <a:latin typeface="나눔스퀘어" panose="020B0600000101010101" pitchFamily="50" charset="-127"/>
-                <a:ea typeface="나눔스퀘어" panose="020B0600000101010101" pitchFamily="50" charset="-127"/>
-              </a:rPr>
-              <a:t>softmax</a:t>
-            </a:r>
-            <a:r>
-              <a:rPr lang="en-US" altLang="ko-KR" sz="1200" dirty="0">
-                <a:latin typeface="나눔스퀘어" panose="020B0600000101010101" pitchFamily="50" charset="-127"/>
-                <a:ea typeface="나눔스퀘어" panose="020B0600000101010101" pitchFamily="50" charset="-127"/>
-              </a:rPr>
-              <a:t> scores fusion(averaging)</a:t>
-            </a:r>
-          </a:p>
-          <a:p>
-            <a:r>
-              <a:rPr lang="en-US" altLang="ko-KR" sz="1200" dirty="0">
-                <a:latin typeface="나눔스퀘어" panose="020B0600000101010101" pitchFamily="50" charset="-127"/>
-                <a:ea typeface="나눔스퀘어" panose="020B0600000101010101" pitchFamily="50" charset="-127"/>
-              </a:rPr>
-              <a:t>4. Spatial </a:t>
-            </a:r>
-            <a:r>
-              <a:rPr lang="en-US" altLang="ko-KR" sz="1200" dirty="0" err="1">
-                <a:latin typeface="나눔스퀘어" panose="020B0600000101010101" pitchFamily="50" charset="-127"/>
-                <a:ea typeface="나눔스퀘어" panose="020B0600000101010101" pitchFamily="50" charset="-127"/>
-              </a:rPr>
-              <a:t>ConvNet</a:t>
-            </a:r>
-            <a:r>
-              <a:rPr lang="en-US" altLang="ko-KR" sz="1200" dirty="0">
-                <a:latin typeface="나눔스퀘어" panose="020B0600000101010101" pitchFamily="50" charset="-127"/>
-                <a:ea typeface="나눔스퀘어" panose="020B0600000101010101" pitchFamily="50" charset="-127"/>
-              </a:rPr>
-              <a:t> + </a:t>
-            </a:r>
-            <a:r>
-              <a:rPr lang="en-US" altLang="ko-KR" sz="1200" dirty="0" err="1">
-                <a:latin typeface="나눔스퀘어" panose="020B0600000101010101" pitchFamily="50" charset="-127"/>
-                <a:ea typeface="나눔스퀘어" panose="020B0600000101010101" pitchFamily="50" charset="-127"/>
-              </a:rPr>
-              <a:t>uni</a:t>
-            </a:r>
-            <a:r>
-              <a:rPr lang="en-US" altLang="ko-KR" sz="1200" dirty="0">
-                <a:latin typeface="나눔스퀘어" panose="020B0600000101010101" pitchFamily="50" charset="-127"/>
-                <a:ea typeface="나눔스퀘어" panose="020B0600000101010101" pitchFamily="50" charset="-127"/>
-              </a:rPr>
-              <a:t>-directional Temporal </a:t>
-            </a:r>
-            <a:r>
-              <a:rPr lang="en-US" altLang="ko-KR" sz="1200" dirty="0" err="1">
-                <a:latin typeface="나눔스퀘어" panose="020B0600000101010101" pitchFamily="50" charset="-127"/>
-                <a:ea typeface="나눔스퀘어" panose="020B0600000101010101" pitchFamily="50" charset="-127"/>
-              </a:rPr>
-              <a:t>ConvNet</a:t>
-            </a:r>
-            <a:r>
-              <a:rPr lang="en-US" altLang="ko-KR" sz="1200" dirty="0">
-                <a:latin typeface="나눔스퀘어" panose="020B0600000101010101" pitchFamily="50" charset="-127"/>
-                <a:ea typeface="나눔스퀘어" panose="020B0600000101010101" pitchFamily="50" charset="-127"/>
-              </a:rPr>
-              <a:t>(multi-task learning)</a:t>
-            </a:r>
-            <a:r>
-              <a:rPr lang="ko-KR" altLang="en-US" sz="1200" dirty="0">
-                <a:latin typeface="나눔스퀘어" panose="020B0600000101010101" pitchFamily="50" charset="-127"/>
-                <a:ea typeface="나눔스퀘어" panose="020B0600000101010101" pitchFamily="50" charset="-127"/>
-              </a:rPr>
-              <a:t> </a:t>
-            </a:r>
-            <a:r>
-              <a:rPr lang="en-US" altLang="ko-KR" sz="1200" dirty="0" err="1">
-                <a:latin typeface="나눔스퀘어" panose="020B0600000101010101" pitchFamily="50" charset="-127"/>
-                <a:ea typeface="나눔스퀘어" panose="020B0600000101010101" pitchFamily="50" charset="-127"/>
-              </a:rPr>
-              <a:t>softmax</a:t>
-            </a:r>
-            <a:r>
-              <a:rPr lang="en-US" altLang="ko-KR" sz="1200" dirty="0">
-                <a:latin typeface="나눔스퀘어" panose="020B0600000101010101" pitchFamily="50" charset="-127"/>
-                <a:ea typeface="나눔스퀘어" panose="020B0600000101010101" pitchFamily="50" charset="-127"/>
-              </a:rPr>
-              <a:t> scores fusion(SVM)</a:t>
-            </a:r>
-          </a:p>
-          <a:p>
-            <a:endParaRPr lang="en-US" altLang="ko-KR" sz="1600" dirty="0">
-              <a:latin typeface="나눔스퀘어" panose="020B0600000101010101" pitchFamily="50" charset="-127"/>
-              <a:ea typeface="나눔스퀘어" panose="020B0600000101010101" pitchFamily="50" charset="-127"/>
-            </a:endParaRPr>
-          </a:p>
-          <a:p>
-            <a:r>
-              <a:rPr lang="ko-KR" altLang="en-US" sz="1600" b="1" dirty="0">
-                <a:latin typeface="나눔스퀘어" panose="020B0600000101010101" pitchFamily="50" charset="-127"/>
-                <a:ea typeface="나눔스퀘어" panose="020B0600000101010101" pitchFamily="50" charset="-127"/>
-              </a:rPr>
-              <a:t>결과</a:t>
-            </a:r>
-            <a:endParaRPr lang="en-US" altLang="ko-KR" sz="1600" b="1" dirty="0">
-              <a:latin typeface="나눔스퀘어" panose="020B0600000101010101" pitchFamily="50" charset="-127"/>
-              <a:ea typeface="나눔스퀘어" panose="020B0600000101010101" pitchFamily="50" charset="-127"/>
-            </a:endParaRPr>
-          </a:p>
-          <a:p>
-            <a:endParaRPr lang="en-US" altLang="ko-KR" sz="1200" dirty="0">
-              <a:latin typeface="나눔스퀘어" panose="020B0600000101010101" pitchFamily="50" charset="-127"/>
-              <a:ea typeface="나눔스퀘어" panose="020B0600000101010101" pitchFamily="50" charset="-127"/>
-            </a:endParaRPr>
-          </a:p>
-          <a:p>
-            <a:r>
-              <a:rPr lang="en-US" altLang="ko-KR" sz="1200" dirty="0">
-                <a:latin typeface="나눔스퀘어" panose="020B0600000101010101" pitchFamily="50" charset="-127"/>
-                <a:ea typeface="나눔스퀘어" panose="020B0600000101010101" pitchFamily="50" charset="-127"/>
-              </a:rPr>
-              <a:t>spatial, temporal stream</a:t>
-            </a:r>
-            <a:r>
-              <a:rPr lang="ko-KR" altLang="en-US" sz="1200" dirty="0">
-                <a:latin typeface="나눔스퀘어" panose="020B0600000101010101" pitchFamily="50" charset="-127"/>
-                <a:ea typeface="나눔스퀘어" panose="020B0600000101010101" pitchFamily="50" charset="-127"/>
-              </a:rPr>
-              <a:t>은 상호 보완적</a:t>
-            </a:r>
-            <a:endParaRPr lang="en-US" altLang="ko-KR" sz="1200" dirty="0">
-              <a:latin typeface="나눔스퀘어" panose="020B0600000101010101" pitchFamily="50" charset="-127"/>
-              <a:ea typeface="나눔스퀘어" panose="020B0600000101010101" pitchFamily="50" charset="-127"/>
-            </a:endParaRPr>
-          </a:p>
-          <a:p>
-            <a:r>
-              <a:rPr lang="en-US" altLang="ko-KR" sz="1200" dirty="0" err="1">
-                <a:latin typeface="나눔스퀘어" panose="020B0600000101010101" pitchFamily="50" charset="-127"/>
-                <a:ea typeface="나눔스퀘어" panose="020B0600000101010101" pitchFamily="50" charset="-127"/>
-              </a:rPr>
-              <a:t>softmax</a:t>
-            </a:r>
-            <a:r>
-              <a:rPr lang="en-US" altLang="ko-KR" sz="1200" dirty="0">
-                <a:latin typeface="나눔스퀘어" panose="020B0600000101010101" pitchFamily="50" charset="-127"/>
-                <a:ea typeface="나눔스퀘어" panose="020B0600000101010101" pitchFamily="50" charset="-127"/>
-              </a:rPr>
-              <a:t> scores</a:t>
-            </a:r>
-            <a:r>
-              <a:rPr lang="ko-KR" altLang="en-US" sz="1200" dirty="0">
-                <a:latin typeface="나눔스퀘어" panose="020B0600000101010101" pitchFamily="50" charset="-127"/>
-                <a:ea typeface="나눔스퀘어" panose="020B0600000101010101" pitchFamily="50" charset="-127"/>
-              </a:rPr>
-              <a:t>에서 </a:t>
-            </a:r>
-            <a:r>
-              <a:rPr lang="en-US" altLang="ko-KR" sz="1200" dirty="0">
-                <a:latin typeface="나눔스퀘어" panose="020B0600000101010101" pitchFamily="50" charset="-127"/>
-                <a:ea typeface="나눔스퀘어" panose="020B0600000101010101" pitchFamily="50" charset="-127"/>
-              </a:rPr>
-              <a:t>SVM fusion</a:t>
-            </a:r>
-            <a:r>
-              <a:rPr lang="ko-KR" altLang="en-US" sz="1200" dirty="0">
-                <a:latin typeface="나눔스퀘어" panose="020B0600000101010101" pitchFamily="50" charset="-127"/>
-                <a:ea typeface="나눔스퀘어" panose="020B0600000101010101" pitchFamily="50" charset="-127"/>
-              </a:rPr>
-              <a:t>이 </a:t>
-            </a:r>
-            <a:r>
-              <a:rPr lang="en-US" altLang="ko-KR" sz="1200" dirty="0">
-                <a:latin typeface="나눔스퀘어" panose="020B0600000101010101" pitchFamily="50" charset="-127"/>
-                <a:ea typeface="나눔스퀘어" panose="020B0600000101010101" pitchFamily="50" charset="-127"/>
-              </a:rPr>
-              <a:t>Averaging fusion</a:t>
-            </a:r>
-            <a:r>
-              <a:rPr lang="ko-KR" altLang="en-US" sz="1200" dirty="0">
-                <a:latin typeface="나눔스퀘어" panose="020B0600000101010101" pitchFamily="50" charset="-127"/>
-                <a:ea typeface="나눔스퀘어" panose="020B0600000101010101" pitchFamily="50" charset="-127"/>
-              </a:rPr>
-              <a:t>을 능가</a:t>
-            </a:r>
-            <a:endParaRPr lang="en-US" altLang="ko-KR" sz="1200" dirty="0">
-              <a:latin typeface="나눔스퀘어" panose="020B0600000101010101" pitchFamily="50" charset="-127"/>
-              <a:ea typeface="나눔스퀘어" panose="020B0600000101010101" pitchFamily="50" charset="-127"/>
-            </a:endParaRPr>
-          </a:p>
-          <a:p>
-            <a:r>
-              <a:rPr lang="en-US" altLang="ko-KR" sz="1200" dirty="0">
-                <a:latin typeface="나눔스퀘어" panose="020B0600000101010101" pitchFamily="50" charset="-127"/>
-                <a:ea typeface="나눔스퀘어" panose="020B0600000101010101" pitchFamily="50" charset="-127"/>
-              </a:rPr>
-              <a:t>Bi-directional</a:t>
-            </a:r>
-            <a:r>
-              <a:rPr lang="ko-KR" altLang="en-US" sz="1200" dirty="0">
-                <a:latin typeface="나눔스퀘어" panose="020B0600000101010101" pitchFamily="50" charset="-127"/>
-                <a:ea typeface="나눔스퀘어" panose="020B0600000101010101" pitchFamily="50" charset="-127"/>
-              </a:rPr>
-              <a:t>을 사용하는 것이 </a:t>
-            </a:r>
-            <a:r>
-              <a:rPr lang="en-US" altLang="ko-KR" sz="1200" dirty="0" err="1">
-                <a:latin typeface="나눔스퀘어" panose="020B0600000101010101" pitchFamily="50" charset="-127"/>
-                <a:ea typeface="나눔스퀘어" panose="020B0600000101010101" pitchFamily="50" charset="-127"/>
-              </a:rPr>
-              <a:t>ConvNet</a:t>
-            </a:r>
-            <a:r>
-              <a:rPr lang="en-US" altLang="ko-KR" sz="1200" dirty="0">
-                <a:latin typeface="나눔스퀘어" panose="020B0600000101010101" pitchFamily="50" charset="-127"/>
-                <a:ea typeface="나눔스퀘어" panose="020B0600000101010101" pitchFamily="50" charset="-127"/>
-              </a:rPr>
-              <a:t> fusion</a:t>
-            </a:r>
-            <a:r>
-              <a:rPr lang="ko-KR" altLang="en-US" sz="1200" dirty="0">
-                <a:latin typeface="나눔스퀘어" panose="020B0600000101010101" pitchFamily="50" charset="-127"/>
-                <a:ea typeface="나눔스퀘어" panose="020B0600000101010101" pitchFamily="50" charset="-127"/>
-              </a:rPr>
-              <a:t>시 유익하지 않음</a:t>
-            </a:r>
-            <a:endParaRPr lang="en-US" altLang="ko-KR" sz="1200" dirty="0">
-              <a:latin typeface="나눔스퀘어" panose="020B0600000101010101" pitchFamily="50" charset="-127"/>
-              <a:ea typeface="나눔스퀘어" panose="020B0600000101010101" pitchFamily="50" charset="-127"/>
-            </a:endParaRPr>
-          </a:p>
-          <a:p>
-            <a:r>
-              <a:rPr lang="en-US" altLang="ko-KR" sz="1200" dirty="0">
-                <a:latin typeface="나눔스퀘어" panose="020B0600000101010101" pitchFamily="50" charset="-127"/>
-                <a:ea typeface="나눔스퀘어" panose="020B0600000101010101" pitchFamily="50" charset="-127"/>
-              </a:rPr>
-              <a:t>multi-task learning</a:t>
-            </a:r>
-            <a:r>
-              <a:rPr lang="ko-KR" altLang="en-US" sz="1200" dirty="0">
-                <a:latin typeface="나눔스퀘어" panose="020B0600000101010101" pitchFamily="50" charset="-127"/>
-                <a:ea typeface="나눔스퀘어" panose="020B0600000101010101" pitchFamily="50" charset="-127"/>
-              </a:rPr>
-              <a:t> </a:t>
-            </a:r>
-            <a:r>
-              <a:rPr lang="en-US" altLang="ko-KR" sz="1200" dirty="0">
-                <a:latin typeface="나눔스퀘어" panose="020B0600000101010101" pitchFamily="50" charset="-127"/>
-                <a:ea typeface="나눔스퀘어" panose="020B0600000101010101" pitchFamily="50" charset="-127"/>
-              </a:rPr>
-              <a:t>Temporal </a:t>
-            </a:r>
-            <a:r>
-              <a:rPr lang="en-US" altLang="ko-KR" sz="1200" dirty="0" err="1">
-                <a:latin typeface="나눔스퀘어" panose="020B0600000101010101" pitchFamily="50" charset="-127"/>
-                <a:ea typeface="나눔스퀘어" panose="020B0600000101010101" pitchFamily="50" charset="-127"/>
-              </a:rPr>
-              <a:t>ConvNet</a:t>
-            </a:r>
-            <a:r>
-              <a:rPr lang="ko-KR" altLang="en-US" sz="1200" dirty="0">
-                <a:latin typeface="나눔스퀘어" panose="020B0600000101010101" pitchFamily="50" charset="-127"/>
-                <a:ea typeface="나눔스퀘어" panose="020B0600000101010101" pitchFamily="50" charset="-127"/>
-              </a:rPr>
-              <a:t>은 </a:t>
-            </a:r>
-            <a:r>
-              <a:rPr lang="en-US" altLang="ko-KR" sz="1200" dirty="0">
-                <a:latin typeface="나눔스퀘어" panose="020B0600000101010101" pitchFamily="50" charset="-127"/>
-                <a:ea typeface="나눔스퀘어" panose="020B0600000101010101" pitchFamily="50" charset="-127"/>
-              </a:rPr>
-              <a:t>single</a:t>
-            </a:r>
-            <a:r>
-              <a:rPr lang="ko-KR" altLang="en-US" sz="1200" dirty="0">
-                <a:latin typeface="나눔스퀘어" panose="020B0600000101010101" pitchFamily="50" charset="-127"/>
-                <a:ea typeface="나눔스퀘어" panose="020B0600000101010101" pitchFamily="50" charset="-127"/>
-              </a:rPr>
-              <a:t> </a:t>
-            </a:r>
-            <a:r>
-              <a:rPr lang="en-US" altLang="ko-KR" sz="1200" dirty="0">
-                <a:latin typeface="나눔스퀘어" panose="020B0600000101010101" pitchFamily="50" charset="-127"/>
-                <a:ea typeface="나눔스퀘어" panose="020B0600000101010101" pitchFamily="50" charset="-127"/>
-              </a:rPr>
-              <a:t>or</a:t>
-            </a:r>
-            <a:r>
-              <a:rPr lang="ko-KR" altLang="en-US" sz="1200" dirty="0">
-                <a:latin typeface="나눔스퀘어" panose="020B0600000101010101" pitchFamily="50" charset="-127"/>
-                <a:ea typeface="나눔스퀘어" panose="020B0600000101010101" pitchFamily="50" charset="-127"/>
-              </a:rPr>
-              <a:t> </a:t>
-            </a:r>
-            <a:r>
-              <a:rPr lang="en-US" altLang="ko-KR" sz="1200" dirty="0">
-                <a:latin typeface="나눔스퀘어" panose="020B0600000101010101" pitchFamily="50" charset="-127"/>
-                <a:ea typeface="나눔스퀘어" panose="020B0600000101010101" pitchFamily="50" charset="-127"/>
-              </a:rPr>
-              <a:t>fusion</a:t>
-            </a:r>
-            <a:r>
-              <a:rPr lang="ko-KR" altLang="en-US" sz="1200" dirty="0">
-                <a:latin typeface="나눔스퀘어" panose="020B0600000101010101" pitchFamily="50" charset="-127"/>
-                <a:ea typeface="나눔스퀘어" panose="020B0600000101010101" pitchFamily="50" charset="-127"/>
-              </a:rPr>
-              <a:t>하여 사용 시 둘 다 최고의 성능을 냄</a:t>
-            </a:r>
-            <a:r>
-              <a:rPr lang="en-US" altLang="ko-KR" sz="1200" dirty="0">
-                <a:latin typeface="나눔스퀘어" panose="020B0600000101010101" pitchFamily="50" charset="-127"/>
-                <a:ea typeface="나눔스퀘어" panose="020B0600000101010101" pitchFamily="50" charset="-127"/>
-              </a:rPr>
-              <a:t>    </a:t>
-            </a:r>
-          </a:p>
-        </p:txBody>
-      </p:sp>
-      <p:sp>
-        <p:nvSpPr>
-          <p:cNvPr id="8" name="TextBox 7">
-            <a:extLst>
-              <a:ext uri="{FF2B5EF4-FFF2-40B4-BE49-F238E27FC236}">
-                <a16:creationId xmlns:a16="http://schemas.microsoft.com/office/drawing/2014/main" id="{903F413C-68F3-3176-6DBD-14B2634483AD}"/>
-              </a:ext>
-            </a:extLst>
-          </p:cNvPr>
-          <p:cNvSpPr txBox="1"/>
-          <p:nvPr/>
-        </p:nvSpPr>
-        <p:spPr>
-          <a:xfrm>
-            <a:off x="272930" y="1286139"/>
-            <a:ext cx="9206629" cy="400110"/>
-          </a:xfrm>
-          <a:prstGeom prst="rect">
-            <a:avLst/>
-          </a:prstGeom>
-          <a:noFill/>
-        </p:spPr>
-        <p:txBody>
-          <a:bodyPr wrap="square" rtlCol="0">
-            <a:spAutoFit/>
-          </a:bodyPr>
-          <a:lstStyle/>
-          <a:p>
-            <a:r>
-              <a:rPr lang="en-US" altLang="ko-KR" sz="2000" b="1" dirty="0">
-                <a:latin typeface="나눔스퀘어" panose="020B0600000101010101" pitchFamily="50" charset="-127"/>
-                <a:ea typeface="나눔스퀘어" panose="020B0600000101010101" pitchFamily="50" charset="-127"/>
-              </a:rPr>
-              <a:t>3. </a:t>
-            </a:r>
-            <a:r>
-              <a:rPr lang="ko-KR" altLang="en-US" sz="2000" b="1" dirty="0">
-                <a:latin typeface="나눔스퀘어" panose="020B0600000101010101" pitchFamily="50" charset="-127"/>
-                <a:ea typeface="나눔스퀘어" panose="020B0600000101010101" pitchFamily="50" charset="-127"/>
-              </a:rPr>
-              <a:t>실험 결과 </a:t>
-            </a:r>
-            <a:r>
-              <a:rPr lang="en-US" altLang="ko-KR" sz="2000" b="1" dirty="0">
-                <a:latin typeface="나눔스퀘어" panose="020B0600000101010101" pitchFamily="50" charset="-127"/>
-                <a:ea typeface="나눔스퀘어" panose="020B0600000101010101" pitchFamily="50" charset="-127"/>
-              </a:rPr>
-              <a:t>: Table3. Two-stream </a:t>
-            </a:r>
-            <a:r>
-              <a:rPr lang="en-US" altLang="ko-KR" sz="2000" b="1" dirty="0" err="1">
-                <a:latin typeface="나눔스퀘어" panose="020B0600000101010101" pitchFamily="50" charset="-127"/>
-                <a:ea typeface="나눔스퀘어" panose="020B0600000101010101" pitchFamily="50" charset="-127"/>
-              </a:rPr>
-              <a:t>ConvNet</a:t>
-            </a:r>
-            <a:r>
-              <a:rPr lang="en-US" altLang="ko-KR" sz="2000" b="1" dirty="0">
-                <a:latin typeface="나눔스퀘어" panose="020B0600000101010101" pitchFamily="50" charset="-127"/>
-                <a:ea typeface="나눔스퀘어" panose="020B0600000101010101" pitchFamily="50" charset="-127"/>
-              </a:rPr>
-              <a:t> accuracy on UCF-101</a:t>
-            </a:r>
-          </a:p>
-        </p:txBody>
-      </p:sp>
-      <p:pic>
-        <p:nvPicPr>
-          <p:cNvPr id="3" name="그림 2">
-            <a:extLst>
-              <a:ext uri="{FF2B5EF4-FFF2-40B4-BE49-F238E27FC236}">
-                <a16:creationId xmlns:a16="http://schemas.microsoft.com/office/drawing/2014/main" id="{388DB928-4F4F-FC0E-0DDB-671A0E540C9E}"/>
-              </a:ext>
-            </a:extLst>
-          </p:cNvPr>
-          <p:cNvPicPr>
-            <a:picLocks noChangeAspect="1"/>
-          </p:cNvPicPr>
-          <p:nvPr/>
-        </p:nvPicPr>
-        <p:blipFill>
-          <a:blip r:embed="rId2"/>
-          <a:stretch>
-            <a:fillRect/>
-          </a:stretch>
-        </p:blipFill>
-        <p:spPr>
-          <a:xfrm>
-            <a:off x="272930" y="2007024"/>
-            <a:ext cx="5495925" cy="1276350"/>
-          </a:xfrm>
-          <a:prstGeom prst="rect">
-            <a:avLst/>
-          </a:prstGeom>
-          <a:ln>
-            <a:solidFill>
-              <a:schemeClr val="tx1">
-                <a:lumMod val="65000"/>
-                <a:lumOff val="35000"/>
-              </a:schemeClr>
-            </a:solidFill>
-          </a:ln>
-        </p:spPr>
-      </p:pic>
-    </p:spTree>
-    <p:extLst>
-      <p:ext uri="{BB962C8B-B14F-4D97-AF65-F5344CB8AC3E}">
-        <p14:creationId xmlns:p14="http://schemas.microsoft.com/office/powerpoint/2010/main" val="3652339173"/>
-      </p:ext>
-    </p:extLst>
-  </p:cSld>
-  <p:clrMapOvr>
-    <a:masterClrMapping/>
-  </p:clrMapOvr>
-</p:sld>
-</file>
-
-<file path=ppt/slides/slide12.xml><?xml version="1.0" encoding="utf-8"?>
-<p:sld xmlns:a="http://schemas.openxmlformats.org/drawingml/2006/main" xmlns:r="http://schemas.openxmlformats.org/officeDocument/2006/relationships" xmlns:p="http://schemas.openxmlformats.org/presentationml/2006/main">
-  <p:cSld>
-    <p:spTree>
-      <p:nvGrpSpPr>
-        <p:cNvPr id="1" name=""/>
-        <p:cNvGrpSpPr/>
-        <p:nvPr/>
-      </p:nvGrpSpPr>
-      <p:grpSpPr>
-        <a:xfrm>
-          <a:off x="0" y="0"/>
-          <a:ext cx="0" cy="0"/>
-          <a:chOff x="0" y="0"/>
-          <a:chExt cx="0" cy="0"/>
-        </a:xfrm>
-      </p:grpSpPr>
-      <p:cxnSp>
-        <p:nvCxnSpPr>
-          <p:cNvPr id="9" name="직선 연결선 8">
-            <a:extLst>
-              <a:ext uri="{FF2B5EF4-FFF2-40B4-BE49-F238E27FC236}">
-                <a16:creationId xmlns:a16="http://schemas.microsoft.com/office/drawing/2014/main" id="{CA72076D-453A-3C44-1325-BA3B5198157D}"/>
-              </a:ext>
-            </a:extLst>
-          </p:cNvPr>
-          <p:cNvCxnSpPr>
-            <a:cxnSpLocks/>
-          </p:cNvCxnSpPr>
-          <p:nvPr/>
-        </p:nvCxnSpPr>
-        <p:spPr>
-          <a:xfrm>
-            <a:off x="0" y="1178139"/>
-            <a:ext cx="8460063" cy="0"/>
-          </a:xfrm>
-          <a:prstGeom prst="line">
-            <a:avLst/>
-          </a:prstGeom>
-          <a:ln w="25400">
-            <a:solidFill>
-              <a:schemeClr val="tx1">
-                <a:lumMod val="50000"/>
-                <a:lumOff val="50000"/>
-              </a:schemeClr>
-            </a:solidFill>
-          </a:ln>
-        </p:spPr>
-        <p:style>
-          <a:lnRef idx="1">
-            <a:schemeClr val="accent1"/>
-          </a:lnRef>
-          <a:fillRef idx="0">
-            <a:schemeClr val="accent1"/>
-          </a:fillRef>
-          <a:effectRef idx="0">
-            <a:schemeClr val="accent1"/>
-          </a:effectRef>
-          <a:fontRef idx="minor">
-            <a:schemeClr val="tx1"/>
-          </a:fontRef>
-        </p:style>
-      </p:cxnSp>
-      <p:sp>
-        <p:nvSpPr>
-          <p:cNvPr id="10" name="타원 9">
-            <a:extLst>
-              <a:ext uri="{FF2B5EF4-FFF2-40B4-BE49-F238E27FC236}">
-                <a16:creationId xmlns:a16="http://schemas.microsoft.com/office/drawing/2014/main" id="{975E2377-1239-A5B6-BDCD-DC228573CBE2}"/>
-              </a:ext>
-            </a:extLst>
-          </p:cNvPr>
-          <p:cNvSpPr/>
-          <p:nvPr/>
-        </p:nvSpPr>
-        <p:spPr>
-          <a:xfrm>
-            <a:off x="8409213" y="1124139"/>
-            <a:ext cx="108000" cy="108000"/>
-          </a:xfrm>
-          <a:prstGeom prst="ellipse">
-            <a:avLst/>
-          </a:prstGeom>
-          <a:solidFill>
-            <a:schemeClr val="tx1">
-              <a:lumMod val="50000"/>
-              <a:lumOff val="50000"/>
-            </a:schemeClr>
-          </a:solidFill>
-          <a:ln>
-            <a:noFill/>
-          </a:ln>
-        </p:spPr>
-        <p:style>
-          <a:lnRef idx="2">
-            <a:schemeClr val="dk1">
-              <a:shade val="50000"/>
-            </a:schemeClr>
-          </a:lnRef>
-          <a:fillRef idx="1">
-            <a:schemeClr val="dk1"/>
-          </a:fillRef>
-          <a:effectRef idx="0">
-            <a:schemeClr val="dk1"/>
-          </a:effectRef>
-          <a:fontRef idx="minor">
-            <a:schemeClr val="lt1"/>
-          </a:fontRef>
-        </p:style>
-        <p:txBody>
-          <a:bodyPr rtlCol="0" anchor="ctr"/>
-          <a:lstStyle/>
-          <a:p>
-            <a:pPr algn="ctr"/>
-            <a:endParaRPr lang="ko-KR" altLang="en-US">
-              <a:solidFill>
-                <a:schemeClr val="tx1"/>
-              </a:solidFill>
-            </a:endParaRPr>
-          </a:p>
-        </p:txBody>
-      </p:sp>
-      <p:sp>
-        <p:nvSpPr>
-          <p:cNvPr id="11" name="TextBox 10">
-            <a:extLst>
-              <a:ext uri="{FF2B5EF4-FFF2-40B4-BE49-F238E27FC236}">
-                <a16:creationId xmlns:a16="http://schemas.microsoft.com/office/drawing/2014/main" id="{CC0E4562-BBE3-0313-6DA0-AF963E2C0218}"/>
-              </a:ext>
-            </a:extLst>
-          </p:cNvPr>
-          <p:cNvSpPr txBox="1"/>
-          <p:nvPr/>
-        </p:nvSpPr>
-        <p:spPr>
-          <a:xfrm>
-            <a:off x="272931" y="145914"/>
-            <a:ext cx="8187132" cy="1015663"/>
-          </a:xfrm>
-          <a:prstGeom prst="rect">
-            <a:avLst/>
-          </a:prstGeom>
-          <a:noFill/>
-        </p:spPr>
-        <p:txBody>
-          <a:bodyPr wrap="square" rtlCol="0">
-            <a:spAutoFit/>
-          </a:bodyPr>
-          <a:lstStyle/>
-          <a:p>
-            <a:r>
-              <a:rPr lang="en-US" altLang="ko-KR" sz="3000" b="1">
-                <a:latin typeface="나눔스퀘어" panose="020B0600000101010101" pitchFamily="50" charset="-127"/>
-                <a:ea typeface="나눔스퀘어" panose="020B0600000101010101" pitchFamily="50" charset="-127"/>
-              </a:rPr>
-              <a:t>Two-Stream Convolutional Networks for Action Recognition in Videos</a:t>
-            </a:r>
-            <a:endParaRPr lang="ko-KR" altLang="en-US" sz="3000" b="1">
-              <a:latin typeface="나눔스퀘어" panose="020B0600000101010101" pitchFamily="50" charset="-127"/>
-              <a:ea typeface="나눔스퀘어" panose="020B0600000101010101" pitchFamily="50" charset="-127"/>
-            </a:endParaRPr>
-          </a:p>
-        </p:txBody>
-      </p:sp>
-      <p:sp>
-        <p:nvSpPr>
-          <p:cNvPr id="12" name="TextBox 11">
-            <a:extLst>
-              <a:ext uri="{FF2B5EF4-FFF2-40B4-BE49-F238E27FC236}">
-                <a16:creationId xmlns:a16="http://schemas.microsoft.com/office/drawing/2014/main" id="{268891F9-BD85-85CF-2605-8DA26C6843E7}"/>
-              </a:ext>
-            </a:extLst>
-          </p:cNvPr>
-          <p:cNvSpPr txBox="1"/>
-          <p:nvPr/>
-        </p:nvSpPr>
-        <p:spPr>
-          <a:xfrm>
             <a:off x="269635" y="4508220"/>
             <a:ext cx="9190888" cy="338554"/>
           </a:xfrm>
@@ -5391,7 +4775,7 @@
 </p:sld>
 </file>
 
-<file path=ppt/slides/slide13.xml><?xml version="1.0" encoding="utf-8"?>
+<file path=ppt/slides/slide12.xml><?xml version="1.0" encoding="utf-8"?>
 <p:sld xmlns:a="http://schemas.openxmlformats.org/drawingml/2006/main" xmlns:r="http://schemas.openxmlformats.org/officeDocument/2006/relationships" xmlns:p="http://schemas.openxmlformats.org/presentationml/2006/main">
   <p:cSld>
     <p:spTree>
@@ -7644,6 +7028,16 @@
               <a:t>, </a:t>
             </a:r>
             <a:r>
+              <a:rPr lang="ko-KR" altLang="en-US" sz="1600">
+                <a:solidFill>
+                  <a:schemeClr val="tx1"/>
+                </a:solidFill>
+                <a:latin typeface="나눔스퀘어" panose="020B0600000101010101" pitchFamily="50" charset="-127"/>
+                <a:ea typeface="나눔스퀘어" panose="020B0600000101010101" pitchFamily="50" charset="-127"/>
+              </a:rPr>
+              <a:t>비디오 분류 작업에 사용할 </a:t>
+            </a:r>
+            <a:r>
               <a:rPr lang="ko-KR" altLang="en-US" sz="1600" dirty="0">
                 <a:solidFill>
                   <a:schemeClr val="tx1"/>
@@ -7651,7 +7045,7 @@
                 <a:latin typeface="나눔스퀘어" panose="020B0600000101010101" pitchFamily="50" charset="-127"/>
                 <a:ea typeface="나눔스퀘어" panose="020B0600000101010101" pitchFamily="50" charset="-127"/>
               </a:rPr>
-              <a:t>비디오 작업 분류에 사용할 수 있는</a:t>
+              <a:t>수 있는</a:t>
             </a:r>
             <a:r>
               <a:rPr lang="en-US" altLang="ko-KR" sz="1600" dirty="0">
@@ -16710,848 +16104,837 @@
                 <a:latin typeface="나눔스퀘어" panose="020B0600000101010101" pitchFamily="50" charset="-127"/>
                 <a:ea typeface="나눔스퀘어" panose="020B0600000101010101" pitchFamily="50" charset="-127"/>
               </a:rPr>
-              <a:t>2. </a:t>
+              <a:t>3. </a:t>
             </a:r>
             <a:r>
               <a:rPr lang="ko-KR" altLang="en-US" sz="2000" b="1" dirty="0">
                 <a:latin typeface="나눔스퀘어" panose="020B0600000101010101" pitchFamily="50" charset="-127"/>
                 <a:ea typeface="나눔스퀘어" panose="020B0600000101010101" pitchFamily="50" charset="-127"/>
               </a:rPr>
-              <a:t>모델 구조 </a:t>
+              <a:t>실험 결과 </a:t>
             </a:r>
             <a:r>
               <a:rPr lang="en-US" altLang="ko-KR" sz="2000" b="1" dirty="0">
                 <a:latin typeface="나눔스퀘어" panose="020B0600000101010101" pitchFamily="50" charset="-127"/>
                 <a:ea typeface="나눔스퀘어" panose="020B0600000101010101" pitchFamily="50" charset="-127"/>
               </a:rPr>
-              <a:t>: Training</a:t>
-            </a:r>
-            <a:r>
-              <a:rPr lang="ko-KR" altLang="en-US" sz="2000" b="1" dirty="0">
-                <a:latin typeface="나눔스퀘어" panose="020B0600000101010101" pitchFamily="50" charset="-127"/>
-                <a:ea typeface="나눔스퀘어" panose="020B0600000101010101" pitchFamily="50" charset="-127"/>
-              </a:rPr>
-              <a:t> </a:t>
+              <a:t>: Table1. Individual </a:t>
+            </a:r>
+            <a:r>
+              <a:rPr lang="en-US" altLang="ko-KR" sz="2000" b="1" dirty="0" err="1">
+                <a:latin typeface="나눔스퀘어" panose="020B0600000101010101" pitchFamily="50" charset="-127"/>
+                <a:ea typeface="나눔스퀘어" panose="020B0600000101010101" pitchFamily="50" charset="-127"/>
+              </a:rPr>
+              <a:t>ConvNets</a:t>
             </a:r>
             <a:r>
               <a:rPr lang="en-US" altLang="ko-KR" sz="2000" b="1" dirty="0">
                 <a:latin typeface="나눔스퀘어" panose="020B0600000101010101" pitchFamily="50" charset="-127"/>
                 <a:ea typeface="나눔스퀘어" panose="020B0600000101010101" pitchFamily="50" charset="-127"/>
               </a:rPr>
-              <a:t>procedure</a:t>
+              <a:t> accuracy on UCF-101</a:t>
             </a:r>
           </a:p>
         </p:txBody>
       </p:sp>
-      <mc:AlternateContent xmlns:mc="http://schemas.openxmlformats.org/markup-compatibility/2006" xmlns:a14="http://schemas.microsoft.com/office/drawing/2010/main">
-        <mc:Choice Requires="a14">
-          <p:sp>
-            <p:nvSpPr>
-              <p:cNvPr id="16" name="TextBox 15">
-                <a:extLst>
-                  <a:ext uri="{FF2B5EF4-FFF2-40B4-BE49-F238E27FC236}">
-                    <a16:creationId xmlns:a16="http://schemas.microsoft.com/office/drawing/2014/main" id="{C036397E-E2D5-F5F0-B0C5-D30C36571A1E}"/>
-                  </a:ext>
-                </a:extLst>
-              </p:cNvPr>
-              <p:cNvSpPr txBox="1"/>
-              <p:nvPr/>
-            </p:nvSpPr>
-            <p:spPr>
-              <a:xfrm>
-                <a:off x="272930" y="2071246"/>
-                <a:ext cx="10490144" cy="4216539"/>
-              </a:xfrm>
-              <a:prstGeom prst="rect">
-                <a:avLst/>
-              </a:prstGeom>
-              <a:ln w="28575">
-                <a:solidFill>
-                  <a:schemeClr val="tx1">
-                    <a:lumMod val="65000"/>
-                    <a:lumOff val="35000"/>
-                  </a:schemeClr>
-                </a:solidFill>
-              </a:ln>
-            </p:spPr>
-            <p:style>
-              <a:lnRef idx="2">
-                <a:schemeClr val="dk1"/>
-              </a:lnRef>
-              <a:fillRef idx="1">
-                <a:schemeClr val="lt1"/>
-              </a:fillRef>
-              <a:effectRef idx="0">
-                <a:schemeClr val="dk1"/>
-              </a:effectRef>
-              <a:fontRef idx="minor">
-                <a:schemeClr val="dk1"/>
-              </a:fontRef>
-            </p:style>
-            <p:txBody>
-              <a:bodyPr wrap="square" rtlCol="0">
-                <a:spAutoFit/>
-              </a:bodyPr>
-              <a:lstStyle/>
-              <a:p>
-                <a:r>
-                  <a:rPr lang="ko-KR" altLang="en-US" sz="1600" b="1" dirty="0">
-                    <a:solidFill>
-                      <a:schemeClr val="tx1"/>
-                    </a:solidFill>
-                    <a:latin typeface="나눔스퀘어" panose="020B0600000101010101" pitchFamily="50" charset="-127"/>
-                    <a:ea typeface="나눔스퀘어" panose="020B0600000101010101" pitchFamily="50" charset="-127"/>
-                  </a:rPr>
-                  <a:t>공통</a:t>
-                </a:r>
-                <a:endParaRPr lang="en-US" altLang="ko-KR" sz="1600" b="1" dirty="0">
-                  <a:solidFill>
-                    <a:schemeClr val="tx1"/>
-                  </a:solidFill>
-                  <a:latin typeface="나눔스퀘어" panose="020B0600000101010101" pitchFamily="50" charset="-127"/>
-                  <a:ea typeface="나눔스퀘어" panose="020B0600000101010101" pitchFamily="50" charset="-127"/>
-                </a:endParaRPr>
-              </a:p>
-              <a:p>
-                <a:endParaRPr lang="en-US" altLang="ko-KR" sz="1200" dirty="0">
-                  <a:solidFill>
-                    <a:schemeClr val="tx1"/>
-                  </a:solidFill>
-                  <a:latin typeface="나눔스퀘어" panose="020B0600000101010101" pitchFamily="50" charset="-127"/>
-                  <a:ea typeface="나눔스퀘어" panose="020B0600000101010101" pitchFamily="50" charset="-127"/>
-                </a:endParaRPr>
-              </a:p>
-              <a:p>
-                <a:r>
-                  <a:rPr lang="ko-KR" altLang="en-US" sz="1200" dirty="0">
-                    <a:solidFill>
-                      <a:schemeClr val="tx1"/>
-                    </a:solidFill>
-                    <a:latin typeface="나눔스퀘어" panose="020B0600000101010101" pitchFamily="50" charset="-127"/>
-                    <a:ea typeface="나눔스퀘어" panose="020B0600000101010101" pitchFamily="50" charset="-127"/>
-                  </a:rPr>
-                  <a:t>가중치는 </a:t>
-                </a:r>
-                <a:r>
-                  <a:rPr lang="en-US" altLang="ko-KR" sz="1200" dirty="0">
-                    <a:solidFill>
-                      <a:schemeClr val="tx1"/>
-                    </a:solidFill>
-                    <a:latin typeface="나눔스퀘어" panose="020B0600000101010101" pitchFamily="50" charset="-127"/>
-                    <a:ea typeface="나눔스퀘어" panose="020B0600000101010101" pitchFamily="50" charset="-127"/>
-                  </a:rPr>
-                  <a:t>0.9</a:t>
-                </a:r>
-                <a:r>
-                  <a:rPr lang="ko-KR" altLang="en-US" sz="1200" dirty="0">
-                    <a:solidFill>
-                      <a:schemeClr val="tx1"/>
-                    </a:solidFill>
-                    <a:latin typeface="나눔스퀘어" panose="020B0600000101010101" pitchFamily="50" charset="-127"/>
-                    <a:ea typeface="나눔스퀘어" panose="020B0600000101010101" pitchFamily="50" charset="-127"/>
-                  </a:rPr>
-                  <a:t>의 운동량의 확률적 </a:t>
-                </a:r>
-                <a:r>
-                  <a:rPr lang="ko-KR" altLang="en-US" sz="1200" dirty="0" err="1">
-                    <a:solidFill>
-                      <a:schemeClr val="tx1"/>
-                    </a:solidFill>
-                    <a:latin typeface="나눔스퀘어" panose="020B0600000101010101" pitchFamily="50" charset="-127"/>
-                    <a:ea typeface="나눔스퀘어" panose="020B0600000101010101" pitchFamily="50" charset="-127"/>
-                  </a:rPr>
-                  <a:t>미니배치</a:t>
-                </a:r>
-                <a:r>
-                  <a:rPr lang="ko-KR" altLang="en-US" sz="1200" dirty="0">
-                    <a:solidFill>
-                      <a:schemeClr val="tx1"/>
-                    </a:solidFill>
-                    <a:latin typeface="나눔스퀘어" panose="020B0600000101010101" pitchFamily="50" charset="-127"/>
-                    <a:ea typeface="나눔스퀘어" panose="020B0600000101010101" pitchFamily="50" charset="-127"/>
-                  </a:rPr>
-                  <a:t> 경사하강법을 사용하여 학습</a:t>
-                </a:r>
-                <a:endParaRPr lang="en-US" altLang="ko-KR" sz="1200" dirty="0">
-                  <a:solidFill>
-                    <a:schemeClr val="tx1"/>
-                  </a:solidFill>
-                  <a:latin typeface="나눔스퀘어" panose="020B0600000101010101" pitchFamily="50" charset="-127"/>
-                  <a:ea typeface="나눔스퀘어" panose="020B0600000101010101" pitchFamily="50" charset="-127"/>
-                </a:endParaRPr>
-              </a:p>
-              <a:p>
-                <a:pPr marL="342900" indent="-342900">
-                  <a:buFontTx/>
-                  <a:buChar char="-"/>
-                </a:pPr>
-                <a:endParaRPr lang="en-US" altLang="ko-KR" sz="1200" dirty="0">
-                  <a:solidFill>
-                    <a:schemeClr val="tx1"/>
-                  </a:solidFill>
-                  <a:latin typeface="나눔스퀘어" panose="020B0600000101010101" pitchFamily="50" charset="-127"/>
-                  <a:ea typeface="나눔스퀘어" panose="020B0600000101010101" pitchFamily="50" charset="-127"/>
-                </a:endParaRPr>
-              </a:p>
-              <a:p>
-                <a:r>
-                  <a:rPr lang="ko-KR" altLang="en-US" sz="1200" dirty="0">
-                    <a:solidFill>
-                      <a:schemeClr val="tx1"/>
-                    </a:solidFill>
-                    <a:latin typeface="나눔스퀘어" panose="020B0600000101010101" pitchFamily="50" charset="-127"/>
-                    <a:ea typeface="나눔스퀘어" panose="020B0600000101010101" pitchFamily="50" charset="-127"/>
-                  </a:rPr>
-                  <a:t>각 반복에서 </a:t>
-                </a:r>
-                <a:r>
-                  <a:rPr lang="en-US" altLang="ko-KR" sz="1200" dirty="0">
-                    <a:solidFill>
-                      <a:schemeClr val="tx1"/>
-                    </a:solidFill>
-                    <a:latin typeface="나눔스퀘어" panose="020B0600000101010101" pitchFamily="50" charset="-127"/>
-                    <a:ea typeface="나눔스퀘어" panose="020B0600000101010101" pitchFamily="50" charset="-127"/>
-                  </a:rPr>
-                  <a:t>256</a:t>
-                </a:r>
-                <a:r>
-                  <a:rPr lang="ko-KR" altLang="en-US" sz="1200" dirty="0">
-                    <a:solidFill>
-                      <a:schemeClr val="tx1"/>
-                    </a:solidFill>
-                    <a:latin typeface="나눔스퀘어" panose="020B0600000101010101" pitchFamily="50" charset="-127"/>
-                    <a:ea typeface="나눔스퀘어" panose="020B0600000101010101" pitchFamily="50" charset="-127"/>
-                  </a:rPr>
-                  <a:t>개의 샘플의 미니 배치는 </a:t>
-                </a:r>
-                <a:r>
-                  <a:rPr lang="en-US" altLang="ko-KR" sz="1200" dirty="0">
-                    <a:solidFill>
-                      <a:schemeClr val="tx1"/>
-                    </a:solidFill>
-                    <a:latin typeface="나눔스퀘어" panose="020B0600000101010101" pitchFamily="50" charset="-127"/>
-                    <a:ea typeface="나눔스퀘어" panose="020B0600000101010101" pitchFamily="50" charset="-127"/>
-                  </a:rPr>
-                  <a:t>256</a:t>
-                </a:r>
-                <a:r>
-                  <a:rPr lang="ko-KR" altLang="en-US" sz="1200" dirty="0">
-                    <a:solidFill>
-                      <a:schemeClr val="tx1"/>
-                    </a:solidFill>
-                    <a:latin typeface="나눔스퀘어" panose="020B0600000101010101" pitchFamily="50" charset="-127"/>
-                    <a:ea typeface="나눔스퀘어" panose="020B0600000101010101" pitchFamily="50" charset="-127"/>
-                  </a:rPr>
-                  <a:t>개의 학습 비디오를 </a:t>
-                </a:r>
-                <a:r>
-                  <a:rPr lang="ko-KR" altLang="en-US" sz="1200" dirty="0" err="1">
-                    <a:solidFill>
-                      <a:schemeClr val="tx1"/>
-                    </a:solidFill>
-                    <a:latin typeface="나눔스퀘어" panose="020B0600000101010101" pitchFamily="50" charset="-127"/>
-                    <a:ea typeface="나눔스퀘어" panose="020B0600000101010101" pitchFamily="50" charset="-127"/>
-                  </a:rPr>
-                  <a:t>샘플링하여</a:t>
-                </a:r>
-                <a:r>
-                  <a:rPr lang="ko-KR" altLang="en-US" sz="1200" dirty="0">
-                    <a:solidFill>
-                      <a:schemeClr val="tx1"/>
-                    </a:solidFill>
-                    <a:latin typeface="나눔스퀘어" panose="020B0600000101010101" pitchFamily="50" charset="-127"/>
-                    <a:ea typeface="나눔스퀘어" panose="020B0600000101010101" pitchFamily="50" charset="-127"/>
-                  </a:rPr>
-                  <a:t> 구성되며</a:t>
-                </a:r>
-                <a:r>
-                  <a:rPr lang="en-US" altLang="ko-KR" sz="1200" dirty="0">
-                    <a:solidFill>
-                      <a:schemeClr val="tx1"/>
-                    </a:solidFill>
-                    <a:latin typeface="나눔스퀘어" panose="020B0600000101010101" pitchFamily="50" charset="-127"/>
-                    <a:ea typeface="나눔스퀘어" panose="020B0600000101010101" pitchFamily="50" charset="-127"/>
-                  </a:rPr>
-                  <a:t>, </a:t>
-                </a:r>
-                <a:r>
-                  <a:rPr lang="ko-KR" altLang="en-US" sz="1200" dirty="0">
-                    <a:solidFill>
-                      <a:schemeClr val="tx1"/>
-                    </a:solidFill>
-                    <a:latin typeface="나눔스퀘어" panose="020B0600000101010101" pitchFamily="50" charset="-127"/>
-                    <a:ea typeface="나눔스퀘어" panose="020B0600000101010101" pitchFamily="50" charset="-127"/>
-                  </a:rPr>
-                  <a:t>각 비디오에서 단일 프레임이 무작위로 선택됨</a:t>
-                </a:r>
-                <a:endParaRPr lang="en-US" altLang="ko-KR" sz="1200" dirty="0">
-                  <a:solidFill>
-                    <a:schemeClr val="tx1"/>
-                  </a:solidFill>
-                  <a:latin typeface="나눔스퀘어" panose="020B0600000101010101" pitchFamily="50" charset="-127"/>
-                  <a:ea typeface="나눔스퀘어" panose="020B0600000101010101" pitchFamily="50" charset="-127"/>
-                </a:endParaRPr>
-              </a:p>
-              <a:p>
-                <a:endParaRPr lang="en-US" altLang="ko-KR" sz="1200" dirty="0">
-                  <a:solidFill>
-                    <a:schemeClr val="tx1"/>
-                  </a:solidFill>
-                  <a:latin typeface="나눔스퀘어" panose="020B0600000101010101" pitchFamily="50" charset="-127"/>
-                  <a:ea typeface="나눔스퀘어" panose="020B0600000101010101" pitchFamily="50" charset="-127"/>
-                </a:endParaRPr>
-              </a:p>
-              <a:p>
-                <a:r>
-                  <a:rPr lang="en-US" altLang="ko-KR" sz="1600" b="1" dirty="0" err="1">
-                    <a:solidFill>
-                      <a:schemeClr val="tx1"/>
-                    </a:solidFill>
-                    <a:latin typeface="나눔스퀘어" panose="020B0600000101010101" pitchFamily="50" charset="-127"/>
-                    <a:ea typeface="나눔스퀘어" panose="020B0600000101010101" pitchFamily="50" charset="-127"/>
-                  </a:rPr>
-                  <a:t>Spartial</a:t>
-                </a:r>
-                <a:endParaRPr lang="en-US" altLang="ko-KR" sz="1600" b="1" dirty="0">
-                  <a:solidFill>
-                    <a:schemeClr val="tx1"/>
-                  </a:solidFill>
-                  <a:latin typeface="나눔스퀘어" panose="020B0600000101010101" pitchFamily="50" charset="-127"/>
-                  <a:ea typeface="나눔스퀘어" panose="020B0600000101010101" pitchFamily="50" charset="-127"/>
-                </a:endParaRPr>
-              </a:p>
-              <a:p>
-                <a:endParaRPr lang="en-US" altLang="ko-KR" sz="1200" b="1" dirty="0">
-                  <a:solidFill>
-                    <a:schemeClr val="tx1"/>
-                  </a:solidFill>
-                  <a:latin typeface="나눔스퀘어" panose="020B0600000101010101" pitchFamily="50" charset="-127"/>
-                  <a:ea typeface="나눔스퀘어" panose="020B0600000101010101" pitchFamily="50" charset="-127"/>
-                </a:endParaRPr>
-              </a:p>
-              <a:p>
-                <a:r>
-                  <a:rPr lang="en-US" altLang="ko-KR" sz="1200" dirty="0">
-                    <a:solidFill>
-                      <a:schemeClr val="tx1"/>
-                    </a:solidFill>
-                    <a:latin typeface="나눔스퀘어" panose="020B0600000101010101" pitchFamily="50" charset="-127"/>
-                    <a:ea typeface="나눔스퀘어" panose="020B0600000101010101" pitchFamily="50" charset="-127"/>
-                  </a:rPr>
-                  <a:t>224X224 sub-image</a:t>
-                </a:r>
-                <a:r>
-                  <a:rPr lang="ko-KR" altLang="en-US" sz="1200" dirty="0">
-                    <a:solidFill>
-                      <a:schemeClr val="tx1"/>
-                    </a:solidFill>
-                    <a:latin typeface="나눔스퀘어" panose="020B0600000101010101" pitchFamily="50" charset="-127"/>
-                    <a:ea typeface="나눔스퀘어" panose="020B0600000101010101" pitchFamily="50" charset="-127"/>
-                  </a:rPr>
-                  <a:t>는 선택된 프레임에서 </a:t>
-                </a:r>
-                <a:r>
-                  <a:rPr lang="en-US" altLang="ko-KR" sz="1200" dirty="0">
-                    <a:solidFill>
-                      <a:schemeClr val="tx1"/>
-                    </a:solidFill>
-                    <a:latin typeface="나눔스퀘어" panose="020B0600000101010101" pitchFamily="50" charset="-127"/>
-                    <a:ea typeface="나눔스퀘어" panose="020B0600000101010101" pitchFamily="50" charset="-127"/>
-                  </a:rPr>
-                  <a:t> randomly</a:t>
-                </a:r>
-                <a:r>
-                  <a:rPr lang="ko-KR" altLang="en-US" sz="1200" dirty="0">
-                    <a:solidFill>
-                      <a:schemeClr val="tx1"/>
-                    </a:solidFill>
-                    <a:latin typeface="나눔스퀘어" panose="020B0600000101010101" pitchFamily="50" charset="-127"/>
-                    <a:ea typeface="나눔스퀘어" panose="020B0600000101010101" pitchFamily="50" charset="-127"/>
-                  </a:rPr>
-                  <a:t> </a:t>
-                </a:r>
-                <a:r>
-                  <a:rPr lang="en-US" altLang="ko-KR" sz="1200" dirty="0">
-                    <a:solidFill>
-                      <a:schemeClr val="tx1"/>
-                    </a:solidFill>
-                    <a:latin typeface="나눔스퀘어" panose="020B0600000101010101" pitchFamily="50" charset="-127"/>
-                    <a:ea typeface="나눔스퀘어" panose="020B0600000101010101" pitchFamily="50" charset="-127"/>
-                  </a:rPr>
-                  <a:t>cropped </a:t>
-                </a:r>
-                <a:r>
-                  <a:rPr lang="ko-KR" altLang="en-US" sz="1200" dirty="0">
-                    <a:solidFill>
-                      <a:schemeClr val="tx1"/>
-                    </a:solidFill>
-                    <a:latin typeface="나눔스퀘어" panose="020B0600000101010101" pitchFamily="50" charset="-127"/>
-                    <a:ea typeface="나눔스퀘어" panose="020B0600000101010101" pitchFamily="50" charset="-127"/>
-                  </a:rPr>
-                  <a:t>이후</a:t>
-                </a:r>
-                <a:r>
-                  <a:rPr lang="en-US" altLang="ko-KR" sz="1200" dirty="0">
-                    <a:solidFill>
-                      <a:schemeClr val="tx1"/>
-                    </a:solidFill>
-                    <a:latin typeface="나눔스퀘어" panose="020B0600000101010101" pitchFamily="50" charset="-127"/>
-                    <a:ea typeface="나눔스퀘어" panose="020B0600000101010101" pitchFamily="50" charset="-127"/>
-                  </a:rPr>
-                  <a:t>, randomly</a:t>
-                </a:r>
-                <a:r>
-                  <a:rPr lang="ko-KR" altLang="en-US" sz="1200" dirty="0">
-                    <a:solidFill>
-                      <a:schemeClr val="tx1"/>
-                    </a:solidFill>
-                    <a:latin typeface="나눔스퀘어" panose="020B0600000101010101" pitchFamily="50" charset="-127"/>
-                    <a:ea typeface="나눔스퀘어" panose="020B0600000101010101" pitchFamily="50" charset="-127"/>
-                  </a:rPr>
-                  <a:t> </a:t>
-                </a:r>
-                <a:r>
-                  <a:rPr lang="en-US" altLang="ko-KR" sz="1200" dirty="0">
-                    <a:solidFill>
-                      <a:schemeClr val="tx1"/>
-                    </a:solidFill>
-                    <a:latin typeface="나눔스퀘어" panose="020B0600000101010101" pitchFamily="50" charset="-127"/>
-                    <a:ea typeface="나눔스퀘어" panose="020B0600000101010101" pitchFamily="50" charset="-127"/>
-                  </a:rPr>
-                  <a:t>horizontal flipping,</a:t>
-                </a:r>
-                <a:r>
-                  <a:rPr lang="ko-KR" altLang="en-US" sz="1200" dirty="0">
-                    <a:solidFill>
-                      <a:schemeClr val="tx1"/>
-                    </a:solidFill>
-                    <a:latin typeface="나눔스퀘어" panose="020B0600000101010101" pitchFamily="50" charset="-127"/>
-                    <a:ea typeface="나눔스퀘어" panose="020B0600000101010101" pitchFamily="50" charset="-127"/>
-                  </a:rPr>
-                  <a:t> </a:t>
-                </a:r>
-                <a:r>
-                  <a:rPr lang="en-US" altLang="ko-KR" sz="1200" dirty="0">
-                    <a:solidFill>
-                      <a:schemeClr val="tx1"/>
-                    </a:solidFill>
-                    <a:latin typeface="나눔스퀘어" panose="020B0600000101010101" pitchFamily="50" charset="-127"/>
-                    <a:ea typeface="나눔스퀘어" panose="020B0600000101010101" pitchFamily="50" charset="-127"/>
-                  </a:rPr>
-                  <a:t>RGB Jittering</a:t>
-                </a:r>
-              </a:p>
-              <a:p>
-                <a:endParaRPr lang="en-US" altLang="ko-KR" sz="1600" dirty="0">
-                  <a:solidFill>
-                    <a:schemeClr val="tx1"/>
-                  </a:solidFill>
-                  <a:latin typeface="나눔스퀘어" panose="020B0600000101010101" pitchFamily="50" charset="-127"/>
-                  <a:ea typeface="나눔스퀘어" panose="020B0600000101010101" pitchFamily="50" charset="-127"/>
-                </a:endParaRPr>
-              </a:p>
-              <a:p>
-                <a:r>
-                  <a:rPr lang="ko-KR" altLang="en-US" sz="1200" dirty="0">
-                    <a:solidFill>
-                      <a:schemeClr val="tx1"/>
-                    </a:solidFill>
-                    <a:latin typeface="나눔스퀘어" panose="020B0600000101010101" pitchFamily="50" charset="-127"/>
-                    <a:ea typeface="나눔스퀘어" panose="020B0600000101010101" pitchFamily="50" charset="-127"/>
-                  </a:rPr>
-                  <a:t>비디오는 프레임의 가장 작은 면의 크기가 </a:t>
-                </a:r>
-                <a:r>
-                  <a:rPr lang="en-US" altLang="ko-KR" sz="1200" dirty="0">
-                    <a:solidFill>
-                      <a:schemeClr val="tx1"/>
-                    </a:solidFill>
-                    <a:latin typeface="나눔스퀘어" panose="020B0600000101010101" pitchFamily="50" charset="-127"/>
-                    <a:ea typeface="나눔스퀘어" panose="020B0600000101010101" pitchFamily="50" charset="-127"/>
-                  </a:rPr>
-                  <a:t>256</a:t>
-                </a:r>
-                <a:r>
-                  <a:rPr lang="ko-KR" altLang="en-US" sz="1200" dirty="0">
-                    <a:solidFill>
-                      <a:schemeClr val="tx1"/>
-                    </a:solidFill>
-                    <a:latin typeface="나눔스퀘어" panose="020B0600000101010101" pitchFamily="50" charset="-127"/>
-                    <a:ea typeface="나눔스퀘어" panose="020B0600000101010101" pitchFamily="50" charset="-127"/>
-                  </a:rPr>
-                  <a:t>이 되도록 미리 재조정</a:t>
-                </a:r>
-                <a:endParaRPr lang="en-US" altLang="ko-KR" sz="1200" dirty="0">
-                  <a:solidFill>
-                    <a:schemeClr val="tx1"/>
-                  </a:solidFill>
-                  <a:latin typeface="나눔스퀘어" panose="020B0600000101010101" pitchFamily="50" charset="-127"/>
-                  <a:ea typeface="나눔스퀘어" panose="020B0600000101010101" pitchFamily="50" charset="-127"/>
-                </a:endParaRPr>
-              </a:p>
-              <a:p>
-                <a:br>
-                  <a:rPr lang="en-US" altLang="ko-KR" sz="1200" dirty="0">
-                    <a:solidFill>
-                      <a:schemeClr val="tx1"/>
-                    </a:solidFill>
-                    <a:latin typeface="나눔스퀘어" panose="020B0600000101010101" pitchFamily="50" charset="-127"/>
-                    <a:ea typeface="나눔스퀘어" panose="020B0600000101010101" pitchFamily="50" charset="-127"/>
-                  </a:rPr>
-                </a:br>
-                <a:r>
-                  <a:rPr lang="ko-KR" altLang="en-US" sz="1200" dirty="0">
-                    <a:solidFill>
-                      <a:schemeClr val="tx1"/>
-                    </a:solidFill>
-                    <a:latin typeface="나눔스퀘어" panose="020B0600000101010101" pitchFamily="50" charset="-127"/>
-                    <a:ea typeface="나눔스퀘어" panose="020B0600000101010101" pitchFamily="50" charset="-127"/>
-                  </a:rPr>
-                  <a:t>하위 이미지는 </a:t>
-                </a:r>
-                <a:r>
-                  <a:rPr lang="en-US" altLang="ko-KR" sz="1200" dirty="0">
-                    <a:solidFill>
-                      <a:schemeClr val="tx1"/>
-                    </a:solidFill>
-                    <a:latin typeface="나눔스퀘어" panose="020B0600000101010101" pitchFamily="50" charset="-127"/>
-                    <a:ea typeface="나눔스퀘어" panose="020B0600000101010101" pitchFamily="50" charset="-127"/>
-                  </a:rPr>
-                  <a:t>256X256</a:t>
-                </a:r>
-                <a:r>
-                  <a:rPr lang="ko-KR" altLang="en-US" sz="1200" dirty="0">
-                    <a:solidFill>
-                      <a:schemeClr val="tx1"/>
-                    </a:solidFill>
-                    <a:latin typeface="나눔스퀘어" panose="020B0600000101010101" pitchFamily="50" charset="-127"/>
-                    <a:ea typeface="나눔스퀘어" panose="020B0600000101010101" pitchFamily="50" charset="-127"/>
-                  </a:rPr>
-                  <a:t>의</a:t>
-                </a:r>
-                <a:r>
-                  <a:rPr lang="en-US" altLang="ko-KR" sz="1200" dirty="0">
-                    <a:solidFill>
-                      <a:schemeClr val="tx1"/>
-                    </a:solidFill>
-                    <a:latin typeface="나눔스퀘어" panose="020B0600000101010101" pitchFamily="50" charset="-127"/>
-                    <a:ea typeface="나눔스퀘어" panose="020B0600000101010101" pitchFamily="50" charset="-127"/>
-                  </a:rPr>
-                  <a:t> Center Crop</a:t>
-                </a:r>
-                <a:r>
-                  <a:rPr lang="ko-KR" altLang="en-US" sz="1200" dirty="0">
-                    <a:solidFill>
-                      <a:schemeClr val="tx1"/>
-                    </a:solidFill>
-                    <a:latin typeface="나눔스퀘어" panose="020B0600000101010101" pitchFamily="50" charset="-127"/>
-                    <a:ea typeface="나눔스퀘어" panose="020B0600000101010101" pitchFamily="50" charset="-127"/>
-                  </a:rPr>
-                  <a:t>이 아닌 전체 프레임에서 샘플링</a:t>
-                </a:r>
-                <a:r>
-                  <a:rPr lang="en-US" altLang="ko-KR" sz="1200" dirty="0">
-                    <a:solidFill>
-                      <a:schemeClr val="tx1"/>
-                    </a:solidFill>
-                    <a:latin typeface="나눔스퀘어" panose="020B0600000101010101" pitchFamily="50" charset="-127"/>
-                    <a:ea typeface="나눔스퀘어" panose="020B0600000101010101" pitchFamily="50" charset="-127"/>
-                  </a:rPr>
-                  <a:t>(Ref[15]</a:t>
-                </a:r>
-                <a:r>
-                  <a:rPr lang="ko-KR" altLang="en-US" sz="1200" dirty="0">
-                    <a:solidFill>
-                      <a:schemeClr val="tx1"/>
-                    </a:solidFill>
-                    <a:latin typeface="나눔스퀘어" panose="020B0600000101010101" pitchFamily="50" charset="-127"/>
-                    <a:ea typeface="나눔스퀘어" panose="020B0600000101010101" pitchFamily="50" charset="-127"/>
-                  </a:rPr>
-                  <a:t>와의 차이</a:t>
-                </a:r>
-                <a:r>
-                  <a:rPr lang="en-US" altLang="ko-KR" sz="1200" dirty="0">
-                    <a:solidFill>
-                      <a:schemeClr val="tx1"/>
-                    </a:solidFill>
-                    <a:latin typeface="나눔스퀘어" panose="020B0600000101010101" pitchFamily="50" charset="-127"/>
-                    <a:ea typeface="나눔스퀘어" panose="020B0600000101010101" pitchFamily="50" charset="-127"/>
-                  </a:rPr>
-                  <a:t>)</a:t>
-                </a:r>
-              </a:p>
-              <a:p>
-                <a:endParaRPr lang="en-US" altLang="ko-KR" sz="1200" dirty="0">
-                  <a:solidFill>
-                    <a:schemeClr val="tx1"/>
-                  </a:solidFill>
-                  <a:latin typeface="나눔스퀘어" panose="020B0600000101010101" pitchFamily="50" charset="-127"/>
-                  <a:ea typeface="나눔스퀘어" panose="020B0600000101010101" pitchFamily="50" charset="-127"/>
-                </a:endParaRPr>
-              </a:p>
-              <a:p>
-                <a:r>
-                  <a:rPr lang="en-US" altLang="ko-KR" sz="1600" b="1" dirty="0">
-                    <a:solidFill>
-                      <a:schemeClr val="tx1"/>
-                    </a:solidFill>
-                    <a:latin typeface="나눔스퀘어" panose="020B0600000101010101" pitchFamily="50" charset="-127"/>
-                    <a:ea typeface="나눔스퀘어" panose="020B0600000101010101" pitchFamily="50" charset="-127"/>
-                  </a:rPr>
-                  <a:t>Temporal</a:t>
-                </a:r>
-              </a:p>
-              <a:p>
-                <a:endParaRPr lang="en-US" altLang="ko-KR" sz="1200" b="1" dirty="0">
-                  <a:solidFill>
-                    <a:schemeClr val="tx1"/>
-                  </a:solidFill>
-                  <a:latin typeface="나눔스퀘어" panose="020B0600000101010101" pitchFamily="50" charset="-127"/>
-                  <a:ea typeface="나눔스퀘어" panose="020B0600000101010101" pitchFamily="50" charset="-127"/>
-                </a:endParaRPr>
-              </a:p>
-              <a:p>
-                <a:r>
-                  <a:rPr lang="en-US" altLang="ko-KR" sz="1200" dirty="0">
-                    <a:solidFill>
-                      <a:schemeClr val="tx1"/>
-                    </a:solidFill>
-                    <a:latin typeface="나눔스퀘어" panose="020B0600000101010101" pitchFamily="50" charset="-127"/>
-                    <a:ea typeface="나눔스퀘어" panose="020B0600000101010101" pitchFamily="50" charset="-127"/>
-                  </a:rPr>
-                  <a:t>Optical</a:t>
-                </a:r>
-                <a:r>
-                  <a:rPr lang="ko-KR" altLang="en-US" sz="1200" dirty="0">
-                    <a:solidFill>
-                      <a:schemeClr val="tx1"/>
-                    </a:solidFill>
-                    <a:latin typeface="나눔스퀘어" panose="020B0600000101010101" pitchFamily="50" charset="-127"/>
-                    <a:ea typeface="나눔스퀘어" panose="020B0600000101010101" pitchFamily="50" charset="-127"/>
-                  </a:rPr>
-                  <a:t> </a:t>
-                </a:r>
-                <a:r>
-                  <a:rPr lang="en-US" altLang="ko-KR" sz="1200" dirty="0">
-                    <a:solidFill>
-                      <a:schemeClr val="tx1"/>
-                    </a:solidFill>
-                    <a:latin typeface="나눔스퀘어" panose="020B0600000101010101" pitchFamily="50" charset="-127"/>
-                    <a:ea typeface="나눔스퀘어" panose="020B0600000101010101" pitchFamily="50" charset="-127"/>
-                  </a:rPr>
-                  <a:t>flow volume</a:t>
-                </a:r>
-                <a:r>
-                  <a:rPr lang="ko-KR" altLang="en-US" sz="1200" dirty="0">
-                    <a:solidFill>
-                      <a:schemeClr val="tx1"/>
-                    </a:solidFill>
-                    <a:latin typeface="나눔스퀘어" panose="020B0600000101010101" pitchFamily="50" charset="-127"/>
-                    <a:ea typeface="나눔스퀘어" panose="020B0600000101010101" pitchFamily="50" charset="-127"/>
-                  </a:rPr>
-                  <a:t>인 </a:t>
-                </a:r>
-                <a14:m>
-                  <m:oMath xmlns:m="http://schemas.openxmlformats.org/officeDocument/2006/math">
-                    <m:r>
-                      <a:rPr lang="en-US" altLang="ko-KR" sz="1200" b="0" i="1" smtClean="0">
-                        <a:solidFill>
-                          <a:schemeClr val="tx1"/>
-                        </a:solidFill>
-                        <a:latin typeface="Cambria Math" panose="02040503050406030204" pitchFamily="18" charset="0"/>
-                        <a:ea typeface="나눔스퀘어" panose="020B0600000101010101" pitchFamily="50" charset="-127"/>
-                      </a:rPr>
-                      <m:t>𝐼</m:t>
-                    </m:r>
-                    <m:r>
-                      <a:rPr lang="en-US" altLang="ko-KR" sz="1200" b="0" i="1" smtClean="0">
-                        <a:solidFill>
-                          <a:schemeClr val="tx1"/>
-                        </a:solidFill>
-                        <a:latin typeface="Cambria Math" panose="02040503050406030204" pitchFamily="18" charset="0"/>
-                        <a:ea typeface="나눔스퀘어" panose="020B0600000101010101" pitchFamily="50" charset="-127"/>
-                      </a:rPr>
-                      <m:t> </m:t>
-                    </m:r>
-                  </m:oMath>
-                </a14:m>
-                <a:r>
-                  <a:rPr lang="ko-KR" altLang="en-US" sz="1200" dirty="0">
-                    <a:solidFill>
-                      <a:schemeClr val="tx1"/>
-                    </a:solidFill>
-                    <a:latin typeface="나눔스퀘어" panose="020B0600000101010101" pitchFamily="50" charset="-127"/>
-                    <a:ea typeface="나눔스퀘어" panose="020B0600000101010101" pitchFamily="50" charset="-127"/>
-                  </a:rPr>
-                  <a:t> 계산</a:t>
-                </a:r>
-                <a:endParaRPr lang="en-US" altLang="ko-KR" sz="1200" dirty="0">
-                  <a:solidFill>
-                    <a:schemeClr val="tx1"/>
-                  </a:solidFill>
-                  <a:latin typeface="나눔스퀘어" panose="020B0600000101010101" pitchFamily="50" charset="-127"/>
-                  <a:ea typeface="나눔스퀘어" panose="020B0600000101010101" pitchFamily="50" charset="-127"/>
-                </a:endParaRPr>
-              </a:p>
-              <a:p>
-                <a:endParaRPr lang="en-US" altLang="ko-KR" sz="1200" dirty="0">
-                  <a:solidFill>
-                    <a:schemeClr val="tx1"/>
-                  </a:solidFill>
-                  <a:latin typeface="나눔스퀘어" panose="020B0600000101010101" pitchFamily="50" charset="-127"/>
-                  <a:ea typeface="나눔스퀘어" panose="020B0600000101010101" pitchFamily="50" charset="-127"/>
-                </a:endParaRPr>
-              </a:p>
-              <a:p>
-                <a:r>
-                  <a:rPr lang="en-US" altLang="ko-KR" sz="1200" dirty="0">
-                    <a:solidFill>
-                      <a:schemeClr val="tx1"/>
-                    </a:solidFill>
-                    <a:latin typeface="나눔스퀘어" panose="020B0600000101010101" pitchFamily="50" charset="-127"/>
-                    <a:ea typeface="나눔스퀘어" panose="020B0600000101010101" pitchFamily="50" charset="-127"/>
-                  </a:rPr>
-                  <a:t>224X224X2L</a:t>
-                </a:r>
-                <a:r>
-                  <a:rPr lang="ko-KR" altLang="en-US" sz="1200" dirty="0">
-                    <a:solidFill>
-                      <a:schemeClr val="tx1"/>
-                    </a:solidFill>
-                    <a:latin typeface="나눔스퀘어" panose="020B0600000101010101" pitchFamily="50" charset="-127"/>
-                    <a:ea typeface="나눔스퀘어" panose="020B0600000101010101" pitchFamily="50" charset="-127"/>
-                  </a:rPr>
-                  <a:t>의 입력은 무작위로 </a:t>
-                </a:r>
-                <a:r>
-                  <a:rPr lang="en-US" altLang="ko-KR" sz="1200" dirty="0">
-                    <a:solidFill>
-                      <a:schemeClr val="tx1"/>
-                    </a:solidFill>
-                    <a:latin typeface="나눔스퀘어" panose="020B0600000101010101" pitchFamily="50" charset="-127"/>
-                    <a:ea typeface="나눔스퀘어" panose="020B0600000101010101" pitchFamily="50" charset="-127"/>
-                  </a:rPr>
-                  <a:t>cropped and flipped</a:t>
-                </a:r>
-              </a:p>
-              <a:p>
-                <a:endParaRPr lang="en-US" altLang="ko-KR" sz="1200" dirty="0">
-                  <a:solidFill>
-                    <a:schemeClr val="tx1"/>
-                  </a:solidFill>
-                  <a:latin typeface="나눔스퀘어" panose="020B0600000101010101" pitchFamily="50" charset="-127"/>
-                  <a:ea typeface="나눔스퀘어" panose="020B0600000101010101" pitchFamily="50" charset="-127"/>
-                </a:endParaRPr>
-              </a:p>
-              <a:p>
-                <a:r>
-                  <a:rPr lang="ko-KR" altLang="en-US" sz="1200" dirty="0" err="1">
-                    <a:solidFill>
-                      <a:schemeClr val="tx1"/>
-                    </a:solidFill>
-                    <a:latin typeface="나눔스퀘어" panose="020B0600000101010101" pitchFamily="50" charset="-127"/>
-                    <a:ea typeface="나눔스퀘어" panose="020B0600000101010101" pitchFamily="50" charset="-127"/>
-                  </a:rPr>
-                  <a:t>학습률은</a:t>
-                </a:r>
-                <a:r>
-                  <a:rPr lang="ko-KR" altLang="en-US" sz="1200" dirty="0">
-                    <a:solidFill>
-                      <a:schemeClr val="tx1"/>
-                    </a:solidFill>
-                    <a:latin typeface="나눔스퀘어" panose="020B0600000101010101" pitchFamily="50" charset="-127"/>
-                    <a:ea typeface="나눔스퀘어" panose="020B0600000101010101" pitchFamily="50" charset="-127"/>
-                  </a:rPr>
-                  <a:t> 초기에 </a:t>
-                </a:r>
-                <a:r>
-                  <a:rPr lang="en-US" altLang="ko-KR" sz="1200" dirty="0">
-                    <a:solidFill>
-                      <a:schemeClr val="tx1"/>
-                    </a:solidFill>
-                    <a:latin typeface="나눔스퀘어" panose="020B0600000101010101" pitchFamily="50" charset="-127"/>
-                    <a:ea typeface="나눔스퀘어" panose="020B0600000101010101" pitchFamily="50" charset="-127"/>
-                  </a:rPr>
-                  <a:t>0.01</a:t>
-                </a:r>
-                <a:r>
-                  <a:rPr lang="ko-KR" altLang="en-US" sz="1200" dirty="0">
-                    <a:solidFill>
-                      <a:schemeClr val="tx1"/>
-                    </a:solidFill>
-                    <a:latin typeface="나눔스퀘어" panose="020B0600000101010101" pitchFamily="50" charset="-127"/>
-                    <a:ea typeface="나눔스퀘어" panose="020B0600000101010101" pitchFamily="50" charset="-127"/>
-                  </a:rPr>
-                  <a:t>로 설정되고 학습에 따라 감소</a:t>
-                </a:r>
-                <a:endParaRPr lang="en-US" altLang="ko-KR" sz="1200" dirty="0">
-                  <a:solidFill>
-                    <a:schemeClr val="tx1"/>
-                  </a:solidFill>
-                  <a:latin typeface="나눔스퀘어" panose="020B0600000101010101" pitchFamily="50" charset="-127"/>
-                  <a:ea typeface="나눔스퀘어" panose="020B0600000101010101" pitchFamily="50" charset="-127"/>
-                </a:endParaRPr>
-              </a:p>
-            </p:txBody>
-          </p:sp>
-        </mc:Choice>
-        <mc:Fallback xmlns="">
-          <p:sp>
-            <p:nvSpPr>
-              <p:cNvPr id="16" name="TextBox 15">
-                <a:extLst>
-                  <a:ext uri="{FF2B5EF4-FFF2-40B4-BE49-F238E27FC236}">
-                    <a16:creationId xmlns:a16="http://schemas.microsoft.com/office/drawing/2014/main" id="{C036397E-E2D5-F5F0-B0C5-D30C36571A1E}"/>
-                  </a:ext>
-                </a:extLst>
-              </p:cNvPr>
-              <p:cNvSpPr txBox="1">
-                <a:spLocks noRot="1" noChangeAspect="1" noMove="1" noResize="1" noEditPoints="1" noAdjustHandles="1" noChangeArrowheads="1" noChangeShapeType="1" noTextEdit="1"/>
-              </p:cNvSpPr>
-              <p:nvPr/>
-            </p:nvSpPr>
-            <p:spPr>
-              <a:xfrm>
-                <a:off x="272930" y="2071246"/>
-                <a:ext cx="10490144" cy="4216539"/>
-              </a:xfrm>
-              <a:prstGeom prst="rect">
-                <a:avLst/>
-              </a:prstGeom>
-              <a:blipFill>
-                <a:blip r:embed="rId2"/>
-                <a:stretch>
-                  <a:fillRect l="-232" t="-144"/>
-                </a:stretch>
-              </a:blipFill>
-              <a:ln w="28575">
-                <a:solidFill>
-                  <a:schemeClr val="tx1">
-                    <a:lumMod val="65000"/>
-                    <a:lumOff val="35000"/>
-                  </a:schemeClr>
-                </a:solidFill>
-              </a:ln>
-            </p:spPr>
-            <p:txBody>
-              <a:bodyPr/>
-              <a:lstStyle/>
-              <a:p>
-                <a:r>
-                  <a:rPr lang="ko-KR" altLang="en-US">
-                    <a:noFill/>
-                  </a:rPr>
-                  <a:t> </a:t>
-                </a:r>
-              </a:p>
-            </p:txBody>
-          </p:sp>
-        </mc:Fallback>
-      </mc:AlternateContent>
+      <p:pic>
+        <p:nvPicPr>
+          <p:cNvPr id="3" name="그림 2">
+            <a:extLst>
+              <a:ext uri="{FF2B5EF4-FFF2-40B4-BE49-F238E27FC236}">
+                <a16:creationId xmlns:a16="http://schemas.microsoft.com/office/drawing/2014/main" id="{5414229F-5E06-34AD-6D7C-071A4CFCC484}"/>
+              </a:ext>
+            </a:extLst>
+          </p:cNvPr>
+          <p:cNvPicPr>
+            <a:picLocks noChangeAspect="1"/>
+          </p:cNvPicPr>
+          <p:nvPr/>
+        </p:nvPicPr>
+        <p:blipFill>
+          <a:blip r:embed="rId2"/>
+          <a:stretch>
+            <a:fillRect/>
+          </a:stretch>
+        </p:blipFill>
+        <p:spPr>
+          <a:xfrm>
+            <a:off x="272930" y="1966295"/>
+            <a:ext cx="6953250" cy="1800225"/>
+          </a:xfrm>
+          <a:prstGeom prst="rect">
+            <a:avLst/>
+          </a:prstGeom>
+          <a:ln>
+            <a:solidFill>
+              <a:schemeClr val="tx1">
+                <a:lumMod val="65000"/>
+                <a:lumOff val="35000"/>
+              </a:schemeClr>
+            </a:solidFill>
+          </a:ln>
+        </p:spPr>
+      </p:pic>
+      <p:sp>
+        <p:nvSpPr>
+          <p:cNvPr id="12" name="TextBox 11">
+            <a:extLst>
+              <a:ext uri="{FF2B5EF4-FFF2-40B4-BE49-F238E27FC236}">
+                <a16:creationId xmlns:a16="http://schemas.microsoft.com/office/drawing/2014/main" id="{268891F9-BD85-85CF-2605-8DA26C6843E7}"/>
+              </a:ext>
+            </a:extLst>
+          </p:cNvPr>
+          <p:cNvSpPr txBox="1"/>
+          <p:nvPr/>
+        </p:nvSpPr>
+        <p:spPr>
+          <a:xfrm>
+            <a:off x="272930" y="4046566"/>
+            <a:ext cx="5125548" cy="2308324"/>
+          </a:xfrm>
+          <a:prstGeom prst="rect">
+            <a:avLst/>
+          </a:prstGeom>
+          <a:noFill/>
+        </p:spPr>
+        <p:txBody>
+          <a:bodyPr wrap="square" rtlCol="0">
+            <a:spAutoFit/>
+          </a:bodyPr>
+          <a:lstStyle/>
+          <a:p>
+            <a:r>
+              <a:rPr lang="en-US" altLang="ko-KR" sz="1600" b="1" dirty="0">
+                <a:latin typeface="나눔스퀘어" panose="020B0600000101010101" pitchFamily="50" charset="-127"/>
+                <a:ea typeface="나눔스퀘어" panose="020B0600000101010101" pitchFamily="50" charset="-127"/>
+              </a:rPr>
+              <a:t>(a) Spatial </a:t>
+            </a:r>
+            <a:r>
+              <a:rPr lang="en-US" altLang="ko-KR" sz="1600" b="1" dirty="0" err="1">
+                <a:latin typeface="나눔스퀘어" panose="020B0600000101010101" pitchFamily="50" charset="-127"/>
+                <a:ea typeface="나눔스퀘어" panose="020B0600000101010101" pitchFamily="50" charset="-127"/>
+              </a:rPr>
+              <a:t>ConvNet</a:t>
+            </a:r>
+            <a:r>
+              <a:rPr lang="en-US" altLang="ko-KR" sz="1600" b="1" dirty="0">
+                <a:latin typeface="나눔스퀘어" panose="020B0600000101010101" pitchFamily="50" charset="-127"/>
+                <a:ea typeface="나눔스퀘어" panose="020B0600000101010101" pitchFamily="50" charset="-127"/>
+              </a:rPr>
+              <a:t> (</a:t>
+            </a:r>
+            <a:r>
+              <a:rPr lang="ko-KR" altLang="en-US" sz="1600" b="1" dirty="0">
+                <a:latin typeface="나눔스퀘어" panose="020B0600000101010101" pitchFamily="50" charset="-127"/>
+                <a:ea typeface="나눔스퀘어" panose="020B0600000101010101" pitchFamily="50" charset="-127"/>
+              </a:rPr>
+              <a:t>학습 방식의 따른 차이 확인</a:t>
+            </a:r>
+            <a:r>
+              <a:rPr lang="en-US" altLang="ko-KR" sz="1600" b="1" dirty="0">
+                <a:latin typeface="나눔스퀘어" panose="020B0600000101010101" pitchFamily="50" charset="-127"/>
+                <a:ea typeface="나눔스퀘어" panose="020B0600000101010101" pitchFamily="50" charset="-127"/>
+              </a:rPr>
+              <a:t>)</a:t>
+            </a:r>
+          </a:p>
+          <a:p>
+            <a:r>
+              <a:rPr lang="en-US" altLang="ko-KR" sz="1200" dirty="0">
+                <a:latin typeface="나눔스퀘어" panose="020B0600000101010101" pitchFamily="50" charset="-127"/>
+                <a:ea typeface="나눔스퀘어" panose="020B0600000101010101" pitchFamily="50" charset="-127"/>
+              </a:rPr>
+              <a:t>1. UCF-101</a:t>
+            </a:r>
+            <a:r>
+              <a:rPr lang="ko-KR" altLang="en-US" sz="1200" dirty="0">
+                <a:latin typeface="나눔스퀘어" panose="020B0600000101010101" pitchFamily="50" charset="-127"/>
+                <a:ea typeface="나눔스퀘어" panose="020B0600000101010101" pitchFamily="50" charset="-127"/>
+              </a:rPr>
+              <a:t>에 대해 처음부터 학습</a:t>
+            </a:r>
+            <a:endParaRPr lang="en-US" altLang="ko-KR" sz="1200" dirty="0">
+              <a:latin typeface="나눔스퀘어" panose="020B0600000101010101" pitchFamily="50" charset="-127"/>
+              <a:ea typeface="나눔스퀘어" panose="020B0600000101010101" pitchFamily="50" charset="-127"/>
+            </a:endParaRPr>
+          </a:p>
+          <a:p>
+            <a:r>
+              <a:rPr lang="en-US" altLang="ko-KR" sz="1200" dirty="0">
+                <a:latin typeface="나눔스퀘어" panose="020B0600000101010101" pitchFamily="50" charset="-127"/>
+                <a:ea typeface="나눔스퀘어" panose="020B0600000101010101" pitchFamily="50" charset="-127"/>
+              </a:rPr>
+              <a:t>2. ILSVRC-2012</a:t>
+            </a:r>
+            <a:r>
+              <a:rPr lang="ko-KR" altLang="en-US" sz="1200" dirty="0">
+                <a:latin typeface="나눔스퀘어" panose="020B0600000101010101" pitchFamily="50" charset="-127"/>
+                <a:ea typeface="나눔스퀘어" panose="020B0600000101010101" pitchFamily="50" charset="-127"/>
+              </a:rPr>
+              <a:t>에 대해 사전 학습 </a:t>
+            </a:r>
+            <a:r>
+              <a:rPr lang="en-US" altLang="ko-KR" sz="1200" dirty="0">
+                <a:latin typeface="나눔스퀘어" panose="020B0600000101010101" pitchFamily="50" charset="-127"/>
+                <a:ea typeface="나눔스퀘어" panose="020B0600000101010101" pitchFamily="50" charset="-127"/>
+              </a:rPr>
+              <a:t>+ UCF-101</a:t>
+            </a:r>
+            <a:r>
+              <a:rPr lang="ko-KR" altLang="en-US" sz="1200" dirty="0">
+                <a:latin typeface="나눔스퀘어" panose="020B0600000101010101" pitchFamily="50" charset="-127"/>
+                <a:ea typeface="나눔스퀘어" panose="020B0600000101010101" pitchFamily="50" charset="-127"/>
+              </a:rPr>
+              <a:t>에 대한 미세조정</a:t>
+            </a:r>
+            <a:endParaRPr lang="en-US" altLang="ko-KR" sz="1200" dirty="0">
+              <a:latin typeface="나눔스퀘어" panose="020B0600000101010101" pitchFamily="50" charset="-127"/>
+              <a:ea typeface="나눔스퀘어" panose="020B0600000101010101" pitchFamily="50" charset="-127"/>
+            </a:endParaRPr>
+          </a:p>
+          <a:p>
+            <a:r>
+              <a:rPr lang="en-US" altLang="ko-KR" sz="1200" dirty="0">
+                <a:latin typeface="나눔스퀘어" panose="020B0600000101010101" pitchFamily="50" charset="-127"/>
+                <a:ea typeface="나눔스퀘어" panose="020B0600000101010101" pitchFamily="50" charset="-127"/>
+              </a:rPr>
+              <a:t>3. ILSVRC-2012</a:t>
+            </a:r>
+            <a:r>
+              <a:rPr lang="ko-KR" altLang="en-US" sz="1200" dirty="0">
+                <a:latin typeface="나눔스퀘어" panose="020B0600000101010101" pitchFamily="50" charset="-127"/>
+                <a:ea typeface="나눔스퀘어" panose="020B0600000101010101" pitchFamily="50" charset="-127"/>
+              </a:rPr>
+              <a:t>에 대해 사전 학습된 망 고정 </a:t>
+            </a:r>
+            <a:r>
+              <a:rPr lang="en-US" altLang="ko-KR" sz="1200" dirty="0">
+                <a:latin typeface="나눔스퀘어" panose="020B0600000101010101" pitchFamily="50" charset="-127"/>
+                <a:ea typeface="나눔스퀘어" panose="020B0600000101010101" pitchFamily="50" charset="-127"/>
+              </a:rPr>
+              <a:t>+ </a:t>
+            </a:r>
+            <a:r>
+              <a:rPr lang="ko-KR" altLang="en-US" sz="1200" dirty="0">
+                <a:latin typeface="나눔스퀘어" panose="020B0600000101010101" pitchFamily="50" charset="-127"/>
+                <a:ea typeface="나눔스퀘어" panose="020B0600000101010101" pitchFamily="50" charset="-127"/>
+              </a:rPr>
+              <a:t>마지막 분류 레이어 학습</a:t>
+            </a:r>
+            <a:endParaRPr lang="en-US" altLang="ko-KR" sz="1200" dirty="0">
+              <a:latin typeface="나눔스퀘어" panose="020B0600000101010101" pitchFamily="50" charset="-127"/>
+              <a:ea typeface="나눔스퀘어" panose="020B0600000101010101" pitchFamily="50" charset="-127"/>
+            </a:endParaRPr>
+          </a:p>
+          <a:p>
+            <a:endParaRPr lang="en-US" altLang="ko-KR" sz="1600" dirty="0">
+              <a:latin typeface="나눔스퀘어" panose="020B0600000101010101" pitchFamily="50" charset="-127"/>
+              <a:ea typeface="나눔스퀘어" panose="020B0600000101010101" pitchFamily="50" charset="-127"/>
+            </a:endParaRPr>
+          </a:p>
+          <a:p>
+            <a:r>
+              <a:rPr lang="ko-KR" altLang="en-US" sz="1600" b="1" dirty="0">
+                <a:latin typeface="나눔스퀘어" panose="020B0600000101010101" pitchFamily="50" charset="-127"/>
+                <a:ea typeface="나눔스퀘어" panose="020B0600000101010101" pitchFamily="50" charset="-127"/>
+              </a:rPr>
+              <a:t>결과</a:t>
+            </a:r>
+            <a:endParaRPr lang="en-US" altLang="ko-KR" sz="1600" b="1" dirty="0">
+              <a:latin typeface="나눔스퀘어" panose="020B0600000101010101" pitchFamily="50" charset="-127"/>
+              <a:ea typeface="나눔스퀘어" panose="020B0600000101010101" pitchFamily="50" charset="-127"/>
+            </a:endParaRPr>
+          </a:p>
+          <a:p>
+            <a:endParaRPr lang="en-US" altLang="ko-KR" sz="1200" dirty="0">
+              <a:latin typeface="나눔스퀘어" panose="020B0600000101010101" pitchFamily="50" charset="-127"/>
+              <a:ea typeface="나눔스퀘어" panose="020B0600000101010101" pitchFamily="50" charset="-127"/>
+            </a:endParaRPr>
+          </a:p>
+          <a:p>
+            <a:r>
+              <a:rPr lang="en-US" altLang="ko-KR" sz="1200" dirty="0">
+                <a:latin typeface="나눔스퀘어" panose="020B0600000101010101" pitchFamily="50" charset="-127"/>
+                <a:ea typeface="나눔스퀘어" panose="020B0600000101010101" pitchFamily="50" charset="-127"/>
+              </a:rPr>
+              <a:t>1</a:t>
+            </a:r>
+            <a:r>
+              <a:rPr lang="ko-KR" altLang="en-US" sz="1200" dirty="0">
+                <a:latin typeface="나눔스퀘어" panose="020B0600000101010101" pitchFamily="50" charset="-127"/>
+                <a:ea typeface="나눔스퀘어" panose="020B0600000101010101" pitchFamily="50" charset="-127"/>
+              </a:rPr>
+              <a:t>의 경우 </a:t>
+            </a:r>
+            <a:r>
+              <a:rPr lang="en-US" altLang="ko-KR" sz="1200" dirty="0">
+                <a:latin typeface="나눔스퀘어" panose="020B0600000101010101" pitchFamily="50" charset="-127"/>
+                <a:ea typeface="나눔스퀘어" panose="020B0600000101010101" pitchFamily="50" charset="-127"/>
+              </a:rPr>
+              <a:t>Dropout</a:t>
+            </a:r>
+            <a:r>
+              <a:rPr lang="ko-KR" altLang="en-US" sz="1200" dirty="0">
+                <a:latin typeface="나눔스퀘어" panose="020B0600000101010101" pitchFamily="50" charset="-127"/>
+                <a:ea typeface="나눔스퀘어" panose="020B0600000101010101" pitchFamily="50" charset="-127"/>
+              </a:rPr>
+              <a:t>이 </a:t>
+            </a:r>
+            <a:r>
+              <a:rPr lang="en-US" altLang="ko-KR" sz="1200" dirty="0">
+                <a:latin typeface="나눔스퀘어" panose="020B0600000101010101" pitchFamily="50" charset="-127"/>
+                <a:ea typeface="나눔스퀘어" panose="020B0600000101010101" pitchFamily="50" charset="-127"/>
+              </a:rPr>
+              <a:t>0.9</a:t>
+            </a:r>
+            <a:r>
+              <a:rPr lang="ko-KR" altLang="en-US" sz="1200" dirty="0">
+                <a:latin typeface="나눔스퀘어" panose="020B0600000101010101" pitchFamily="50" charset="-127"/>
+                <a:ea typeface="나눔스퀘어" panose="020B0600000101010101" pitchFamily="50" charset="-127"/>
+              </a:rPr>
+              <a:t>처럼 높은 경우도 </a:t>
+            </a:r>
+            <a:r>
+              <a:rPr lang="ko-KR" altLang="en-US" sz="1200" dirty="0" err="1">
+                <a:latin typeface="나눔스퀘어" panose="020B0600000101010101" pitchFamily="50" charset="-127"/>
+                <a:ea typeface="나눔스퀘어" panose="020B0600000101010101" pitchFamily="50" charset="-127"/>
+              </a:rPr>
+              <a:t>과적합</a:t>
+            </a:r>
+            <a:r>
+              <a:rPr lang="ko-KR" altLang="en-US" sz="1200" dirty="0">
+                <a:latin typeface="나눔스퀘어" panose="020B0600000101010101" pitchFamily="50" charset="-127"/>
+                <a:ea typeface="나눔스퀘어" panose="020B0600000101010101" pitchFamily="50" charset="-127"/>
+              </a:rPr>
+              <a:t> 발생</a:t>
+            </a:r>
+            <a:endParaRPr lang="en-US" altLang="ko-KR" sz="1200" dirty="0">
+              <a:latin typeface="나눔스퀘어" panose="020B0600000101010101" pitchFamily="50" charset="-127"/>
+              <a:ea typeface="나눔스퀘어" panose="020B0600000101010101" pitchFamily="50" charset="-127"/>
+            </a:endParaRPr>
+          </a:p>
+          <a:p>
+            <a:r>
+              <a:rPr lang="en-US" altLang="ko-KR" sz="1200" dirty="0">
+                <a:latin typeface="나눔스퀘어" panose="020B0600000101010101" pitchFamily="50" charset="-127"/>
+                <a:ea typeface="나눔스퀘어" panose="020B0600000101010101" pitchFamily="50" charset="-127"/>
+              </a:rPr>
+              <a:t>2</a:t>
+            </a:r>
+            <a:r>
+              <a:rPr lang="ko-KR" altLang="en-US" sz="1200" dirty="0">
+                <a:latin typeface="나눔스퀘어" panose="020B0600000101010101" pitchFamily="50" charset="-127"/>
+                <a:ea typeface="나눔스퀘어" panose="020B0600000101010101" pitchFamily="50" charset="-127"/>
+              </a:rPr>
+              <a:t>의 경우가 </a:t>
+            </a:r>
+            <a:r>
+              <a:rPr lang="en-US" altLang="ko-KR" sz="1200" dirty="0">
+                <a:latin typeface="나눔스퀘어" panose="020B0600000101010101" pitchFamily="50" charset="-127"/>
+                <a:ea typeface="나눔스퀘어" panose="020B0600000101010101" pitchFamily="50" charset="-127"/>
+              </a:rPr>
+              <a:t>3</a:t>
+            </a:r>
+            <a:r>
+              <a:rPr lang="ko-KR" altLang="en-US" sz="1200" dirty="0">
+                <a:latin typeface="나눔스퀘어" panose="020B0600000101010101" pitchFamily="50" charset="-127"/>
+                <a:ea typeface="나눔스퀘어" panose="020B0600000101010101" pitchFamily="50" charset="-127"/>
+              </a:rPr>
+              <a:t>의 경우보다 약간 우세</a:t>
+            </a:r>
+            <a:endParaRPr lang="en-US" altLang="ko-KR" sz="1200" dirty="0">
+              <a:latin typeface="나눔스퀘어" panose="020B0600000101010101" pitchFamily="50" charset="-127"/>
+              <a:ea typeface="나눔스퀘어" panose="020B0600000101010101" pitchFamily="50" charset="-127"/>
+            </a:endParaRPr>
+          </a:p>
+          <a:p>
+            <a:r>
+              <a:rPr lang="en-US" altLang="ko-KR" sz="1200" dirty="0">
+                <a:latin typeface="나눔스퀘어" panose="020B0600000101010101" pitchFamily="50" charset="-127"/>
+                <a:ea typeface="나눔스퀘어" panose="020B0600000101010101" pitchFamily="50" charset="-127"/>
+              </a:rPr>
+              <a:t>pre-trained + last layer </a:t>
+            </a:r>
+            <a:r>
+              <a:rPr lang="ko-KR" altLang="en-US" sz="1200" dirty="0">
+                <a:latin typeface="나눔스퀘어" panose="020B0600000101010101" pitchFamily="50" charset="-127"/>
+                <a:ea typeface="나눔스퀘어" panose="020B0600000101010101" pitchFamily="50" charset="-127"/>
+              </a:rPr>
+              <a:t>학습 세팅을 택함 </a:t>
+            </a:r>
+            <a:r>
+              <a:rPr lang="en-US" altLang="ko-KR" sz="1200" dirty="0">
+                <a:latin typeface="나눔스퀘어" panose="020B0600000101010101" pitchFamily="50" charset="-127"/>
+                <a:ea typeface="나눔스퀘어" panose="020B0600000101010101" pitchFamily="50" charset="-127"/>
+              </a:rPr>
+              <a:t>(fine-tuning</a:t>
+            </a:r>
+            <a:r>
+              <a:rPr lang="ko-KR" altLang="en-US" sz="1200" dirty="0">
+                <a:latin typeface="나눔스퀘어" panose="020B0600000101010101" pitchFamily="50" charset="-127"/>
+                <a:ea typeface="나눔스퀘어" panose="020B0600000101010101" pitchFamily="50" charset="-127"/>
+              </a:rPr>
+              <a:t>이 더 어려움</a:t>
+            </a:r>
+            <a:r>
+              <a:rPr lang="en-US" altLang="ko-KR" sz="1200" dirty="0">
+                <a:latin typeface="나눔스퀘어" panose="020B0600000101010101" pitchFamily="50" charset="-127"/>
+                <a:ea typeface="나눔스퀘어" panose="020B0600000101010101" pitchFamily="50" charset="-127"/>
+              </a:rPr>
+              <a:t>)</a:t>
+            </a:r>
+            <a:endParaRPr lang="en-US" altLang="ko-KR" sz="1600" dirty="0">
+              <a:latin typeface="나눔스퀘어" panose="020B0600000101010101" pitchFamily="50" charset="-127"/>
+              <a:ea typeface="나눔스퀘어" panose="020B0600000101010101" pitchFamily="50" charset="-127"/>
+            </a:endParaRPr>
+          </a:p>
+        </p:txBody>
+      </p:sp>
+      <p:sp>
+        <p:nvSpPr>
+          <p:cNvPr id="8" name="TextBox 7">
+            <a:extLst>
+              <a:ext uri="{FF2B5EF4-FFF2-40B4-BE49-F238E27FC236}">
+                <a16:creationId xmlns:a16="http://schemas.microsoft.com/office/drawing/2014/main" id="{8F93A78B-4550-EEEF-F640-D519EE3D3471}"/>
+              </a:ext>
+            </a:extLst>
+          </p:cNvPr>
+          <p:cNvSpPr txBox="1"/>
+          <p:nvPr/>
+        </p:nvSpPr>
+        <p:spPr>
+          <a:xfrm>
+            <a:off x="5555097" y="4046566"/>
+            <a:ext cx="6636903" cy="2677656"/>
+          </a:xfrm>
+          <a:prstGeom prst="rect">
+            <a:avLst/>
+          </a:prstGeom>
+          <a:noFill/>
+        </p:spPr>
+        <p:txBody>
+          <a:bodyPr wrap="square" rtlCol="0">
+            <a:spAutoFit/>
+          </a:bodyPr>
+          <a:lstStyle/>
+          <a:p>
+            <a:r>
+              <a:rPr lang="en-US" altLang="ko-KR" sz="1600" b="1" dirty="0">
+                <a:latin typeface="나눔스퀘어" panose="020B0600000101010101" pitchFamily="50" charset="-127"/>
+                <a:ea typeface="나눔스퀘어" panose="020B0600000101010101" pitchFamily="50" charset="-127"/>
+              </a:rPr>
+              <a:t>(b) Temporal </a:t>
+            </a:r>
+            <a:r>
+              <a:rPr lang="en-US" altLang="ko-KR" sz="1600" b="1" dirty="0" err="1">
+                <a:latin typeface="나눔스퀘어" panose="020B0600000101010101" pitchFamily="50" charset="-127"/>
+                <a:ea typeface="나눔스퀘어" panose="020B0600000101010101" pitchFamily="50" charset="-127"/>
+              </a:rPr>
+              <a:t>ConvNet</a:t>
+            </a:r>
+            <a:r>
+              <a:rPr lang="ko-KR" altLang="en-US" sz="1600" b="1" dirty="0">
+                <a:latin typeface="나눔스퀘어" panose="020B0600000101010101" pitchFamily="50" charset="-127"/>
+                <a:ea typeface="나눔스퀘어" panose="020B0600000101010101" pitchFamily="50" charset="-127"/>
+              </a:rPr>
+              <a:t> </a:t>
+            </a:r>
+            <a:r>
+              <a:rPr lang="en-US" altLang="ko-KR" sz="1600" b="1" dirty="0">
+                <a:latin typeface="나눔스퀘어" panose="020B0600000101010101" pitchFamily="50" charset="-127"/>
+                <a:ea typeface="나눔스퀘어" panose="020B0600000101010101" pitchFamily="50" charset="-127"/>
+              </a:rPr>
+              <a:t>(</a:t>
+            </a:r>
+            <a:r>
+              <a:rPr lang="ko-KR" altLang="en-US" sz="1600" b="1" dirty="0">
+                <a:latin typeface="나눔스퀘어" panose="020B0600000101010101" pitchFamily="50" charset="-127"/>
+                <a:ea typeface="나눔스퀘어" panose="020B0600000101010101" pitchFamily="50" charset="-127"/>
+              </a:rPr>
+              <a:t>입력 값의 따른 차이 확인</a:t>
+            </a:r>
+            <a:r>
+              <a:rPr lang="en-US" altLang="ko-KR" sz="1600" b="1" dirty="0">
+                <a:latin typeface="나눔스퀘어" panose="020B0600000101010101" pitchFamily="50" charset="-127"/>
+                <a:ea typeface="나눔스퀘어" panose="020B0600000101010101" pitchFamily="50" charset="-127"/>
+              </a:rPr>
+              <a:t>)</a:t>
+            </a:r>
+          </a:p>
+          <a:p>
+            <a:r>
+              <a:rPr lang="en-US" altLang="ko-KR" sz="1200" dirty="0">
+                <a:latin typeface="나눔스퀘어" panose="020B0600000101010101" pitchFamily="50" charset="-127"/>
+                <a:ea typeface="나눔스퀘어" panose="020B0600000101010101" pitchFamily="50" charset="-127"/>
+              </a:rPr>
+              <a:t>1. </a:t>
+            </a:r>
+            <a:r>
+              <a:rPr lang="ko-KR" altLang="en-US" sz="1200" dirty="0">
+                <a:latin typeface="나눔스퀘어" panose="020B0600000101010101" pitchFamily="50" charset="-127"/>
+                <a:ea typeface="나눔스퀘어" panose="020B0600000101010101" pitchFamily="50" charset="-127"/>
+              </a:rPr>
+              <a:t>입력 값을 단일 프레임 광학 흐름을 줌</a:t>
+            </a:r>
+            <a:r>
+              <a:rPr lang="en-US" altLang="ko-KR" sz="1200" dirty="0">
+                <a:latin typeface="나눔스퀘어" panose="020B0600000101010101" pitchFamily="50" charset="-127"/>
+                <a:ea typeface="나눔스퀘어" panose="020B0600000101010101" pitchFamily="50" charset="-127"/>
+              </a:rPr>
+              <a:t>(L=1)</a:t>
+            </a:r>
+          </a:p>
+          <a:p>
+            <a:r>
+              <a:rPr lang="en-US" altLang="ko-KR" sz="1200" dirty="0">
+                <a:latin typeface="나눔스퀘어" panose="020B0600000101010101" pitchFamily="50" charset="-127"/>
+                <a:ea typeface="나눔스퀘어" panose="020B0600000101010101" pitchFamily="50" charset="-127"/>
+              </a:rPr>
+              <a:t>2. </a:t>
+            </a:r>
+            <a:r>
+              <a:rPr lang="ko-KR" altLang="en-US" sz="1200" dirty="0">
+                <a:latin typeface="나눔스퀘어" panose="020B0600000101010101" pitchFamily="50" charset="-127"/>
+                <a:ea typeface="나눔스퀘어" panose="020B0600000101010101" pitchFamily="50" charset="-127"/>
+              </a:rPr>
+              <a:t>입력 값을 광학 흐름을 쌓아서 줌</a:t>
+            </a:r>
+            <a:r>
+              <a:rPr lang="en-US" altLang="ko-KR" sz="1200" dirty="0">
+                <a:latin typeface="나눔스퀘어" panose="020B0600000101010101" pitchFamily="50" charset="-127"/>
+                <a:ea typeface="나눔스퀘어" panose="020B0600000101010101" pitchFamily="50" charset="-127"/>
+              </a:rPr>
+              <a:t>(L=5)</a:t>
+            </a:r>
+          </a:p>
+          <a:p>
+            <a:r>
+              <a:rPr lang="en-US" altLang="ko-KR" sz="1200" dirty="0">
+                <a:latin typeface="나눔스퀘어" panose="020B0600000101010101" pitchFamily="50" charset="-127"/>
+                <a:ea typeface="나눔스퀘어" panose="020B0600000101010101" pitchFamily="50" charset="-127"/>
+              </a:rPr>
+              <a:t>3. </a:t>
+            </a:r>
+            <a:r>
+              <a:rPr lang="ko-KR" altLang="en-US" sz="1200" dirty="0">
+                <a:latin typeface="나눔스퀘어" panose="020B0600000101010101" pitchFamily="50" charset="-127"/>
+                <a:ea typeface="나눔스퀘어" panose="020B0600000101010101" pitchFamily="50" charset="-127"/>
+              </a:rPr>
+              <a:t>입력 값을 광학 흐름을 쌓아서 줌</a:t>
+            </a:r>
+            <a:r>
+              <a:rPr lang="en-US" altLang="ko-KR" sz="1200" dirty="0">
+                <a:latin typeface="나눔스퀘어" panose="020B0600000101010101" pitchFamily="50" charset="-127"/>
+                <a:ea typeface="나눔스퀘어" panose="020B0600000101010101" pitchFamily="50" charset="-127"/>
+              </a:rPr>
+              <a:t>(L=10)</a:t>
+            </a:r>
+          </a:p>
+          <a:p>
+            <a:r>
+              <a:rPr lang="en-US" altLang="ko-KR" sz="1200" dirty="0">
+                <a:latin typeface="나눔스퀘어" panose="020B0600000101010101" pitchFamily="50" charset="-127"/>
+                <a:ea typeface="나눔스퀘어" panose="020B0600000101010101" pitchFamily="50" charset="-127"/>
+              </a:rPr>
+              <a:t>4. </a:t>
+            </a:r>
+            <a:r>
+              <a:rPr lang="ko-KR" altLang="en-US" sz="1200" dirty="0">
+                <a:latin typeface="나눔스퀘어" panose="020B0600000101010101" pitchFamily="50" charset="-127"/>
+                <a:ea typeface="나눔스퀘어" panose="020B0600000101010101" pitchFamily="50" charset="-127"/>
+              </a:rPr>
+              <a:t>입력 값을 </a:t>
+            </a:r>
+            <a:r>
+              <a:rPr lang="ko-KR" altLang="en-US" sz="1200" dirty="0" err="1">
+                <a:latin typeface="나눔스퀘어" panose="020B0600000101010101" pitchFamily="50" charset="-127"/>
+                <a:ea typeface="나눔스퀘어" panose="020B0600000101010101" pitchFamily="50" charset="-127"/>
+              </a:rPr>
+              <a:t>위치점의</a:t>
+            </a:r>
+            <a:r>
+              <a:rPr lang="ko-KR" altLang="en-US" sz="1200" dirty="0">
+                <a:latin typeface="나눔스퀘어" panose="020B0600000101010101" pitchFamily="50" charset="-127"/>
+                <a:ea typeface="나눔스퀘어" panose="020B0600000101010101" pitchFamily="50" charset="-127"/>
+              </a:rPr>
+              <a:t> 궤적을 쌓아서 줌</a:t>
+            </a:r>
+            <a:r>
+              <a:rPr lang="en-US" altLang="ko-KR" sz="1200" dirty="0">
+                <a:latin typeface="나눔스퀘어" panose="020B0600000101010101" pitchFamily="50" charset="-127"/>
+                <a:ea typeface="나눔스퀘어" panose="020B0600000101010101" pitchFamily="50" charset="-127"/>
+              </a:rPr>
+              <a:t>(L=10)</a:t>
+            </a:r>
+          </a:p>
+          <a:p>
+            <a:r>
+              <a:rPr lang="en-US" altLang="ko-KR" sz="1200" dirty="0">
+                <a:latin typeface="나눔스퀘어" panose="020B0600000101010101" pitchFamily="50" charset="-127"/>
+                <a:ea typeface="나눔스퀘어" panose="020B0600000101010101" pitchFamily="50" charset="-127"/>
+              </a:rPr>
+              <a:t>5. </a:t>
+            </a:r>
+            <a:r>
+              <a:rPr lang="ko-KR" altLang="en-US" sz="1200" dirty="0">
+                <a:latin typeface="나눔스퀘어" panose="020B0600000101010101" pitchFamily="50" charset="-127"/>
+                <a:ea typeface="나눔스퀘어" panose="020B0600000101010101" pitchFamily="50" charset="-127"/>
+              </a:rPr>
+              <a:t>입력 값을  광학 흐름을 쌓아서 줌</a:t>
+            </a:r>
+            <a:r>
+              <a:rPr lang="en-US" altLang="ko-KR" sz="1200" dirty="0">
+                <a:latin typeface="나눔스퀘어" panose="020B0600000101010101" pitchFamily="50" charset="-127"/>
+                <a:ea typeface="나눔스퀘어" panose="020B0600000101010101" pitchFamily="50" charset="-127"/>
+              </a:rPr>
+              <a:t>(L=10)</a:t>
+            </a:r>
+            <a:r>
+              <a:rPr lang="ko-KR" altLang="en-US" sz="1200" dirty="0">
+                <a:latin typeface="나눔스퀘어" panose="020B0600000101010101" pitchFamily="50" charset="-127"/>
+                <a:ea typeface="나눔스퀘어" panose="020B0600000101010101" pitchFamily="50" charset="-127"/>
+              </a:rPr>
+              <a:t> 또한 양방향 </a:t>
+            </a:r>
+            <a:r>
+              <a:rPr lang="ko-KR" altLang="en-US" sz="1200" dirty="0" err="1">
+                <a:latin typeface="나눔스퀘어" panose="020B0600000101010101" pitchFamily="50" charset="-127"/>
+                <a:ea typeface="나눔스퀘어" panose="020B0600000101010101" pitchFamily="50" charset="-127"/>
+              </a:rPr>
+              <a:t>광학흐름</a:t>
+            </a:r>
+            <a:endParaRPr lang="en-US" altLang="ko-KR" sz="1200" dirty="0">
+              <a:latin typeface="나눔스퀘어" panose="020B0600000101010101" pitchFamily="50" charset="-127"/>
+              <a:ea typeface="나눔스퀘어" panose="020B0600000101010101" pitchFamily="50" charset="-127"/>
+            </a:endParaRPr>
+          </a:p>
+          <a:p>
+            <a:endParaRPr lang="en-US" altLang="ko-KR" sz="1600" dirty="0">
+              <a:latin typeface="나눔스퀘어" panose="020B0600000101010101" pitchFamily="50" charset="-127"/>
+              <a:ea typeface="나눔스퀘어" panose="020B0600000101010101" pitchFamily="50" charset="-127"/>
+            </a:endParaRPr>
+          </a:p>
+          <a:p>
+            <a:r>
+              <a:rPr lang="ko-KR" altLang="en-US" sz="1600" b="1" dirty="0">
+                <a:latin typeface="나눔스퀘어" panose="020B0600000101010101" pitchFamily="50" charset="-127"/>
+                <a:ea typeface="나눔스퀘어" panose="020B0600000101010101" pitchFamily="50" charset="-127"/>
+              </a:rPr>
+              <a:t>결과</a:t>
+            </a:r>
+            <a:endParaRPr lang="en-US" altLang="ko-KR" sz="1600" b="1" dirty="0">
+              <a:latin typeface="나눔스퀘어" panose="020B0600000101010101" pitchFamily="50" charset="-127"/>
+              <a:ea typeface="나눔스퀘어" panose="020B0600000101010101" pitchFamily="50" charset="-127"/>
+            </a:endParaRPr>
+          </a:p>
+          <a:p>
+            <a:endParaRPr lang="en-US" altLang="ko-KR" sz="1200" dirty="0">
+              <a:latin typeface="나눔스퀘어" panose="020B0600000101010101" pitchFamily="50" charset="-127"/>
+              <a:ea typeface="나눔스퀘어" panose="020B0600000101010101" pitchFamily="50" charset="-127"/>
+            </a:endParaRPr>
+          </a:p>
+          <a:p>
+            <a:r>
+              <a:rPr lang="ko-KR" altLang="en-US" sz="1200" dirty="0">
+                <a:latin typeface="나눔스퀘어" panose="020B0600000101010101" pitchFamily="50" charset="-127"/>
+                <a:ea typeface="나눔스퀘어" panose="020B0600000101010101" pitchFamily="50" charset="-127"/>
+              </a:rPr>
+              <a:t>입력으로 </a:t>
+            </a:r>
+            <a:r>
+              <a:rPr lang="ko-KR" altLang="en-US" sz="1200" dirty="0" err="1">
+                <a:latin typeface="나눔스퀘어" panose="020B0600000101010101" pitchFamily="50" charset="-127"/>
+                <a:ea typeface="나눔스퀘어" panose="020B0600000101010101" pitchFamily="50" charset="-127"/>
+              </a:rPr>
+              <a:t>변위장을</a:t>
+            </a:r>
+            <a:r>
+              <a:rPr lang="ko-KR" altLang="en-US" sz="1200" dirty="0">
+                <a:latin typeface="나눔스퀘어" panose="020B0600000101010101" pitchFamily="50" charset="-127"/>
+                <a:ea typeface="나눔스퀘어" panose="020B0600000101010101" pitchFamily="50" charset="-127"/>
+              </a:rPr>
+              <a:t> 다중으로 쌓아서 주는 것이 더 효과적임</a:t>
+            </a:r>
+            <a:r>
+              <a:rPr lang="en-US" altLang="ko-KR" sz="1200" dirty="0">
+                <a:latin typeface="나눔스퀘어" panose="020B0600000101010101" pitchFamily="50" charset="-127"/>
+                <a:ea typeface="나눔스퀘어" panose="020B0600000101010101" pitchFamily="50" charset="-127"/>
+              </a:rPr>
+              <a:t>(</a:t>
+            </a:r>
+            <a:r>
+              <a:rPr lang="ko-KR" altLang="en-US" sz="1200" dirty="0">
+                <a:latin typeface="나눔스퀘어" panose="020B0600000101010101" pitchFamily="50" charset="-127"/>
+                <a:ea typeface="나눔스퀘어" panose="020B0600000101010101" pitchFamily="50" charset="-127"/>
+              </a:rPr>
+              <a:t>장기간의 동작에서 더 잘 구별됨</a:t>
+            </a:r>
+            <a:r>
+              <a:rPr lang="en-US" altLang="ko-KR" sz="1200" dirty="0">
+                <a:latin typeface="나눔스퀘어" panose="020B0600000101010101" pitchFamily="50" charset="-127"/>
+                <a:ea typeface="나눔스퀘어" panose="020B0600000101010101" pitchFamily="50" charset="-127"/>
+              </a:rPr>
+              <a:t>)</a:t>
+            </a:r>
+          </a:p>
+          <a:p>
+            <a:r>
+              <a:rPr lang="en-US" altLang="ko-KR" sz="1200" dirty="0">
+                <a:latin typeface="나눔스퀘어" panose="020B0600000101010101" pitchFamily="50" charset="-127"/>
+                <a:ea typeface="나눔스퀘어" panose="020B0600000101010101" pitchFamily="50" charset="-127"/>
+              </a:rPr>
+              <a:t>Mean subtraction</a:t>
+            </a:r>
+            <a:r>
+              <a:rPr lang="ko-KR" altLang="en-US" sz="1200" dirty="0">
+                <a:latin typeface="나눔스퀘어" panose="020B0600000101010101" pitchFamily="50" charset="-127"/>
+                <a:ea typeface="나눔스퀘어" panose="020B0600000101010101" pitchFamily="50" charset="-127"/>
+              </a:rPr>
+              <a:t>을 하는 것이 프레임간의 전역 모션 효과를 감소시켜 도움이 됨</a:t>
+            </a:r>
+            <a:endParaRPr lang="en-US" altLang="ko-KR" sz="1200" dirty="0">
+              <a:latin typeface="나눔스퀘어" panose="020B0600000101010101" pitchFamily="50" charset="-127"/>
+              <a:ea typeface="나눔스퀘어" panose="020B0600000101010101" pitchFamily="50" charset="-127"/>
+            </a:endParaRPr>
+          </a:p>
+          <a:p>
+            <a:r>
+              <a:rPr lang="en-US" altLang="ko-KR" sz="1200" dirty="0">
+                <a:latin typeface="나눔스퀘어" panose="020B0600000101010101" pitchFamily="50" charset="-127"/>
+                <a:ea typeface="나눔스퀘어" panose="020B0600000101010101" pitchFamily="50" charset="-127"/>
+              </a:rPr>
+              <a:t>Trajectory</a:t>
+            </a:r>
+            <a:r>
+              <a:rPr lang="ko-KR" altLang="en-US" sz="1200" dirty="0">
+                <a:latin typeface="나눔스퀘어" panose="020B0600000101010101" pitchFamily="50" charset="-127"/>
+                <a:ea typeface="나눔스퀘어" panose="020B0600000101010101" pitchFamily="50" charset="-127"/>
+              </a:rPr>
+              <a:t>와 </a:t>
+            </a:r>
+            <a:r>
+              <a:rPr lang="en-US" altLang="ko-KR" sz="1200" dirty="0">
+                <a:latin typeface="나눔스퀘어" panose="020B0600000101010101" pitchFamily="50" charset="-127"/>
+                <a:ea typeface="나눔스퀘어" panose="020B0600000101010101" pitchFamily="50" charset="-127"/>
+              </a:rPr>
+              <a:t>Optical flow </a:t>
+            </a:r>
+            <a:r>
+              <a:rPr lang="ko-KR" altLang="en-US" sz="1200" dirty="0">
+                <a:latin typeface="나눔스퀘어" panose="020B0600000101010101" pitchFamily="50" charset="-127"/>
+                <a:ea typeface="나눔스퀘어" panose="020B0600000101010101" pitchFamily="50" charset="-127"/>
+              </a:rPr>
+              <a:t>미세한 차이</a:t>
+            </a:r>
+            <a:r>
+              <a:rPr lang="en-US" altLang="ko-KR" sz="1200" dirty="0">
+                <a:latin typeface="나눔스퀘어" panose="020B0600000101010101" pitchFamily="50" charset="-127"/>
+                <a:ea typeface="나눔스퀘어" panose="020B0600000101010101" pitchFamily="50" charset="-127"/>
+              </a:rPr>
+              <a:t>, </a:t>
+            </a:r>
+            <a:r>
+              <a:rPr lang="ko-KR" altLang="en-US" sz="1200" dirty="0">
+                <a:latin typeface="나눔스퀘어" panose="020B0600000101010101" pitchFamily="50" charset="-127"/>
+                <a:ea typeface="나눔스퀘어" panose="020B0600000101010101" pitchFamily="50" charset="-127"/>
+              </a:rPr>
+              <a:t>양방향 </a:t>
+            </a:r>
+            <a:r>
+              <a:rPr lang="ko-KR" altLang="en-US" sz="1200" dirty="0" err="1">
+                <a:latin typeface="나눔스퀘어" panose="020B0600000101010101" pitchFamily="50" charset="-127"/>
+                <a:ea typeface="나눔스퀘어" panose="020B0600000101010101" pitchFamily="50" charset="-127"/>
+              </a:rPr>
+              <a:t>광학흐름</a:t>
+            </a:r>
+            <a:r>
+              <a:rPr lang="ko-KR" altLang="en-US" sz="1200" dirty="0">
+                <a:latin typeface="나눔스퀘어" panose="020B0600000101010101" pitchFamily="50" charset="-127"/>
+                <a:ea typeface="나눔스퀘어" panose="020B0600000101010101" pitchFamily="50" charset="-127"/>
+              </a:rPr>
+              <a:t> 또한 </a:t>
+            </a:r>
+            <a:r>
+              <a:rPr lang="ko-KR" altLang="en-US" sz="1200" dirty="0" err="1">
+                <a:latin typeface="나눔스퀘어" panose="020B0600000101010101" pitchFamily="50" charset="-127"/>
+                <a:ea typeface="나눔스퀘어" panose="020B0600000101010101" pitchFamily="50" charset="-127"/>
+              </a:rPr>
+              <a:t>단방향과</a:t>
+            </a:r>
+            <a:r>
+              <a:rPr lang="ko-KR" altLang="en-US" sz="1200" dirty="0">
+                <a:latin typeface="나눔스퀘어" panose="020B0600000101010101" pitchFamily="50" charset="-127"/>
+                <a:ea typeface="나눔스퀘어" panose="020B0600000101010101" pitchFamily="50" charset="-127"/>
+              </a:rPr>
+              <a:t> 미세한 차이</a:t>
+            </a:r>
+            <a:endParaRPr lang="en-US" altLang="ko-KR" sz="1200" dirty="0">
+              <a:latin typeface="나눔스퀘어" panose="020B0600000101010101" pitchFamily="50" charset="-127"/>
+              <a:ea typeface="나눔스퀘어" panose="020B0600000101010101" pitchFamily="50" charset="-127"/>
+            </a:endParaRPr>
+          </a:p>
+          <a:p>
+            <a:r>
+              <a:rPr lang="en-US" altLang="ko-KR" sz="1200" dirty="0" err="1">
+                <a:latin typeface="나눔스퀘어" panose="020B0600000101010101" pitchFamily="50" charset="-127"/>
+                <a:ea typeface="나눔스퀘어" panose="020B0600000101010101" pitchFamily="50" charset="-127"/>
+              </a:rPr>
+              <a:t>Tempolar</a:t>
+            </a:r>
+            <a:r>
+              <a:rPr lang="en-US" altLang="ko-KR" sz="1200" dirty="0">
+                <a:latin typeface="나눔스퀘어" panose="020B0600000101010101" pitchFamily="50" charset="-127"/>
+                <a:ea typeface="나눔스퀘어" panose="020B0600000101010101" pitchFamily="50" charset="-127"/>
+              </a:rPr>
+              <a:t> </a:t>
+            </a:r>
+            <a:r>
+              <a:rPr lang="en-US" altLang="ko-KR" sz="1200" dirty="0" err="1">
+                <a:latin typeface="나눔스퀘어" panose="020B0600000101010101" pitchFamily="50" charset="-127"/>
+                <a:ea typeface="나눔스퀘어" panose="020B0600000101010101" pitchFamily="50" charset="-127"/>
+              </a:rPr>
+              <a:t>ConvNet</a:t>
+            </a:r>
+            <a:r>
+              <a:rPr lang="ko-KR" altLang="en-US" sz="1200" dirty="0">
+                <a:latin typeface="나눔스퀘어" panose="020B0600000101010101" pitchFamily="50" charset="-127"/>
+                <a:ea typeface="나눔스퀘어" panose="020B0600000101010101" pitchFamily="50" charset="-127"/>
+              </a:rPr>
+              <a:t>이 </a:t>
+            </a:r>
+            <a:r>
+              <a:rPr lang="en-US" altLang="ko-KR" sz="1200" dirty="0">
+                <a:latin typeface="나눔스퀘어" panose="020B0600000101010101" pitchFamily="50" charset="-127"/>
+                <a:ea typeface="나눔스퀘어" panose="020B0600000101010101" pitchFamily="50" charset="-127"/>
+              </a:rPr>
+              <a:t>Spatial </a:t>
+            </a:r>
+            <a:r>
+              <a:rPr lang="en-US" altLang="ko-KR" sz="1200" dirty="0" err="1">
+                <a:latin typeface="나눔스퀘어" panose="020B0600000101010101" pitchFamily="50" charset="-127"/>
+                <a:ea typeface="나눔스퀘어" panose="020B0600000101010101" pitchFamily="50" charset="-127"/>
+              </a:rPr>
+              <a:t>ConvNet</a:t>
+            </a:r>
+            <a:r>
+              <a:rPr lang="ko-KR" altLang="en-US" sz="1200" dirty="0">
+                <a:latin typeface="나눔스퀘어" panose="020B0600000101010101" pitchFamily="50" charset="-127"/>
+                <a:ea typeface="나눔스퀘어" panose="020B0600000101010101" pitchFamily="50" charset="-127"/>
+              </a:rPr>
+              <a:t>을 훨씬 능가 → 시간적 정보의 중요성을 확인함</a:t>
+            </a:r>
+            <a:endParaRPr lang="en-US" altLang="ko-KR" sz="1200" dirty="0">
+              <a:latin typeface="나눔스퀘어" panose="020B0600000101010101" pitchFamily="50" charset="-127"/>
+              <a:ea typeface="나눔스퀘어" panose="020B0600000101010101" pitchFamily="50" charset="-127"/>
+            </a:endParaRPr>
+          </a:p>
+        </p:txBody>
+      </p:sp>
     </p:spTree>
     <p:extLst>
       <p:ext uri="{BB962C8B-B14F-4D97-AF65-F5344CB8AC3E}">
-        <p14:creationId xmlns:p14="http://schemas.microsoft.com/office/powerpoint/2010/main" val="1970326748"/>
+        <p14:creationId xmlns:p14="http://schemas.microsoft.com/office/powerpoint/2010/main" val="1346362301"/>
       </p:ext>
     </p:extLst>
   </p:cSld>
@@ -17727,10 +17110,337 @@
       </p:sp>
       <p:sp>
         <p:nvSpPr>
-          <p:cNvPr id="14" name="TextBox 13">
+          <p:cNvPr id="12" name="TextBox 11">
             <a:extLst>
               <a:ext uri="{FF2B5EF4-FFF2-40B4-BE49-F238E27FC236}">
-                <a16:creationId xmlns:a16="http://schemas.microsoft.com/office/drawing/2014/main" id="{9BE7153A-FAA1-A1F6-7D1D-A1C7EC2934C8}"/>
+                <a16:creationId xmlns:a16="http://schemas.microsoft.com/office/drawing/2014/main" id="{268891F9-BD85-85CF-2605-8DA26C6843E7}"/>
+              </a:ext>
+            </a:extLst>
+          </p:cNvPr>
+          <p:cNvSpPr txBox="1"/>
+          <p:nvPr/>
+        </p:nvSpPr>
+        <p:spPr>
+          <a:xfrm>
+            <a:off x="272929" y="3545606"/>
+            <a:ext cx="9206629" cy="1938992"/>
+          </a:xfrm>
+          <a:prstGeom prst="rect">
+            <a:avLst/>
+          </a:prstGeom>
+          <a:noFill/>
+        </p:spPr>
+        <p:txBody>
+          <a:bodyPr wrap="square" rtlCol="0">
+            <a:spAutoFit/>
+          </a:bodyPr>
+          <a:lstStyle/>
+          <a:p>
+            <a:r>
+              <a:rPr lang="en-US" altLang="ko-KR" sz="1600" b="1" dirty="0">
+                <a:latin typeface="나눔스퀘어" panose="020B0600000101010101" pitchFamily="50" charset="-127"/>
+                <a:ea typeface="나눔스퀘어" panose="020B0600000101010101" pitchFamily="50" charset="-127"/>
+              </a:rPr>
+              <a:t>Temporal </a:t>
+            </a:r>
+            <a:r>
+              <a:rPr lang="en-US" altLang="ko-KR" sz="1600" b="1" dirty="0" err="1">
+                <a:latin typeface="나눔스퀘어" panose="020B0600000101010101" pitchFamily="50" charset="-127"/>
+                <a:ea typeface="나눔스퀘어" panose="020B0600000101010101" pitchFamily="50" charset="-127"/>
+              </a:rPr>
+              <a:t>ConvNet</a:t>
+            </a:r>
+            <a:r>
+              <a:rPr lang="ko-KR" altLang="en-US" sz="1600" b="1" dirty="0">
+                <a:latin typeface="나눔스퀘어" panose="020B0600000101010101" pitchFamily="50" charset="-127"/>
+                <a:ea typeface="나눔스퀘어" panose="020B0600000101010101" pitchFamily="50" charset="-127"/>
+              </a:rPr>
+              <a:t> </a:t>
+            </a:r>
+            <a:r>
+              <a:rPr lang="en-US" altLang="ko-KR" sz="1600" b="1" dirty="0">
+                <a:latin typeface="나눔스퀘어" panose="020B0600000101010101" pitchFamily="50" charset="-127"/>
+                <a:ea typeface="나눔스퀘어" panose="020B0600000101010101" pitchFamily="50" charset="-127"/>
+              </a:rPr>
+              <a:t>(</a:t>
+            </a:r>
+            <a:r>
+              <a:rPr lang="ko-KR" altLang="en-US" sz="1600" b="1" dirty="0">
+                <a:latin typeface="나눔스퀘어" panose="020B0600000101010101" pitchFamily="50" charset="-127"/>
+                <a:ea typeface="나눔스퀘어" panose="020B0600000101010101" pitchFamily="50" charset="-127"/>
+              </a:rPr>
+              <a:t>학습 방식에 따른 차이 확인</a:t>
+            </a:r>
+            <a:r>
+              <a:rPr lang="en-US" altLang="ko-KR" sz="1600" b="1" dirty="0">
+                <a:latin typeface="나눔스퀘어" panose="020B0600000101010101" pitchFamily="50" charset="-127"/>
+                <a:ea typeface="나눔스퀘어" panose="020B0600000101010101" pitchFamily="50" charset="-127"/>
+              </a:rPr>
+              <a:t>)</a:t>
+            </a:r>
+          </a:p>
+          <a:p>
+            <a:r>
+              <a:rPr lang="en-US" altLang="ko-KR" sz="1200" dirty="0">
+                <a:latin typeface="나눔스퀘어" panose="020B0600000101010101" pitchFamily="50" charset="-127"/>
+                <a:ea typeface="나눔스퀘어" panose="020B0600000101010101" pitchFamily="50" charset="-127"/>
+              </a:rPr>
+              <a:t>1. HMDB-51 </a:t>
+            </a:r>
+            <a:r>
+              <a:rPr lang="ko-KR" altLang="en-US" sz="1200" dirty="0">
+                <a:latin typeface="나눔스퀘어" panose="020B0600000101010101" pitchFamily="50" charset="-127"/>
+                <a:ea typeface="나눔스퀘어" panose="020B0600000101010101" pitchFamily="50" charset="-127"/>
+              </a:rPr>
+              <a:t>학습</a:t>
+            </a:r>
+            <a:endParaRPr lang="en-US" altLang="ko-KR" sz="1200" dirty="0">
+              <a:latin typeface="나눔스퀘어" panose="020B0600000101010101" pitchFamily="50" charset="-127"/>
+              <a:ea typeface="나눔스퀘어" panose="020B0600000101010101" pitchFamily="50" charset="-127"/>
+            </a:endParaRPr>
+          </a:p>
+          <a:p>
+            <a:r>
+              <a:rPr lang="en-US" altLang="ko-KR" sz="1200" dirty="0">
+                <a:latin typeface="나눔스퀘어" panose="020B0600000101010101" pitchFamily="50" charset="-127"/>
+                <a:ea typeface="나눔스퀘어" panose="020B0600000101010101" pitchFamily="50" charset="-127"/>
+              </a:rPr>
+              <a:t>2. UCF-101</a:t>
+            </a:r>
+            <a:r>
+              <a:rPr lang="ko-KR" altLang="en-US" sz="1200" dirty="0">
+                <a:latin typeface="나눔스퀘어" panose="020B0600000101010101" pitchFamily="50" charset="-127"/>
+                <a:ea typeface="나눔스퀘어" panose="020B0600000101010101" pitchFamily="50" charset="-127"/>
+              </a:rPr>
+              <a:t>으로 </a:t>
+            </a:r>
+            <a:r>
+              <a:rPr lang="ko-KR" altLang="en-US" sz="1200" dirty="0" err="1">
+                <a:latin typeface="나눔스퀘어" panose="020B0600000101010101" pitchFamily="50" charset="-127"/>
+                <a:ea typeface="나눔스퀘어" panose="020B0600000101010101" pitchFamily="50" charset="-127"/>
+              </a:rPr>
+              <a:t>사전학습된</a:t>
+            </a:r>
+            <a:r>
+              <a:rPr lang="ko-KR" altLang="en-US" sz="1200" dirty="0">
+                <a:latin typeface="나눔스퀘어" panose="020B0600000101010101" pitchFamily="50" charset="-127"/>
+                <a:ea typeface="나눔스퀘어" panose="020B0600000101010101" pitchFamily="50" charset="-127"/>
+              </a:rPr>
+              <a:t> </a:t>
+            </a:r>
+            <a:r>
+              <a:rPr lang="en-US" altLang="ko-KR" sz="1200" dirty="0" err="1">
+                <a:latin typeface="나눔스퀘어" panose="020B0600000101010101" pitchFamily="50" charset="-127"/>
+                <a:ea typeface="나눔스퀘어" panose="020B0600000101010101" pitchFamily="50" charset="-127"/>
+              </a:rPr>
+              <a:t>ConvNet</a:t>
+            </a:r>
+            <a:r>
+              <a:rPr lang="ko-KR" altLang="en-US" sz="1200" dirty="0">
+                <a:latin typeface="나눔스퀘어" panose="020B0600000101010101" pitchFamily="50" charset="-127"/>
+                <a:ea typeface="나눔스퀘어" panose="020B0600000101010101" pitchFamily="50" charset="-127"/>
+              </a:rPr>
+              <a:t>을 </a:t>
+            </a:r>
+            <a:r>
+              <a:rPr lang="en-US" altLang="ko-KR" sz="1200" dirty="0">
+                <a:latin typeface="나눔스퀘어" panose="020B0600000101010101" pitchFamily="50" charset="-127"/>
+                <a:ea typeface="나눔스퀘어" panose="020B0600000101010101" pitchFamily="50" charset="-127"/>
+              </a:rPr>
+              <a:t>Fine-tuning</a:t>
+            </a:r>
+            <a:br>
+              <a:rPr lang="en-US" altLang="ko-KR" sz="1200" dirty="0">
+                <a:latin typeface="나눔스퀘어" panose="020B0600000101010101" pitchFamily="50" charset="-127"/>
+                <a:ea typeface="나눔스퀘어" panose="020B0600000101010101" pitchFamily="50" charset="-127"/>
+              </a:rPr>
+            </a:br>
+            <a:r>
+              <a:rPr lang="en-US" altLang="ko-KR" sz="1200" dirty="0">
+                <a:latin typeface="나눔스퀘어" panose="020B0600000101010101" pitchFamily="50" charset="-127"/>
+                <a:ea typeface="나눔스퀘어" panose="020B0600000101010101" pitchFamily="50" charset="-127"/>
+              </a:rPr>
+              <a:t>3. UCF-101</a:t>
+            </a:r>
+            <a:r>
+              <a:rPr lang="ko-KR" altLang="en-US" sz="1200" dirty="0">
+                <a:latin typeface="나눔스퀘어" panose="020B0600000101010101" pitchFamily="50" charset="-127"/>
+                <a:ea typeface="나눔스퀘어" panose="020B0600000101010101" pitchFamily="50" charset="-127"/>
+              </a:rPr>
+              <a:t>로부터 </a:t>
+            </a:r>
+            <a:r>
+              <a:rPr lang="en-US" altLang="ko-KR" sz="1200" dirty="0">
+                <a:latin typeface="나눔스퀘어" panose="020B0600000101010101" pitchFamily="50" charset="-127"/>
+                <a:ea typeface="나눔스퀘어" panose="020B0600000101010101" pitchFamily="50" charset="-127"/>
+              </a:rPr>
+              <a:t>78</a:t>
+            </a:r>
+            <a:r>
+              <a:rPr lang="ko-KR" altLang="en-US" sz="1200" dirty="0">
+                <a:latin typeface="나눔스퀘어" panose="020B0600000101010101" pitchFamily="50" charset="-127"/>
+                <a:ea typeface="나눔스퀘어" panose="020B0600000101010101" pitchFamily="50" charset="-127"/>
+              </a:rPr>
+              <a:t>개의 클래스를 추가하여 </a:t>
+            </a:r>
+            <a:r>
+              <a:rPr lang="en-US" altLang="ko-KR" sz="1200" dirty="0">
+                <a:latin typeface="나눔스퀘어" panose="020B0600000101010101" pitchFamily="50" charset="-127"/>
+                <a:ea typeface="나눔스퀘어" panose="020B0600000101010101" pitchFamily="50" charset="-127"/>
+              </a:rPr>
+              <a:t>HMDB-51</a:t>
+            </a:r>
+            <a:r>
+              <a:rPr lang="ko-KR" altLang="en-US" sz="1200" dirty="0">
+                <a:latin typeface="나눔스퀘어" panose="020B0600000101010101" pitchFamily="50" charset="-127"/>
+                <a:ea typeface="나눔스퀘어" panose="020B0600000101010101" pitchFamily="50" charset="-127"/>
+              </a:rPr>
+              <a:t> 학습</a:t>
+            </a:r>
+            <a:r>
+              <a:rPr lang="en-US" altLang="ko-KR" sz="1200" dirty="0">
+                <a:latin typeface="나눔스퀘어" panose="020B0600000101010101" pitchFamily="50" charset="-127"/>
+                <a:ea typeface="나눔스퀘어" panose="020B0600000101010101" pitchFamily="50" charset="-127"/>
+              </a:rPr>
+              <a:t>(</a:t>
+            </a:r>
+            <a:r>
+              <a:rPr lang="ko-KR" altLang="en-US" sz="1200" dirty="0">
+                <a:latin typeface="나눔스퀘어" panose="020B0600000101010101" pitchFamily="50" charset="-127"/>
+                <a:ea typeface="나눔스퀘어" panose="020B0600000101010101" pitchFamily="50" charset="-127"/>
+              </a:rPr>
+              <a:t>서로 교차점이 없도록 선택</a:t>
+            </a:r>
+            <a:r>
+              <a:rPr lang="en-US" altLang="ko-KR" sz="1200" dirty="0">
+                <a:latin typeface="나눔스퀘어" panose="020B0600000101010101" pitchFamily="50" charset="-127"/>
+                <a:ea typeface="나눔스퀘어" panose="020B0600000101010101" pitchFamily="50" charset="-127"/>
+              </a:rPr>
+              <a:t>)</a:t>
+            </a:r>
+          </a:p>
+          <a:p>
+            <a:r>
+              <a:rPr lang="en-US" altLang="ko-KR" sz="1200" dirty="0">
+                <a:latin typeface="나눔스퀘어" panose="020B0600000101010101" pitchFamily="50" charset="-127"/>
+                <a:ea typeface="나눔스퀘어" panose="020B0600000101010101" pitchFamily="50" charset="-127"/>
+              </a:rPr>
+              <a:t>4. HMDB-51</a:t>
+            </a:r>
+            <a:r>
+              <a:rPr lang="ko-KR" altLang="en-US" sz="1200" dirty="0">
+                <a:latin typeface="나눔스퀘어" panose="020B0600000101010101" pitchFamily="50" charset="-127"/>
+                <a:ea typeface="나눔스퀘어" panose="020B0600000101010101" pitchFamily="50" charset="-127"/>
+              </a:rPr>
+              <a:t>과 </a:t>
+            </a:r>
+            <a:r>
+              <a:rPr lang="en-US" altLang="ko-KR" sz="1200" dirty="0">
+                <a:latin typeface="나눔스퀘어" panose="020B0600000101010101" pitchFamily="50" charset="-127"/>
+                <a:ea typeface="나눔스퀘어" panose="020B0600000101010101" pitchFamily="50" charset="-127"/>
+              </a:rPr>
+              <a:t>UCF-101 Multi-task </a:t>
+            </a:r>
+            <a:r>
+              <a:rPr lang="ko-KR" altLang="en-US" sz="1200" dirty="0">
+                <a:latin typeface="나눔스퀘어" panose="020B0600000101010101" pitchFamily="50" charset="-127"/>
+                <a:ea typeface="나눔스퀘어" panose="020B0600000101010101" pitchFamily="50" charset="-127"/>
+              </a:rPr>
+              <a:t>학습</a:t>
+            </a:r>
+            <a:endParaRPr lang="en-US" altLang="ko-KR" sz="1200" dirty="0">
+              <a:latin typeface="나눔스퀘어" panose="020B0600000101010101" pitchFamily="50" charset="-127"/>
+              <a:ea typeface="나눔스퀘어" panose="020B0600000101010101" pitchFamily="50" charset="-127"/>
+            </a:endParaRPr>
+          </a:p>
+          <a:p>
+            <a:endParaRPr lang="en-US" altLang="ko-KR" sz="1600" dirty="0">
+              <a:latin typeface="나눔스퀘어" panose="020B0600000101010101" pitchFamily="50" charset="-127"/>
+              <a:ea typeface="나눔스퀘어" panose="020B0600000101010101" pitchFamily="50" charset="-127"/>
+            </a:endParaRPr>
+          </a:p>
+          <a:p>
+            <a:r>
+              <a:rPr lang="ko-KR" altLang="en-US" sz="1600" b="1" dirty="0">
+                <a:latin typeface="나눔스퀘어" panose="020B0600000101010101" pitchFamily="50" charset="-127"/>
+                <a:ea typeface="나눔스퀘어" panose="020B0600000101010101" pitchFamily="50" charset="-127"/>
+              </a:rPr>
+              <a:t>결과</a:t>
+            </a:r>
+            <a:endParaRPr lang="en-US" altLang="ko-KR" sz="1600" b="1" dirty="0">
+              <a:latin typeface="나눔스퀘어" panose="020B0600000101010101" pitchFamily="50" charset="-127"/>
+              <a:ea typeface="나눔스퀘어" panose="020B0600000101010101" pitchFamily="50" charset="-127"/>
+            </a:endParaRPr>
+          </a:p>
+          <a:p>
+            <a:endParaRPr lang="en-US" altLang="ko-KR" sz="1200" dirty="0">
+              <a:latin typeface="나눔스퀘어" panose="020B0600000101010101" pitchFamily="50" charset="-127"/>
+              <a:ea typeface="나눔스퀘어" panose="020B0600000101010101" pitchFamily="50" charset="-127"/>
+            </a:endParaRPr>
+          </a:p>
+          <a:p>
+            <a:r>
+              <a:rPr lang="ko-KR" altLang="en-US" sz="1200" dirty="0">
+                <a:latin typeface="나눔스퀘어" panose="020B0600000101010101" pitchFamily="50" charset="-127"/>
+                <a:ea typeface="나눔스퀘어" panose="020B0600000101010101" pitchFamily="50" charset="-127"/>
+              </a:rPr>
+              <a:t>→ </a:t>
+            </a:r>
+            <a:r>
+              <a:rPr lang="en-US" altLang="ko-KR" sz="1200" dirty="0">
+                <a:latin typeface="나눔스퀘어" panose="020B0600000101010101" pitchFamily="50" charset="-127"/>
+                <a:ea typeface="나눔스퀘어" panose="020B0600000101010101" pitchFamily="50" charset="-127"/>
+              </a:rPr>
+              <a:t>Multi-task </a:t>
+            </a:r>
+            <a:r>
+              <a:rPr lang="ko-KR" altLang="en-US" sz="1200" dirty="0">
+                <a:latin typeface="나눔스퀘어" panose="020B0600000101010101" pitchFamily="50" charset="-127"/>
+                <a:ea typeface="나눔스퀘어" panose="020B0600000101010101" pitchFamily="50" charset="-127"/>
+              </a:rPr>
+              <a:t>학습이 최고의 성능을 냄</a:t>
+            </a:r>
+            <a:r>
+              <a:rPr lang="en-US" altLang="ko-KR" sz="1200" dirty="0">
+                <a:latin typeface="나눔스퀘어" panose="020B0600000101010101" pitchFamily="50" charset="-127"/>
+                <a:ea typeface="나눔스퀘어" panose="020B0600000101010101" pitchFamily="50" charset="-127"/>
+              </a:rPr>
+              <a:t> : </a:t>
+            </a:r>
+            <a:r>
+              <a:rPr lang="ko-KR" altLang="en-US" sz="1200" dirty="0">
+                <a:latin typeface="나눔스퀘어" panose="020B0600000101010101" pitchFamily="50" charset="-127"/>
+                <a:ea typeface="나눔스퀘어" panose="020B0600000101010101" pitchFamily="50" charset="-127"/>
+              </a:rPr>
+              <a:t>학습 절차에서 </a:t>
+            </a:r>
+            <a:r>
+              <a:rPr lang="ko-KR" altLang="en-US" sz="1200" dirty="0" err="1">
+                <a:latin typeface="나눔스퀘어" panose="020B0600000101010101" pitchFamily="50" charset="-127"/>
+                <a:ea typeface="나눔스퀘어" panose="020B0600000101010101" pitchFamily="50" charset="-127"/>
+              </a:rPr>
+              <a:t>사용가능한</a:t>
+            </a:r>
+            <a:r>
+              <a:rPr lang="ko-KR" altLang="en-US" sz="1200" dirty="0">
+                <a:latin typeface="나눔스퀘어" panose="020B0600000101010101" pitchFamily="50" charset="-127"/>
+                <a:ea typeface="나눔스퀘어" panose="020B0600000101010101" pitchFamily="50" charset="-127"/>
+              </a:rPr>
+              <a:t> 모든 학습 데이터를 활용할 수 있기 때문</a:t>
+            </a:r>
+            <a:endParaRPr lang="en-US" altLang="ko-KR" sz="1200" dirty="0">
+              <a:latin typeface="나눔스퀘어" panose="020B0600000101010101" pitchFamily="50" charset="-127"/>
+              <a:ea typeface="나눔스퀘어" panose="020B0600000101010101" pitchFamily="50" charset="-127"/>
+            </a:endParaRPr>
+          </a:p>
+        </p:txBody>
+      </p:sp>
+      <p:sp>
+        <p:nvSpPr>
+          <p:cNvPr id="8" name="TextBox 7">
+            <a:extLst>
+              <a:ext uri="{FF2B5EF4-FFF2-40B4-BE49-F238E27FC236}">
+                <a16:creationId xmlns:a16="http://schemas.microsoft.com/office/drawing/2014/main" id="{903F413C-68F3-3176-6DBD-14B2634483AD}"/>
               </a:ext>
             </a:extLst>
           </p:cNvPr>
@@ -17754,49 +17464,56 @@
           <a:lstStyle/>
           <a:p>
             <a:r>
+              <a:rPr lang="en-US" altLang="ko-KR" sz="2000" b="1">
+                <a:latin typeface="나눔스퀘어" panose="020B0600000101010101" pitchFamily="50" charset="-127"/>
+                <a:ea typeface="나눔스퀘어" panose="020B0600000101010101" pitchFamily="50" charset="-127"/>
+              </a:rPr>
+              <a:t>3. </a:t>
+            </a:r>
+            <a:r>
+              <a:rPr lang="ko-KR" altLang="en-US" sz="2000" b="1">
+                <a:latin typeface="나눔스퀘어" panose="020B0600000101010101" pitchFamily="50" charset="-127"/>
+                <a:ea typeface="나눔스퀘어" panose="020B0600000101010101" pitchFamily="50" charset="-127"/>
+              </a:rPr>
+              <a:t>실험 결과 </a:t>
+            </a:r>
+            <a:r>
+              <a:rPr lang="en-US" altLang="ko-KR" sz="2000" b="1">
+                <a:latin typeface="나눔스퀘어" panose="020B0600000101010101" pitchFamily="50" charset="-127"/>
+                <a:ea typeface="나눔스퀘어" panose="020B0600000101010101" pitchFamily="50" charset="-127"/>
+              </a:rPr>
+              <a:t>: Table2</a:t>
+            </a:r>
+            <a:r>
               <a:rPr lang="en-US" altLang="ko-KR" sz="2000" b="1" dirty="0">
                 <a:latin typeface="나눔스퀘어" panose="020B0600000101010101" pitchFamily="50" charset="-127"/>
                 <a:ea typeface="나눔스퀘어" panose="020B0600000101010101" pitchFamily="50" charset="-127"/>
               </a:rPr>
-              <a:t>3. </a:t>
-            </a:r>
-            <a:r>
-              <a:rPr lang="ko-KR" altLang="en-US" sz="2000" b="1" dirty="0">
-                <a:latin typeface="나눔스퀘어" panose="020B0600000101010101" pitchFamily="50" charset="-127"/>
-                <a:ea typeface="나눔스퀘어" panose="020B0600000101010101" pitchFamily="50" charset="-127"/>
-              </a:rPr>
-              <a:t>실험 결과 </a:t>
+              <a:t>. Temporal </a:t>
+            </a:r>
+            <a:r>
+              <a:rPr lang="en-US" altLang="ko-KR" sz="2000" b="1" dirty="0" err="1">
+                <a:latin typeface="나눔스퀘어" panose="020B0600000101010101" pitchFamily="50" charset="-127"/>
+                <a:ea typeface="나눔스퀘어" panose="020B0600000101010101" pitchFamily="50" charset="-127"/>
+              </a:rPr>
+              <a:t>ConvNet</a:t>
             </a:r>
             <a:r>
               <a:rPr lang="en-US" altLang="ko-KR" sz="2000" b="1" dirty="0">
                 <a:latin typeface="나눔스퀘어" panose="020B0600000101010101" pitchFamily="50" charset="-127"/>
                 <a:ea typeface="나눔스퀘어" panose="020B0600000101010101" pitchFamily="50" charset="-127"/>
               </a:rPr>
-              <a:t>: Table1. Individual </a:t>
-            </a:r>
-            <a:r>
-              <a:rPr lang="en-US" altLang="ko-KR" sz="2000" b="1" dirty="0" err="1">
-                <a:latin typeface="나눔스퀘어" panose="020B0600000101010101" pitchFamily="50" charset="-127"/>
-                <a:ea typeface="나눔스퀘어" panose="020B0600000101010101" pitchFamily="50" charset="-127"/>
-              </a:rPr>
-              <a:t>ConvNets</a:t>
-            </a:r>
-            <a:r>
-              <a:rPr lang="en-US" altLang="ko-KR" sz="2000" b="1" dirty="0">
-                <a:latin typeface="나눔스퀘어" panose="020B0600000101010101" pitchFamily="50" charset="-127"/>
-                <a:ea typeface="나눔스퀘어" panose="020B0600000101010101" pitchFamily="50" charset="-127"/>
-              </a:rPr>
-              <a:t> accuracy on UCF-101</a:t>
+              <a:t> accuracy on HMDB-51</a:t>
             </a:r>
           </a:p>
         </p:txBody>
       </p:sp>
       <p:pic>
         <p:nvPicPr>
-          <p:cNvPr id="3" name="그림 2">
+          <p:cNvPr id="4" name="그림 3">
             <a:extLst>
               <a:ext uri="{FF2B5EF4-FFF2-40B4-BE49-F238E27FC236}">
-                <a16:creationId xmlns:a16="http://schemas.microsoft.com/office/drawing/2014/main" id="{5414229F-5E06-34AD-6D7C-071A4CFCC484}"/>
+                <a16:creationId xmlns:a16="http://schemas.microsoft.com/office/drawing/2014/main" id="{2195AC42-DB63-28EF-788E-951F5AEF46B7}"/>
               </a:ext>
             </a:extLst>
           </p:cNvPr>
@@ -17813,8 +17530,8 @@
         </p:blipFill>
         <p:spPr>
           <a:xfrm>
-            <a:off x="272930" y="1966295"/>
-            <a:ext cx="6953250" cy="1800225"/>
+            <a:off x="272929" y="1992040"/>
+            <a:ext cx="6553200" cy="1247775"/>
           </a:xfrm>
           <a:prstGeom prst="rect">
             <a:avLst/>
@@ -17829,766 +17546,10 @@
           </a:ln>
         </p:spPr>
       </p:pic>
-      <p:sp>
-        <p:nvSpPr>
-          <p:cNvPr id="12" name="TextBox 11">
-            <a:extLst>
-              <a:ext uri="{FF2B5EF4-FFF2-40B4-BE49-F238E27FC236}">
-                <a16:creationId xmlns:a16="http://schemas.microsoft.com/office/drawing/2014/main" id="{268891F9-BD85-85CF-2605-8DA26C6843E7}"/>
-              </a:ext>
-            </a:extLst>
-          </p:cNvPr>
-          <p:cNvSpPr txBox="1"/>
-          <p:nvPr/>
-        </p:nvSpPr>
-        <p:spPr>
-          <a:xfrm>
-            <a:off x="272930" y="4046566"/>
-            <a:ext cx="5125548" cy="2308324"/>
-          </a:xfrm>
-          <a:prstGeom prst="rect">
-            <a:avLst/>
-          </a:prstGeom>
-          <a:noFill/>
-        </p:spPr>
-        <p:txBody>
-          <a:bodyPr wrap="square" rtlCol="0">
-            <a:spAutoFit/>
-          </a:bodyPr>
-          <a:lstStyle/>
-          <a:p>
-            <a:r>
-              <a:rPr lang="en-US" altLang="ko-KR" sz="1600" b="1" dirty="0">
-                <a:latin typeface="나눔스퀘어" panose="020B0600000101010101" pitchFamily="50" charset="-127"/>
-                <a:ea typeface="나눔스퀘어" panose="020B0600000101010101" pitchFamily="50" charset="-127"/>
-              </a:rPr>
-              <a:t>(a) Spatial </a:t>
-            </a:r>
-            <a:r>
-              <a:rPr lang="en-US" altLang="ko-KR" sz="1600" b="1" dirty="0" err="1">
-                <a:latin typeface="나눔스퀘어" panose="020B0600000101010101" pitchFamily="50" charset="-127"/>
-                <a:ea typeface="나눔스퀘어" panose="020B0600000101010101" pitchFamily="50" charset="-127"/>
-              </a:rPr>
-              <a:t>ConvNet</a:t>
-            </a:r>
-            <a:r>
-              <a:rPr lang="en-US" altLang="ko-KR" sz="1600" b="1" dirty="0">
-                <a:latin typeface="나눔스퀘어" panose="020B0600000101010101" pitchFamily="50" charset="-127"/>
-                <a:ea typeface="나눔스퀘어" panose="020B0600000101010101" pitchFamily="50" charset="-127"/>
-              </a:rPr>
-              <a:t> (</a:t>
-            </a:r>
-            <a:r>
-              <a:rPr lang="ko-KR" altLang="en-US" sz="1600" b="1" dirty="0">
-                <a:latin typeface="나눔스퀘어" panose="020B0600000101010101" pitchFamily="50" charset="-127"/>
-                <a:ea typeface="나눔스퀘어" panose="020B0600000101010101" pitchFamily="50" charset="-127"/>
-              </a:rPr>
-              <a:t>학습 방식의 따른 차이 확인</a:t>
-            </a:r>
-            <a:r>
-              <a:rPr lang="en-US" altLang="ko-KR" sz="1600" b="1" dirty="0">
-                <a:latin typeface="나눔스퀘어" panose="020B0600000101010101" pitchFamily="50" charset="-127"/>
-                <a:ea typeface="나눔스퀘어" panose="020B0600000101010101" pitchFamily="50" charset="-127"/>
-              </a:rPr>
-              <a:t>)</a:t>
-            </a:r>
-          </a:p>
-          <a:p>
-            <a:r>
-              <a:rPr lang="en-US" altLang="ko-KR" sz="1200" dirty="0">
-                <a:latin typeface="나눔스퀘어" panose="020B0600000101010101" pitchFamily="50" charset="-127"/>
-                <a:ea typeface="나눔스퀘어" panose="020B0600000101010101" pitchFamily="50" charset="-127"/>
-              </a:rPr>
-              <a:t>1. UCF-101</a:t>
-            </a:r>
-            <a:r>
-              <a:rPr lang="ko-KR" altLang="en-US" sz="1200" dirty="0">
-                <a:latin typeface="나눔스퀘어" panose="020B0600000101010101" pitchFamily="50" charset="-127"/>
-                <a:ea typeface="나눔스퀘어" panose="020B0600000101010101" pitchFamily="50" charset="-127"/>
-              </a:rPr>
-              <a:t>에 대해 처음부터 학습</a:t>
-            </a:r>
-            <a:endParaRPr lang="en-US" altLang="ko-KR" sz="1200" dirty="0">
-              <a:latin typeface="나눔스퀘어" panose="020B0600000101010101" pitchFamily="50" charset="-127"/>
-              <a:ea typeface="나눔스퀘어" panose="020B0600000101010101" pitchFamily="50" charset="-127"/>
-            </a:endParaRPr>
-          </a:p>
-          <a:p>
-            <a:r>
-              <a:rPr lang="en-US" altLang="ko-KR" sz="1200" dirty="0">
-                <a:latin typeface="나눔스퀘어" panose="020B0600000101010101" pitchFamily="50" charset="-127"/>
-                <a:ea typeface="나눔스퀘어" panose="020B0600000101010101" pitchFamily="50" charset="-127"/>
-              </a:rPr>
-              <a:t>2. ILSVRC-2012</a:t>
-            </a:r>
-            <a:r>
-              <a:rPr lang="ko-KR" altLang="en-US" sz="1200" dirty="0">
-                <a:latin typeface="나눔스퀘어" panose="020B0600000101010101" pitchFamily="50" charset="-127"/>
-                <a:ea typeface="나눔스퀘어" panose="020B0600000101010101" pitchFamily="50" charset="-127"/>
-              </a:rPr>
-              <a:t>에 대해 사전 학습 </a:t>
-            </a:r>
-            <a:r>
-              <a:rPr lang="en-US" altLang="ko-KR" sz="1200" dirty="0">
-                <a:latin typeface="나눔스퀘어" panose="020B0600000101010101" pitchFamily="50" charset="-127"/>
-                <a:ea typeface="나눔스퀘어" panose="020B0600000101010101" pitchFamily="50" charset="-127"/>
-              </a:rPr>
-              <a:t>+ UCF-101</a:t>
-            </a:r>
-            <a:r>
-              <a:rPr lang="ko-KR" altLang="en-US" sz="1200" dirty="0">
-                <a:latin typeface="나눔스퀘어" panose="020B0600000101010101" pitchFamily="50" charset="-127"/>
-                <a:ea typeface="나눔스퀘어" panose="020B0600000101010101" pitchFamily="50" charset="-127"/>
-              </a:rPr>
-              <a:t>에 대한 미세조정</a:t>
-            </a:r>
-            <a:endParaRPr lang="en-US" altLang="ko-KR" sz="1200" dirty="0">
-              <a:latin typeface="나눔스퀘어" panose="020B0600000101010101" pitchFamily="50" charset="-127"/>
-              <a:ea typeface="나눔스퀘어" panose="020B0600000101010101" pitchFamily="50" charset="-127"/>
-            </a:endParaRPr>
-          </a:p>
-          <a:p>
-            <a:r>
-              <a:rPr lang="en-US" altLang="ko-KR" sz="1200" dirty="0">
-                <a:latin typeface="나눔스퀘어" panose="020B0600000101010101" pitchFamily="50" charset="-127"/>
-                <a:ea typeface="나눔스퀘어" panose="020B0600000101010101" pitchFamily="50" charset="-127"/>
-              </a:rPr>
-              <a:t>3. ILSVRC-2012</a:t>
-            </a:r>
-            <a:r>
-              <a:rPr lang="ko-KR" altLang="en-US" sz="1200" dirty="0">
-                <a:latin typeface="나눔스퀘어" panose="020B0600000101010101" pitchFamily="50" charset="-127"/>
-                <a:ea typeface="나눔스퀘어" panose="020B0600000101010101" pitchFamily="50" charset="-127"/>
-              </a:rPr>
-              <a:t>에 대해 사전 학습된 망 고정 </a:t>
-            </a:r>
-            <a:r>
-              <a:rPr lang="en-US" altLang="ko-KR" sz="1200" dirty="0">
-                <a:latin typeface="나눔스퀘어" panose="020B0600000101010101" pitchFamily="50" charset="-127"/>
-                <a:ea typeface="나눔스퀘어" panose="020B0600000101010101" pitchFamily="50" charset="-127"/>
-              </a:rPr>
-              <a:t>+ </a:t>
-            </a:r>
-            <a:r>
-              <a:rPr lang="ko-KR" altLang="en-US" sz="1200" dirty="0">
-                <a:latin typeface="나눔스퀘어" panose="020B0600000101010101" pitchFamily="50" charset="-127"/>
-                <a:ea typeface="나눔스퀘어" panose="020B0600000101010101" pitchFamily="50" charset="-127"/>
-              </a:rPr>
-              <a:t>마지막 분류 레이어 학습</a:t>
-            </a:r>
-            <a:endParaRPr lang="en-US" altLang="ko-KR" sz="1200" dirty="0">
-              <a:latin typeface="나눔스퀘어" panose="020B0600000101010101" pitchFamily="50" charset="-127"/>
-              <a:ea typeface="나눔스퀘어" panose="020B0600000101010101" pitchFamily="50" charset="-127"/>
-            </a:endParaRPr>
-          </a:p>
-          <a:p>
-            <a:endParaRPr lang="en-US" altLang="ko-KR" sz="1600" dirty="0">
-              <a:latin typeface="나눔스퀘어" panose="020B0600000101010101" pitchFamily="50" charset="-127"/>
-              <a:ea typeface="나눔스퀘어" panose="020B0600000101010101" pitchFamily="50" charset="-127"/>
-            </a:endParaRPr>
-          </a:p>
-          <a:p>
-            <a:r>
-              <a:rPr lang="ko-KR" altLang="en-US" sz="1600" b="1" dirty="0">
-                <a:latin typeface="나눔스퀘어" panose="020B0600000101010101" pitchFamily="50" charset="-127"/>
-                <a:ea typeface="나눔스퀘어" panose="020B0600000101010101" pitchFamily="50" charset="-127"/>
-              </a:rPr>
-              <a:t>결과</a:t>
-            </a:r>
-            <a:endParaRPr lang="en-US" altLang="ko-KR" sz="1600" b="1" dirty="0">
-              <a:latin typeface="나눔스퀘어" panose="020B0600000101010101" pitchFamily="50" charset="-127"/>
-              <a:ea typeface="나눔스퀘어" panose="020B0600000101010101" pitchFamily="50" charset="-127"/>
-            </a:endParaRPr>
-          </a:p>
-          <a:p>
-            <a:endParaRPr lang="en-US" altLang="ko-KR" sz="1200" dirty="0">
-              <a:latin typeface="나눔스퀘어" panose="020B0600000101010101" pitchFamily="50" charset="-127"/>
-              <a:ea typeface="나눔스퀘어" panose="020B0600000101010101" pitchFamily="50" charset="-127"/>
-            </a:endParaRPr>
-          </a:p>
-          <a:p>
-            <a:r>
-              <a:rPr lang="en-US" altLang="ko-KR" sz="1200" dirty="0">
-                <a:latin typeface="나눔스퀘어" panose="020B0600000101010101" pitchFamily="50" charset="-127"/>
-                <a:ea typeface="나눔스퀘어" panose="020B0600000101010101" pitchFamily="50" charset="-127"/>
-              </a:rPr>
-              <a:t>1</a:t>
-            </a:r>
-            <a:r>
-              <a:rPr lang="ko-KR" altLang="en-US" sz="1200" dirty="0">
-                <a:latin typeface="나눔스퀘어" panose="020B0600000101010101" pitchFamily="50" charset="-127"/>
-                <a:ea typeface="나눔스퀘어" panose="020B0600000101010101" pitchFamily="50" charset="-127"/>
-              </a:rPr>
-              <a:t>의 경우 </a:t>
-            </a:r>
-            <a:r>
-              <a:rPr lang="en-US" altLang="ko-KR" sz="1200" dirty="0">
-                <a:latin typeface="나눔스퀘어" panose="020B0600000101010101" pitchFamily="50" charset="-127"/>
-                <a:ea typeface="나눔스퀘어" panose="020B0600000101010101" pitchFamily="50" charset="-127"/>
-              </a:rPr>
-              <a:t>Dropout</a:t>
-            </a:r>
-            <a:r>
-              <a:rPr lang="ko-KR" altLang="en-US" sz="1200" dirty="0">
-                <a:latin typeface="나눔스퀘어" panose="020B0600000101010101" pitchFamily="50" charset="-127"/>
-                <a:ea typeface="나눔스퀘어" panose="020B0600000101010101" pitchFamily="50" charset="-127"/>
-              </a:rPr>
-              <a:t>이 </a:t>
-            </a:r>
-            <a:r>
-              <a:rPr lang="en-US" altLang="ko-KR" sz="1200" dirty="0">
-                <a:latin typeface="나눔스퀘어" panose="020B0600000101010101" pitchFamily="50" charset="-127"/>
-                <a:ea typeface="나눔스퀘어" panose="020B0600000101010101" pitchFamily="50" charset="-127"/>
-              </a:rPr>
-              <a:t>0.9</a:t>
-            </a:r>
-            <a:r>
-              <a:rPr lang="ko-KR" altLang="en-US" sz="1200" dirty="0">
-                <a:latin typeface="나눔스퀘어" panose="020B0600000101010101" pitchFamily="50" charset="-127"/>
-                <a:ea typeface="나눔스퀘어" panose="020B0600000101010101" pitchFamily="50" charset="-127"/>
-              </a:rPr>
-              <a:t>처럼 높은 경우도 </a:t>
-            </a:r>
-            <a:r>
-              <a:rPr lang="ko-KR" altLang="en-US" sz="1200" dirty="0" err="1">
-                <a:latin typeface="나눔스퀘어" panose="020B0600000101010101" pitchFamily="50" charset="-127"/>
-                <a:ea typeface="나눔스퀘어" panose="020B0600000101010101" pitchFamily="50" charset="-127"/>
-              </a:rPr>
-              <a:t>과적합</a:t>
-            </a:r>
-            <a:r>
-              <a:rPr lang="ko-KR" altLang="en-US" sz="1200" dirty="0">
-                <a:latin typeface="나눔스퀘어" panose="020B0600000101010101" pitchFamily="50" charset="-127"/>
-                <a:ea typeface="나눔스퀘어" panose="020B0600000101010101" pitchFamily="50" charset="-127"/>
-              </a:rPr>
-              <a:t> 발생</a:t>
-            </a:r>
-            <a:endParaRPr lang="en-US" altLang="ko-KR" sz="1200" dirty="0">
-              <a:latin typeface="나눔스퀘어" panose="020B0600000101010101" pitchFamily="50" charset="-127"/>
-              <a:ea typeface="나눔스퀘어" panose="020B0600000101010101" pitchFamily="50" charset="-127"/>
-            </a:endParaRPr>
-          </a:p>
-          <a:p>
-            <a:r>
-              <a:rPr lang="en-US" altLang="ko-KR" sz="1200" dirty="0">
-                <a:latin typeface="나눔스퀘어" panose="020B0600000101010101" pitchFamily="50" charset="-127"/>
-                <a:ea typeface="나눔스퀘어" panose="020B0600000101010101" pitchFamily="50" charset="-127"/>
-              </a:rPr>
-              <a:t>2</a:t>
-            </a:r>
-            <a:r>
-              <a:rPr lang="ko-KR" altLang="en-US" sz="1200" dirty="0">
-                <a:latin typeface="나눔스퀘어" panose="020B0600000101010101" pitchFamily="50" charset="-127"/>
-                <a:ea typeface="나눔스퀘어" panose="020B0600000101010101" pitchFamily="50" charset="-127"/>
-              </a:rPr>
-              <a:t>의 경우가 </a:t>
-            </a:r>
-            <a:r>
-              <a:rPr lang="en-US" altLang="ko-KR" sz="1200" dirty="0">
-                <a:latin typeface="나눔스퀘어" panose="020B0600000101010101" pitchFamily="50" charset="-127"/>
-                <a:ea typeface="나눔스퀘어" panose="020B0600000101010101" pitchFamily="50" charset="-127"/>
-              </a:rPr>
-              <a:t>3</a:t>
-            </a:r>
-            <a:r>
-              <a:rPr lang="ko-KR" altLang="en-US" sz="1200" dirty="0">
-                <a:latin typeface="나눔스퀘어" panose="020B0600000101010101" pitchFamily="50" charset="-127"/>
-                <a:ea typeface="나눔스퀘어" panose="020B0600000101010101" pitchFamily="50" charset="-127"/>
-              </a:rPr>
-              <a:t>의 경우보다 약간 우세</a:t>
-            </a:r>
-            <a:endParaRPr lang="en-US" altLang="ko-KR" sz="1200" dirty="0">
-              <a:latin typeface="나눔스퀘어" panose="020B0600000101010101" pitchFamily="50" charset="-127"/>
-              <a:ea typeface="나눔스퀘어" panose="020B0600000101010101" pitchFamily="50" charset="-127"/>
-            </a:endParaRPr>
-          </a:p>
-          <a:p>
-            <a:r>
-              <a:rPr lang="en-US" altLang="ko-KR" sz="1200" dirty="0">
-                <a:latin typeface="나눔스퀘어" panose="020B0600000101010101" pitchFamily="50" charset="-127"/>
-                <a:ea typeface="나눔스퀘어" panose="020B0600000101010101" pitchFamily="50" charset="-127"/>
-              </a:rPr>
-              <a:t>pre-trained + last layer </a:t>
-            </a:r>
-            <a:r>
-              <a:rPr lang="ko-KR" altLang="en-US" sz="1200" dirty="0">
-                <a:latin typeface="나눔스퀘어" panose="020B0600000101010101" pitchFamily="50" charset="-127"/>
-                <a:ea typeface="나눔스퀘어" panose="020B0600000101010101" pitchFamily="50" charset="-127"/>
-              </a:rPr>
-              <a:t>학습 세팅을 택함 </a:t>
-            </a:r>
-            <a:r>
-              <a:rPr lang="en-US" altLang="ko-KR" sz="1200" dirty="0">
-                <a:latin typeface="나눔스퀘어" panose="020B0600000101010101" pitchFamily="50" charset="-127"/>
-                <a:ea typeface="나눔스퀘어" panose="020B0600000101010101" pitchFamily="50" charset="-127"/>
-              </a:rPr>
-              <a:t>(fine-tuning</a:t>
-            </a:r>
-            <a:r>
-              <a:rPr lang="ko-KR" altLang="en-US" sz="1200" dirty="0">
-                <a:latin typeface="나눔스퀘어" panose="020B0600000101010101" pitchFamily="50" charset="-127"/>
-                <a:ea typeface="나눔스퀘어" panose="020B0600000101010101" pitchFamily="50" charset="-127"/>
-              </a:rPr>
-              <a:t>이 더 어려움</a:t>
-            </a:r>
-            <a:r>
-              <a:rPr lang="en-US" altLang="ko-KR" sz="1200" dirty="0">
-                <a:latin typeface="나눔스퀘어" panose="020B0600000101010101" pitchFamily="50" charset="-127"/>
-                <a:ea typeface="나눔스퀘어" panose="020B0600000101010101" pitchFamily="50" charset="-127"/>
-              </a:rPr>
-              <a:t>)</a:t>
-            </a:r>
-            <a:endParaRPr lang="en-US" altLang="ko-KR" sz="1600" dirty="0">
-              <a:latin typeface="나눔스퀘어" panose="020B0600000101010101" pitchFamily="50" charset="-127"/>
-              <a:ea typeface="나눔스퀘어" panose="020B0600000101010101" pitchFamily="50" charset="-127"/>
-            </a:endParaRPr>
-          </a:p>
-        </p:txBody>
-      </p:sp>
-      <p:sp>
-        <p:nvSpPr>
-          <p:cNvPr id="8" name="TextBox 7">
-            <a:extLst>
-              <a:ext uri="{FF2B5EF4-FFF2-40B4-BE49-F238E27FC236}">
-                <a16:creationId xmlns:a16="http://schemas.microsoft.com/office/drawing/2014/main" id="{8F93A78B-4550-EEEF-F640-D519EE3D3471}"/>
-              </a:ext>
-            </a:extLst>
-          </p:cNvPr>
-          <p:cNvSpPr txBox="1"/>
-          <p:nvPr/>
-        </p:nvSpPr>
-        <p:spPr>
-          <a:xfrm>
-            <a:off x="5555097" y="4046566"/>
-            <a:ext cx="6636903" cy="2677656"/>
-          </a:xfrm>
-          <a:prstGeom prst="rect">
-            <a:avLst/>
-          </a:prstGeom>
-          <a:noFill/>
-        </p:spPr>
-        <p:txBody>
-          <a:bodyPr wrap="square" rtlCol="0">
-            <a:spAutoFit/>
-          </a:bodyPr>
-          <a:lstStyle/>
-          <a:p>
-            <a:r>
-              <a:rPr lang="en-US" altLang="ko-KR" sz="1600" b="1" dirty="0">
-                <a:latin typeface="나눔스퀘어" panose="020B0600000101010101" pitchFamily="50" charset="-127"/>
-                <a:ea typeface="나눔스퀘어" panose="020B0600000101010101" pitchFamily="50" charset="-127"/>
-              </a:rPr>
-              <a:t>(b) Temporal </a:t>
-            </a:r>
-            <a:r>
-              <a:rPr lang="en-US" altLang="ko-KR" sz="1600" b="1" dirty="0" err="1">
-                <a:latin typeface="나눔스퀘어" panose="020B0600000101010101" pitchFamily="50" charset="-127"/>
-                <a:ea typeface="나눔스퀘어" panose="020B0600000101010101" pitchFamily="50" charset="-127"/>
-              </a:rPr>
-              <a:t>ConvNet</a:t>
-            </a:r>
-            <a:r>
-              <a:rPr lang="ko-KR" altLang="en-US" sz="1600" b="1" dirty="0">
-                <a:latin typeface="나눔스퀘어" panose="020B0600000101010101" pitchFamily="50" charset="-127"/>
-                <a:ea typeface="나눔스퀘어" panose="020B0600000101010101" pitchFamily="50" charset="-127"/>
-              </a:rPr>
-              <a:t> </a:t>
-            </a:r>
-            <a:r>
-              <a:rPr lang="en-US" altLang="ko-KR" sz="1600" b="1" dirty="0">
-                <a:latin typeface="나눔스퀘어" panose="020B0600000101010101" pitchFamily="50" charset="-127"/>
-                <a:ea typeface="나눔스퀘어" panose="020B0600000101010101" pitchFamily="50" charset="-127"/>
-              </a:rPr>
-              <a:t>(</a:t>
-            </a:r>
-            <a:r>
-              <a:rPr lang="ko-KR" altLang="en-US" sz="1600" b="1" dirty="0">
-                <a:latin typeface="나눔스퀘어" panose="020B0600000101010101" pitchFamily="50" charset="-127"/>
-                <a:ea typeface="나눔스퀘어" panose="020B0600000101010101" pitchFamily="50" charset="-127"/>
-              </a:rPr>
-              <a:t>입력 값의 따른 차이 확인</a:t>
-            </a:r>
-            <a:r>
-              <a:rPr lang="en-US" altLang="ko-KR" sz="1600" b="1" dirty="0">
-                <a:latin typeface="나눔스퀘어" panose="020B0600000101010101" pitchFamily="50" charset="-127"/>
-                <a:ea typeface="나눔스퀘어" panose="020B0600000101010101" pitchFamily="50" charset="-127"/>
-              </a:rPr>
-              <a:t>)</a:t>
-            </a:r>
-          </a:p>
-          <a:p>
-            <a:r>
-              <a:rPr lang="en-US" altLang="ko-KR" sz="1200" dirty="0">
-                <a:latin typeface="나눔스퀘어" panose="020B0600000101010101" pitchFamily="50" charset="-127"/>
-                <a:ea typeface="나눔스퀘어" panose="020B0600000101010101" pitchFamily="50" charset="-127"/>
-              </a:rPr>
-              <a:t>1. </a:t>
-            </a:r>
-            <a:r>
-              <a:rPr lang="ko-KR" altLang="en-US" sz="1200" dirty="0">
-                <a:latin typeface="나눔스퀘어" panose="020B0600000101010101" pitchFamily="50" charset="-127"/>
-                <a:ea typeface="나눔스퀘어" panose="020B0600000101010101" pitchFamily="50" charset="-127"/>
-              </a:rPr>
-              <a:t>입력 값을 단일 프레임 광학 흐름을 줌</a:t>
-            </a:r>
-            <a:r>
-              <a:rPr lang="en-US" altLang="ko-KR" sz="1200" dirty="0">
-                <a:latin typeface="나눔스퀘어" panose="020B0600000101010101" pitchFamily="50" charset="-127"/>
-                <a:ea typeface="나눔스퀘어" panose="020B0600000101010101" pitchFamily="50" charset="-127"/>
-              </a:rPr>
-              <a:t>(L=1)</a:t>
-            </a:r>
-          </a:p>
-          <a:p>
-            <a:r>
-              <a:rPr lang="en-US" altLang="ko-KR" sz="1200" dirty="0">
-                <a:latin typeface="나눔스퀘어" panose="020B0600000101010101" pitchFamily="50" charset="-127"/>
-                <a:ea typeface="나눔스퀘어" panose="020B0600000101010101" pitchFamily="50" charset="-127"/>
-              </a:rPr>
-              <a:t>2. </a:t>
-            </a:r>
-            <a:r>
-              <a:rPr lang="ko-KR" altLang="en-US" sz="1200" dirty="0">
-                <a:latin typeface="나눔스퀘어" panose="020B0600000101010101" pitchFamily="50" charset="-127"/>
-                <a:ea typeface="나눔스퀘어" panose="020B0600000101010101" pitchFamily="50" charset="-127"/>
-              </a:rPr>
-              <a:t>입력 값을 광학 흐름을 쌓아서 줌</a:t>
-            </a:r>
-            <a:r>
-              <a:rPr lang="en-US" altLang="ko-KR" sz="1200" dirty="0">
-                <a:latin typeface="나눔스퀘어" panose="020B0600000101010101" pitchFamily="50" charset="-127"/>
-                <a:ea typeface="나눔스퀘어" panose="020B0600000101010101" pitchFamily="50" charset="-127"/>
-              </a:rPr>
-              <a:t>(L=5)</a:t>
-            </a:r>
-          </a:p>
-          <a:p>
-            <a:r>
-              <a:rPr lang="en-US" altLang="ko-KR" sz="1200" dirty="0">
-                <a:latin typeface="나눔스퀘어" panose="020B0600000101010101" pitchFamily="50" charset="-127"/>
-                <a:ea typeface="나눔스퀘어" panose="020B0600000101010101" pitchFamily="50" charset="-127"/>
-              </a:rPr>
-              <a:t>3. </a:t>
-            </a:r>
-            <a:r>
-              <a:rPr lang="ko-KR" altLang="en-US" sz="1200" dirty="0">
-                <a:latin typeface="나눔스퀘어" panose="020B0600000101010101" pitchFamily="50" charset="-127"/>
-                <a:ea typeface="나눔스퀘어" panose="020B0600000101010101" pitchFamily="50" charset="-127"/>
-              </a:rPr>
-              <a:t>입력 값을 광학 흐름을 쌓아서 줌</a:t>
-            </a:r>
-            <a:r>
-              <a:rPr lang="en-US" altLang="ko-KR" sz="1200" dirty="0">
-                <a:latin typeface="나눔스퀘어" panose="020B0600000101010101" pitchFamily="50" charset="-127"/>
-                <a:ea typeface="나눔스퀘어" panose="020B0600000101010101" pitchFamily="50" charset="-127"/>
-              </a:rPr>
-              <a:t>(L=10)</a:t>
-            </a:r>
-          </a:p>
-          <a:p>
-            <a:r>
-              <a:rPr lang="en-US" altLang="ko-KR" sz="1200" dirty="0">
-                <a:latin typeface="나눔스퀘어" panose="020B0600000101010101" pitchFamily="50" charset="-127"/>
-                <a:ea typeface="나눔스퀘어" panose="020B0600000101010101" pitchFamily="50" charset="-127"/>
-              </a:rPr>
-              <a:t>4. </a:t>
-            </a:r>
-            <a:r>
-              <a:rPr lang="ko-KR" altLang="en-US" sz="1200" dirty="0">
-                <a:latin typeface="나눔스퀘어" panose="020B0600000101010101" pitchFamily="50" charset="-127"/>
-                <a:ea typeface="나눔스퀘어" panose="020B0600000101010101" pitchFamily="50" charset="-127"/>
-              </a:rPr>
-              <a:t>입력 값을 </a:t>
-            </a:r>
-            <a:r>
-              <a:rPr lang="ko-KR" altLang="en-US" sz="1200" dirty="0" err="1">
-                <a:latin typeface="나눔스퀘어" panose="020B0600000101010101" pitchFamily="50" charset="-127"/>
-                <a:ea typeface="나눔스퀘어" panose="020B0600000101010101" pitchFamily="50" charset="-127"/>
-              </a:rPr>
-              <a:t>위치점의</a:t>
-            </a:r>
-            <a:r>
-              <a:rPr lang="ko-KR" altLang="en-US" sz="1200" dirty="0">
-                <a:latin typeface="나눔스퀘어" panose="020B0600000101010101" pitchFamily="50" charset="-127"/>
-                <a:ea typeface="나눔스퀘어" panose="020B0600000101010101" pitchFamily="50" charset="-127"/>
-              </a:rPr>
-              <a:t> 궤적을 쌓아서 줌</a:t>
-            </a:r>
-            <a:r>
-              <a:rPr lang="en-US" altLang="ko-KR" sz="1200" dirty="0">
-                <a:latin typeface="나눔스퀘어" panose="020B0600000101010101" pitchFamily="50" charset="-127"/>
-                <a:ea typeface="나눔스퀘어" panose="020B0600000101010101" pitchFamily="50" charset="-127"/>
-              </a:rPr>
-              <a:t>(L=10)</a:t>
-            </a:r>
-          </a:p>
-          <a:p>
-            <a:r>
-              <a:rPr lang="en-US" altLang="ko-KR" sz="1200" dirty="0">
-                <a:latin typeface="나눔스퀘어" panose="020B0600000101010101" pitchFamily="50" charset="-127"/>
-                <a:ea typeface="나눔스퀘어" panose="020B0600000101010101" pitchFamily="50" charset="-127"/>
-              </a:rPr>
-              <a:t>5. </a:t>
-            </a:r>
-            <a:r>
-              <a:rPr lang="ko-KR" altLang="en-US" sz="1200" dirty="0">
-                <a:latin typeface="나눔스퀘어" panose="020B0600000101010101" pitchFamily="50" charset="-127"/>
-                <a:ea typeface="나눔스퀘어" panose="020B0600000101010101" pitchFamily="50" charset="-127"/>
-              </a:rPr>
-              <a:t>입력 값을  광학 흐름을 쌓아서 줌</a:t>
-            </a:r>
-            <a:r>
-              <a:rPr lang="en-US" altLang="ko-KR" sz="1200" dirty="0">
-                <a:latin typeface="나눔스퀘어" panose="020B0600000101010101" pitchFamily="50" charset="-127"/>
-                <a:ea typeface="나눔스퀘어" panose="020B0600000101010101" pitchFamily="50" charset="-127"/>
-              </a:rPr>
-              <a:t>(L=10)</a:t>
-            </a:r>
-            <a:r>
-              <a:rPr lang="ko-KR" altLang="en-US" sz="1200" dirty="0">
-                <a:latin typeface="나눔스퀘어" panose="020B0600000101010101" pitchFamily="50" charset="-127"/>
-                <a:ea typeface="나눔스퀘어" panose="020B0600000101010101" pitchFamily="50" charset="-127"/>
-              </a:rPr>
-              <a:t> 또한 양방향 </a:t>
-            </a:r>
-            <a:r>
-              <a:rPr lang="ko-KR" altLang="en-US" sz="1200" dirty="0" err="1">
-                <a:latin typeface="나눔스퀘어" panose="020B0600000101010101" pitchFamily="50" charset="-127"/>
-                <a:ea typeface="나눔스퀘어" panose="020B0600000101010101" pitchFamily="50" charset="-127"/>
-              </a:rPr>
-              <a:t>광학흐름</a:t>
-            </a:r>
-            <a:endParaRPr lang="en-US" altLang="ko-KR" sz="1200" dirty="0">
-              <a:latin typeface="나눔스퀘어" panose="020B0600000101010101" pitchFamily="50" charset="-127"/>
-              <a:ea typeface="나눔스퀘어" panose="020B0600000101010101" pitchFamily="50" charset="-127"/>
-            </a:endParaRPr>
-          </a:p>
-          <a:p>
-            <a:endParaRPr lang="en-US" altLang="ko-KR" sz="1600" dirty="0">
-              <a:latin typeface="나눔스퀘어" panose="020B0600000101010101" pitchFamily="50" charset="-127"/>
-              <a:ea typeface="나눔스퀘어" panose="020B0600000101010101" pitchFamily="50" charset="-127"/>
-            </a:endParaRPr>
-          </a:p>
-          <a:p>
-            <a:r>
-              <a:rPr lang="ko-KR" altLang="en-US" sz="1600" b="1" dirty="0">
-                <a:latin typeface="나눔스퀘어" panose="020B0600000101010101" pitchFamily="50" charset="-127"/>
-                <a:ea typeface="나눔스퀘어" panose="020B0600000101010101" pitchFamily="50" charset="-127"/>
-              </a:rPr>
-              <a:t>결과</a:t>
-            </a:r>
-            <a:endParaRPr lang="en-US" altLang="ko-KR" sz="1600" b="1" dirty="0">
-              <a:latin typeface="나눔스퀘어" panose="020B0600000101010101" pitchFamily="50" charset="-127"/>
-              <a:ea typeface="나눔스퀘어" panose="020B0600000101010101" pitchFamily="50" charset="-127"/>
-            </a:endParaRPr>
-          </a:p>
-          <a:p>
-            <a:endParaRPr lang="en-US" altLang="ko-KR" sz="1200" dirty="0">
-              <a:latin typeface="나눔스퀘어" panose="020B0600000101010101" pitchFamily="50" charset="-127"/>
-              <a:ea typeface="나눔스퀘어" panose="020B0600000101010101" pitchFamily="50" charset="-127"/>
-            </a:endParaRPr>
-          </a:p>
-          <a:p>
-            <a:r>
-              <a:rPr lang="ko-KR" altLang="en-US" sz="1200" dirty="0">
-                <a:latin typeface="나눔스퀘어" panose="020B0600000101010101" pitchFamily="50" charset="-127"/>
-                <a:ea typeface="나눔스퀘어" panose="020B0600000101010101" pitchFamily="50" charset="-127"/>
-              </a:rPr>
-              <a:t>입력으로 </a:t>
-            </a:r>
-            <a:r>
-              <a:rPr lang="ko-KR" altLang="en-US" sz="1200" dirty="0" err="1">
-                <a:latin typeface="나눔스퀘어" panose="020B0600000101010101" pitchFamily="50" charset="-127"/>
-                <a:ea typeface="나눔스퀘어" panose="020B0600000101010101" pitchFamily="50" charset="-127"/>
-              </a:rPr>
-              <a:t>변위장을</a:t>
-            </a:r>
-            <a:r>
-              <a:rPr lang="ko-KR" altLang="en-US" sz="1200" dirty="0">
-                <a:latin typeface="나눔스퀘어" panose="020B0600000101010101" pitchFamily="50" charset="-127"/>
-                <a:ea typeface="나눔스퀘어" panose="020B0600000101010101" pitchFamily="50" charset="-127"/>
-              </a:rPr>
-              <a:t> 다중으로 쌓아서 주는 것이 더 효과적임</a:t>
-            </a:r>
-            <a:r>
-              <a:rPr lang="en-US" altLang="ko-KR" sz="1200" dirty="0">
-                <a:latin typeface="나눔스퀘어" panose="020B0600000101010101" pitchFamily="50" charset="-127"/>
-                <a:ea typeface="나눔스퀘어" panose="020B0600000101010101" pitchFamily="50" charset="-127"/>
-              </a:rPr>
-              <a:t>(</a:t>
-            </a:r>
-            <a:r>
-              <a:rPr lang="ko-KR" altLang="en-US" sz="1200" dirty="0">
-                <a:latin typeface="나눔스퀘어" panose="020B0600000101010101" pitchFamily="50" charset="-127"/>
-                <a:ea typeface="나눔스퀘어" panose="020B0600000101010101" pitchFamily="50" charset="-127"/>
-              </a:rPr>
-              <a:t>장기간의 동작에서 더 잘 구별됨</a:t>
-            </a:r>
-            <a:r>
-              <a:rPr lang="en-US" altLang="ko-KR" sz="1200" dirty="0">
-                <a:latin typeface="나눔스퀘어" panose="020B0600000101010101" pitchFamily="50" charset="-127"/>
-                <a:ea typeface="나눔스퀘어" panose="020B0600000101010101" pitchFamily="50" charset="-127"/>
-              </a:rPr>
-              <a:t>)</a:t>
-            </a:r>
-          </a:p>
-          <a:p>
-            <a:r>
-              <a:rPr lang="en-US" altLang="ko-KR" sz="1200" dirty="0">
-                <a:latin typeface="나눔스퀘어" panose="020B0600000101010101" pitchFamily="50" charset="-127"/>
-                <a:ea typeface="나눔스퀘어" panose="020B0600000101010101" pitchFamily="50" charset="-127"/>
-              </a:rPr>
-              <a:t>Mean subtraction</a:t>
-            </a:r>
-            <a:r>
-              <a:rPr lang="ko-KR" altLang="en-US" sz="1200" dirty="0">
-                <a:latin typeface="나눔스퀘어" panose="020B0600000101010101" pitchFamily="50" charset="-127"/>
-                <a:ea typeface="나눔스퀘어" panose="020B0600000101010101" pitchFamily="50" charset="-127"/>
-              </a:rPr>
-              <a:t>을 하는 것이 프레임간의 전역 모션 효과를 감소시켜 도움이 됨</a:t>
-            </a:r>
-            <a:endParaRPr lang="en-US" altLang="ko-KR" sz="1200" dirty="0">
-              <a:latin typeface="나눔스퀘어" panose="020B0600000101010101" pitchFamily="50" charset="-127"/>
-              <a:ea typeface="나눔스퀘어" panose="020B0600000101010101" pitchFamily="50" charset="-127"/>
-            </a:endParaRPr>
-          </a:p>
-          <a:p>
-            <a:r>
-              <a:rPr lang="en-US" altLang="ko-KR" sz="1200" dirty="0">
-                <a:latin typeface="나눔스퀘어" panose="020B0600000101010101" pitchFamily="50" charset="-127"/>
-                <a:ea typeface="나눔스퀘어" panose="020B0600000101010101" pitchFamily="50" charset="-127"/>
-              </a:rPr>
-              <a:t>Trajectory</a:t>
-            </a:r>
-            <a:r>
-              <a:rPr lang="ko-KR" altLang="en-US" sz="1200" dirty="0">
-                <a:latin typeface="나눔스퀘어" panose="020B0600000101010101" pitchFamily="50" charset="-127"/>
-                <a:ea typeface="나눔스퀘어" panose="020B0600000101010101" pitchFamily="50" charset="-127"/>
-              </a:rPr>
-              <a:t>와 </a:t>
-            </a:r>
-            <a:r>
-              <a:rPr lang="en-US" altLang="ko-KR" sz="1200" dirty="0">
-                <a:latin typeface="나눔스퀘어" panose="020B0600000101010101" pitchFamily="50" charset="-127"/>
-                <a:ea typeface="나눔스퀘어" panose="020B0600000101010101" pitchFamily="50" charset="-127"/>
-              </a:rPr>
-              <a:t>Optical flow </a:t>
-            </a:r>
-            <a:r>
-              <a:rPr lang="ko-KR" altLang="en-US" sz="1200" dirty="0">
-                <a:latin typeface="나눔스퀘어" panose="020B0600000101010101" pitchFamily="50" charset="-127"/>
-                <a:ea typeface="나눔스퀘어" panose="020B0600000101010101" pitchFamily="50" charset="-127"/>
-              </a:rPr>
-              <a:t>미세한 차이</a:t>
-            </a:r>
-            <a:r>
-              <a:rPr lang="en-US" altLang="ko-KR" sz="1200" dirty="0">
-                <a:latin typeface="나눔스퀘어" panose="020B0600000101010101" pitchFamily="50" charset="-127"/>
-                <a:ea typeface="나눔스퀘어" panose="020B0600000101010101" pitchFamily="50" charset="-127"/>
-              </a:rPr>
-              <a:t>, </a:t>
-            </a:r>
-            <a:r>
-              <a:rPr lang="ko-KR" altLang="en-US" sz="1200" dirty="0">
-                <a:latin typeface="나눔스퀘어" panose="020B0600000101010101" pitchFamily="50" charset="-127"/>
-                <a:ea typeface="나눔스퀘어" panose="020B0600000101010101" pitchFamily="50" charset="-127"/>
-              </a:rPr>
-              <a:t>양방향 </a:t>
-            </a:r>
-            <a:r>
-              <a:rPr lang="ko-KR" altLang="en-US" sz="1200" dirty="0" err="1">
-                <a:latin typeface="나눔스퀘어" panose="020B0600000101010101" pitchFamily="50" charset="-127"/>
-                <a:ea typeface="나눔스퀘어" panose="020B0600000101010101" pitchFamily="50" charset="-127"/>
-              </a:rPr>
-              <a:t>광학흐름</a:t>
-            </a:r>
-            <a:r>
-              <a:rPr lang="ko-KR" altLang="en-US" sz="1200" dirty="0">
-                <a:latin typeface="나눔스퀘어" panose="020B0600000101010101" pitchFamily="50" charset="-127"/>
-                <a:ea typeface="나눔스퀘어" panose="020B0600000101010101" pitchFamily="50" charset="-127"/>
-              </a:rPr>
-              <a:t> 또한 </a:t>
-            </a:r>
-            <a:r>
-              <a:rPr lang="ko-KR" altLang="en-US" sz="1200" dirty="0" err="1">
-                <a:latin typeface="나눔스퀘어" panose="020B0600000101010101" pitchFamily="50" charset="-127"/>
-                <a:ea typeface="나눔스퀘어" panose="020B0600000101010101" pitchFamily="50" charset="-127"/>
-              </a:rPr>
-              <a:t>단방향과</a:t>
-            </a:r>
-            <a:r>
-              <a:rPr lang="ko-KR" altLang="en-US" sz="1200" dirty="0">
-                <a:latin typeface="나눔스퀘어" panose="020B0600000101010101" pitchFamily="50" charset="-127"/>
-                <a:ea typeface="나눔스퀘어" panose="020B0600000101010101" pitchFamily="50" charset="-127"/>
-              </a:rPr>
-              <a:t> 미세한 차이</a:t>
-            </a:r>
-            <a:endParaRPr lang="en-US" altLang="ko-KR" sz="1200" dirty="0">
-              <a:latin typeface="나눔스퀘어" panose="020B0600000101010101" pitchFamily="50" charset="-127"/>
-              <a:ea typeface="나눔스퀘어" panose="020B0600000101010101" pitchFamily="50" charset="-127"/>
-            </a:endParaRPr>
-          </a:p>
-          <a:p>
-            <a:r>
-              <a:rPr lang="en-US" altLang="ko-KR" sz="1200" dirty="0" err="1">
-                <a:latin typeface="나눔스퀘어" panose="020B0600000101010101" pitchFamily="50" charset="-127"/>
-                <a:ea typeface="나눔스퀘어" panose="020B0600000101010101" pitchFamily="50" charset="-127"/>
-              </a:rPr>
-              <a:t>Tempolar</a:t>
-            </a:r>
-            <a:r>
-              <a:rPr lang="en-US" altLang="ko-KR" sz="1200" dirty="0">
-                <a:latin typeface="나눔스퀘어" panose="020B0600000101010101" pitchFamily="50" charset="-127"/>
-                <a:ea typeface="나눔스퀘어" panose="020B0600000101010101" pitchFamily="50" charset="-127"/>
-              </a:rPr>
-              <a:t> </a:t>
-            </a:r>
-            <a:r>
-              <a:rPr lang="en-US" altLang="ko-KR" sz="1200" dirty="0" err="1">
-                <a:latin typeface="나눔스퀘어" panose="020B0600000101010101" pitchFamily="50" charset="-127"/>
-                <a:ea typeface="나눔스퀘어" panose="020B0600000101010101" pitchFamily="50" charset="-127"/>
-              </a:rPr>
-              <a:t>ConvNet</a:t>
-            </a:r>
-            <a:r>
-              <a:rPr lang="ko-KR" altLang="en-US" sz="1200" dirty="0">
-                <a:latin typeface="나눔스퀘어" panose="020B0600000101010101" pitchFamily="50" charset="-127"/>
-                <a:ea typeface="나눔스퀘어" panose="020B0600000101010101" pitchFamily="50" charset="-127"/>
-              </a:rPr>
-              <a:t>이 </a:t>
-            </a:r>
-            <a:r>
-              <a:rPr lang="en-US" altLang="ko-KR" sz="1200" dirty="0">
-                <a:latin typeface="나눔스퀘어" panose="020B0600000101010101" pitchFamily="50" charset="-127"/>
-                <a:ea typeface="나눔스퀘어" panose="020B0600000101010101" pitchFamily="50" charset="-127"/>
-              </a:rPr>
-              <a:t>Spatial </a:t>
-            </a:r>
-            <a:r>
-              <a:rPr lang="en-US" altLang="ko-KR" sz="1200" dirty="0" err="1">
-                <a:latin typeface="나눔스퀘어" panose="020B0600000101010101" pitchFamily="50" charset="-127"/>
-                <a:ea typeface="나눔스퀘어" panose="020B0600000101010101" pitchFamily="50" charset="-127"/>
-              </a:rPr>
-              <a:t>ConvNet</a:t>
-            </a:r>
-            <a:r>
-              <a:rPr lang="ko-KR" altLang="en-US" sz="1200" dirty="0">
-                <a:latin typeface="나눔스퀘어" panose="020B0600000101010101" pitchFamily="50" charset="-127"/>
-                <a:ea typeface="나눔스퀘어" panose="020B0600000101010101" pitchFamily="50" charset="-127"/>
-              </a:rPr>
-              <a:t>을 훨씬 능가 → 시간적 정보의 중요성을 확인함</a:t>
-            </a:r>
-            <a:endParaRPr lang="en-US" altLang="ko-KR" sz="1200" dirty="0">
-              <a:latin typeface="나눔스퀘어" panose="020B0600000101010101" pitchFamily="50" charset="-127"/>
-              <a:ea typeface="나눔스퀘어" panose="020B0600000101010101" pitchFamily="50" charset="-127"/>
-            </a:endParaRPr>
-          </a:p>
-        </p:txBody>
-      </p:sp>
     </p:spTree>
     <p:extLst>
       <p:ext uri="{BB962C8B-B14F-4D97-AF65-F5344CB8AC3E}">
-        <p14:creationId xmlns:p14="http://schemas.microsoft.com/office/powerpoint/2010/main" val="1346362301"/>
+        <p14:creationId xmlns:p14="http://schemas.microsoft.com/office/powerpoint/2010/main" val="4186354732"/>
       </p:ext>
     </p:extLst>
   </p:cSld>
